--- a/IMS Presentation.pptx
+++ b/IMS Presentation.pptx
@@ -4873,6 +4873,13 @@
         </dgm:presLayoutVars>
       </dgm:prSet>
       <dgm:spPr/>
+      <dgm:t>
+        <a:bodyPr/>
+        <a:lstStyle/>
+        <a:p>
+          <a:endParaRPr lang="en-US"/>
+        </a:p>
+      </dgm:t>
     </dgm:pt>
     <dgm:pt modelId="{1EB65BFC-DEC4-4EA8-9600-8270F5ABCAD0}" type="pres">
       <dgm:prSet presAssocID="{AD2C2181-4BAC-48F4-AB52-B1EF20330712}" presName="compNode" presStyleCnt="0"/>
@@ -4892,7 +4899,7 @@
                 <a14:useLocalDpi xmlns:a14="http://schemas.microsoft.com/office/drawing/2010/main" val="0"/>
               </a:ext>
               <a:ext uri="{96DAC541-7B7A-43D3-8B79-37D633B846F1}">
-                <asvg:svgBlip xmlns:asvg="http://schemas.microsoft.com/office/drawing/2016/SVG/main" r:embed="rId2"/>
+                <asvg:svgBlip xmlns:asvg="http://schemas.microsoft.com/office/drawing/2016/SVG/main" xmlns="" r:embed="rId2"/>
               </a:ext>
             </a:extLst>
           </a:blip>
@@ -4904,6 +4911,13 @@
           <a:noFill/>
         </a:ln>
       </dgm:spPr>
+      <dgm:t>
+        <a:bodyPr/>
+        <a:lstStyle/>
+        <a:p>
+          <a:endParaRPr lang="en-US"/>
+        </a:p>
+      </dgm:t>
       <dgm:extLst>
         <a:ext uri="{E40237B7-FDA0-4F09-8148-C483321AD2D9}">
           <dgm14:cNvPr xmlns:dgm14="http://schemas.microsoft.com/office/drawing/2010/diagram" id="0" name="" descr="Diploma Roll"/>
@@ -4922,6 +4936,13 @@
         </dgm:presLayoutVars>
       </dgm:prSet>
       <dgm:spPr/>
+      <dgm:t>
+        <a:bodyPr/>
+        <a:lstStyle/>
+        <a:p>
+          <a:endParaRPr lang="en-US"/>
+        </a:p>
+      </dgm:t>
     </dgm:pt>
     <dgm:pt modelId="{74401ED2-CF53-459E-A32F-76E83454362C}" type="pres">
       <dgm:prSet presAssocID="{3B069B1B-ED9C-4F22-A078-5BD031261F0E}" presName="sibTrans" presStyleCnt="0"/>
@@ -4945,7 +4966,7 @@
                 <a14:useLocalDpi xmlns:a14="http://schemas.microsoft.com/office/drawing/2010/main" val="0"/>
               </a:ext>
               <a:ext uri="{96DAC541-7B7A-43D3-8B79-37D633B846F1}">
-                <asvg:svgBlip xmlns:asvg="http://schemas.microsoft.com/office/drawing/2016/SVG/main" r:embed="rId4"/>
+                <asvg:svgBlip xmlns:asvg="http://schemas.microsoft.com/office/drawing/2016/SVG/main" xmlns="" r:embed="rId4"/>
               </a:ext>
             </a:extLst>
           </a:blip>
@@ -4957,6 +4978,13 @@
           <a:noFill/>
         </a:ln>
       </dgm:spPr>
+      <dgm:t>
+        <a:bodyPr/>
+        <a:lstStyle/>
+        <a:p>
+          <a:endParaRPr lang="en-US"/>
+        </a:p>
+      </dgm:t>
       <dgm:extLst>
         <a:ext uri="{E40237B7-FDA0-4F09-8148-C483321AD2D9}">
           <dgm14:cNvPr xmlns:dgm14="http://schemas.microsoft.com/office/drawing/2010/diagram" id="0" name="" descr="Nerve"/>
@@ -4975,6 +5003,13 @@
         </dgm:presLayoutVars>
       </dgm:prSet>
       <dgm:spPr/>
+      <dgm:t>
+        <a:bodyPr/>
+        <a:lstStyle/>
+        <a:p>
+          <a:endParaRPr lang="en-US"/>
+        </a:p>
+      </dgm:t>
     </dgm:pt>
     <dgm:pt modelId="{0759545B-DCA9-486E-B154-D99EFC25394F}" type="pres">
       <dgm:prSet presAssocID="{35ED4F33-247A-410F-A088-E159EE78E71A}" presName="sibTrans" presStyleCnt="0"/>
@@ -4998,7 +5033,7 @@
                 <a14:useLocalDpi xmlns:a14="http://schemas.microsoft.com/office/drawing/2010/main" val="0"/>
               </a:ext>
               <a:ext uri="{96DAC541-7B7A-43D3-8B79-37D633B846F1}">
-                <asvg:svgBlip xmlns:asvg="http://schemas.microsoft.com/office/drawing/2016/SVG/main" r:embed="rId6"/>
+                <asvg:svgBlip xmlns:asvg="http://schemas.microsoft.com/office/drawing/2016/SVG/main" xmlns="" r:embed="rId6"/>
               </a:ext>
             </a:extLst>
           </a:blip>
@@ -5010,6 +5045,13 @@
           <a:noFill/>
         </a:ln>
       </dgm:spPr>
+      <dgm:t>
+        <a:bodyPr/>
+        <a:lstStyle/>
+        <a:p>
+          <a:endParaRPr lang="en-US"/>
+        </a:p>
+      </dgm:t>
       <dgm:extLst>
         <a:ext uri="{E40237B7-FDA0-4F09-8148-C483321AD2D9}">
           <dgm14:cNvPr xmlns:dgm14="http://schemas.microsoft.com/office/drawing/2010/diagram" id="0" name="" descr="Classroom"/>
@@ -5028,16 +5070,23 @@
         </dgm:presLayoutVars>
       </dgm:prSet>
       <dgm:spPr/>
+      <dgm:t>
+        <a:bodyPr/>
+        <a:lstStyle/>
+        <a:p>
+          <a:endParaRPr lang="en-US"/>
+        </a:p>
+      </dgm:t>
     </dgm:pt>
   </dgm:ptLst>
   <dgm:cxnLst>
+    <dgm:cxn modelId="{F3419567-19AF-4B95-AFE9-8C9577520135}" srcId="{AD7C8FE8-3875-4209-8C88-A93DD3EE5274}" destId="{AD2C2181-4BAC-48F4-AB52-B1EF20330712}" srcOrd="0" destOrd="0" parTransId="{A449866F-CCCC-49E3-BD3A-7B9254114815}" sibTransId="{3B069B1B-ED9C-4F22-A078-5BD031261F0E}"/>
+    <dgm:cxn modelId="{CB34AEE5-A408-447B-B9E6-45E9FEB4E31E}" type="presOf" srcId="{0281ABF6-5B45-4F8A-87DA-B63CDDA2BF2D}" destId="{C6D3636A-6433-43E8-9604-F02579677C04}" srcOrd="0" destOrd="0" presId="urn:microsoft.com/office/officeart/2018/2/layout/IconVerticalSolidList"/>
     <dgm:cxn modelId="{DD0E0A1B-394A-41FF-A9BF-111FA6B53A33}" srcId="{AD7C8FE8-3875-4209-8C88-A93DD3EE5274}" destId="{488E09D4-E10F-44E6-9246-CC63B9EA990C}" srcOrd="1" destOrd="0" parTransId="{F7DA4EBD-664C-47F6-A8CB-9EA6AD725F9C}" sibTransId="{35ED4F33-247A-410F-A088-E159EE78E71A}"/>
-    <dgm:cxn modelId="{F3419567-19AF-4B95-AFE9-8C9577520135}" srcId="{AD7C8FE8-3875-4209-8C88-A93DD3EE5274}" destId="{AD2C2181-4BAC-48F4-AB52-B1EF20330712}" srcOrd="0" destOrd="0" parTransId="{A449866F-CCCC-49E3-BD3A-7B9254114815}" sibTransId="{3B069B1B-ED9C-4F22-A078-5BD031261F0E}"/>
+    <dgm:cxn modelId="{12B7B8E8-215F-49AB-8C2F-E1510BD0E9BF}" type="presOf" srcId="{AD2C2181-4BAC-48F4-AB52-B1EF20330712}" destId="{CB0E31A2-7DFA-4699-9C3C-B072A0C9B6F0}" srcOrd="0" destOrd="0" presId="urn:microsoft.com/office/officeart/2018/2/layout/IconVerticalSolidList"/>
+    <dgm:cxn modelId="{2336A8D6-2E2E-4AD2-AF0D-005521CD0F86}" type="presOf" srcId="{488E09D4-E10F-44E6-9246-CC63B9EA990C}" destId="{E4CFC7EE-C0FD-4AAE-B878-FE9C805A90F2}" srcOrd="0" destOrd="0" presId="urn:microsoft.com/office/officeart/2018/2/layout/IconVerticalSolidList"/>
     <dgm:cxn modelId="{BD3DE982-2952-44AE-94AE-BE1A08DD9371}" type="presOf" srcId="{AD7C8FE8-3875-4209-8C88-A93DD3EE5274}" destId="{CA28A279-426C-4BA1-B829-53924C438696}" srcOrd="0" destOrd="0" presId="urn:microsoft.com/office/officeart/2018/2/layout/IconVerticalSolidList"/>
     <dgm:cxn modelId="{7E987CA7-C1C5-4040-A61D-27F37ADDD0BA}" srcId="{AD7C8FE8-3875-4209-8C88-A93DD3EE5274}" destId="{0281ABF6-5B45-4F8A-87DA-B63CDDA2BF2D}" srcOrd="2" destOrd="0" parTransId="{686A3075-64A1-41E0-8A08-7A4F9F4EA3EA}" sibTransId="{5BF699F4-FCF7-4F5D-8AEB-9028F5EB1293}"/>
-    <dgm:cxn modelId="{2336A8D6-2E2E-4AD2-AF0D-005521CD0F86}" type="presOf" srcId="{488E09D4-E10F-44E6-9246-CC63B9EA990C}" destId="{E4CFC7EE-C0FD-4AAE-B878-FE9C805A90F2}" srcOrd="0" destOrd="0" presId="urn:microsoft.com/office/officeart/2018/2/layout/IconVerticalSolidList"/>
-    <dgm:cxn modelId="{CB34AEE5-A408-447B-B9E6-45E9FEB4E31E}" type="presOf" srcId="{0281ABF6-5B45-4F8A-87DA-B63CDDA2BF2D}" destId="{C6D3636A-6433-43E8-9604-F02579677C04}" srcOrd="0" destOrd="0" presId="urn:microsoft.com/office/officeart/2018/2/layout/IconVerticalSolidList"/>
-    <dgm:cxn modelId="{12B7B8E8-215F-49AB-8C2F-E1510BD0E9BF}" type="presOf" srcId="{AD2C2181-4BAC-48F4-AB52-B1EF20330712}" destId="{CB0E31A2-7DFA-4699-9C3C-B072A0C9B6F0}" srcOrd="0" destOrd="0" presId="urn:microsoft.com/office/officeart/2018/2/layout/IconVerticalSolidList"/>
     <dgm:cxn modelId="{5B4B1B81-E71D-4D36-86F1-8836E1064B8C}" type="presParOf" srcId="{CA28A279-426C-4BA1-B829-53924C438696}" destId="{1EB65BFC-DEC4-4EA8-9600-8270F5ABCAD0}" srcOrd="0" destOrd="0" presId="urn:microsoft.com/office/officeart/2018/2/layout/IconVerticalSolidList"/>
     <dgm:cxn modelId="{0889599E-020F-4A2E-AB0F-C34C96478AD2}" type="presParOf" srcId="{1EB65BFC-DEC4-4EA8-9600-8270F5ABCAD0}" destId="{56943927-3878-42F3-931D-0C7F0D8C1734}" srcOrd="0" destOrd="0" presId="urn:microsoft.com/office/officeart/2018/2/layout/IconVerticalSolidList"/>
     <dgm:cxn modelId="{6562A039-8571-4391-AF28-71123CDC8E12}" type="presParOf" srcId="{1EB65BFC-DEC4-4EA8-9600-8270F5ABCAD0}" destId="{5F50F815-0AFA-458E-B7B1-C2BB43168AD4}" srcOrd="1" destOrd="0" presId="urn:microsoft.com/office/officeart/2018/2/layout/IconVerticalSolidList"/>
@@ -5172,6 +5221,13 @@
         </dgm:presLayoutVars>
       </dgm:prSet>
       <dgm:spPr/>
+      <dgm:t>
+        <a:bodyPr/>
+        <a:lstStyle/>
+        <a:p>
+          <a:endParaRPr lang="en-US"/>
+        </a:p>
+      </dgm:t>
     </dgm:pt>
     <dgm:pt modelId="{894CF4ED-8E57-4982-AFE7-D30DCB00A9ED}" type="pres">
       <dgm:prSet presAssocID="{7A7AECB2-7792-4352-AE04-09A7181BB8CD}" presName="compNode" presStyleCnt="0"/>
@@ -5191,7 +5247,7 @@
                 <a14:useLocalDpi xmlns:a14="http://schemas.microsoft.com/office/drawing/2010/main" val="0"/>
               </a:ext>
               <a:ext uri="{96DAC541-7B7A-43D3-8B79-37D633B846F1}">
-                <asvg:svgBlip xmlns:asvg="http://schemas.microsoft.com/office/drawing/2016/SVG/main" r:embed="rId2"/>
+                <asvg:svgBlip xmlns:asvg="http://schemas.microsoft.com/office/drawing/2016/SVG/main" xmlns="" r:embed="rId2"/>
               </a:ext>
             </a:extLst>
           </a:blip>
@@ -5203,6 +5259,13 @@
           <a:noFill/>
         </a:ln>
       </dgm:spPr>
+      <dgm:t>
+        <a:bodyPr/>
+        <a:lstStyle/>
+        <a:p>
+          <a:endParaRPr lang="en-US"/>
+        </a:p>
+      </dgm:t>
       <dgm:extLst>
         <a:ext uri="{E40237B7-FDA0-4F09-8148-C483321AD2D9}">
           <dgm14:cNvPr xmlns:dgm14="http://schemas.microsoft.com/office/drawing/2010/diagram" id="0" name="" descr="Classroom"/>
@@ -5221,6 +5284,13 @@
         </dgm:presLayoutVars>
       </dgm:prSet>
       <dgm:spPr/>
+      <dgm:t>
+        <a:bodyPr/>
+        <a:lstStyle/>
+        <a:p>
+          <a:endParaRPr lang="en-US"/>
+        </a:p>
+      </dgm:t>
     </dgm:pt>
     <dgm:pt modelId="{7B261950-E29C-49CF-A447-F34D9FA311D7}" type="pres">
       <dgm:prSet presAssocID="{FE3EEA71-FD55-42E7-AA24-D6AFB26C5791}" presName="sibTrans" presStyleCnt="0"/>
@@ -5244,7 +5314,7 @@
                 <a14:useLocalDpi xmlns:a14="http://schemas.microsoft.com/office/drawing/2010/main" val="0"/>
               </a:ext>
               <a:ext uri="{96DAC541-7B7A-43D3-8B79-37D633B846F1}">
-                <asvg:svgBlip xmlns:asvg="http://schemas.microsoft.com/office/drawing/2016/SVG/main" r:embed="rId4"/>
+                <asvg:svgBlip xmlns:asvg="http://schemas.microsoft.com/office/drawing/2016/SVG/main" xmlns="" r:embed="rId4"/>
               </a:ext>
             </a:extLst>
           </a:blip>
@@ -5256,6 +5326,13 @@
           <a:noFill/>
         </a:ln>
       </dgm:spPr>
+      <dgm:t>
+        <a:bodyPr/>
+        <a:lstStyle/>
+        <a:p>
+          <a:endParaRPr lang="en-US"/>
+        </a:p>
+      </dgm:t>
       <dgm:extLst>
         <a:ext uri="{E40237B7-FDA0-4F09-8148-C483321AD2D9}">
           <dgm14:cNvPr xmlns:dgm14="http://schemas.microsoft.com/office/drawing/2010/diagram" id="0" name="" descr="Books"/>
@@ -5274,14 +5351,21 @@
         </dgm:presLayoutVars>
       </dgm:prSet>
       <dgm:spPr/>
+      <dgm:t>
+        <a:bodyPr/>
+        <a:lstStyle/>
+        <a:p>
+          <a:endParaRPr lang="en-US"/>
+        </a:p>
+      </dgm:t>
     </dgm:pt>
   </dgm:ptLst>
   <dgm:cxnLst>
+    <dgm:cxn modelId="{DF170B52-3D02-40B3-A320-8E65F17A8BF6}" srcId="{FA4A8320-5843-481B-983E-2B83157EC8A4}" destId="{D8B45A54-CB65-4359-B9D2-DD0DA4353228}" srcOrd="1" destOrd="0" parTransId="{C593EED4-B67F-4C7D-8586-DD2B6B69A48A}" sibTransId="{0683EFED-84D3-438C-87A5-A5E5B37CE4CC}"/>
+    <dgm:cxn modelId="{7ED1BACB-DC7B-4650-B7BB-6C037A9B636A}" type="presOf" srcId="{7A7AECB2-7792-4352-AE04-09A7181BB8CD}" destId="{25390FCF-9C97-4BAB-9CA7-A7E340E26799}" srcOrd="0" destOrd="0" presId="urn:microsoft.com/office/officeart/2018/2/layout/IconVerticalSolidList"/>
+    <dgm:cxn modelId="{7AA9015A-CCB3-4B5D-94D0-A695B16755AD}" srcId="{FA4A8320-5843-481B-983E-2B83157EC8A4}" destId="{7A7AECB2-7792-4352-AE04-09A7181BB8CD}" srcOrd="0" destOrd="0" parTransId="{E5A137F1-9A13-433D-9CF0-D160FB24984A}" sibTransId="{FE3EEA71-FD55-42E7-AA24-D6AFB26C5791}"/>
     <dgm:cxn modelId="{53601B25-39BB-4E40-9551-A3A326BACDE2}" type="presOf" srcId="{D8B45A54-CB65-4359-B9D2-DD0DA4353228}" destId="{98C9F4B7-B9F6-416B-B3BD-3E2A250EDDD4}" srcOrd="0" destOrd="0" presId="urn:microsoft.com/office/officeart/2018/2/layout/IconVerticalSolidList"/>
     <dgm:cxn modelId="{6976256D-F5CD-404C-8C7A-AE144B5E424F}" type="presOf" srcId="{FA4A8320-5843-481B-983E-2B83157EC8A4}" destId="{092A3FC2-7E68-4088-8F80-F5BE6F26149C}" srcOrd="0" destOrd="0" presId="urn:microsoft.com/office/officeart/2018/2/layout/IconVerticalSolidList"/>
-    <dgm:cxn modelId="{DF170B52-3D02-40B3-A320-8E65F17A8BF6}" srcId="{FA4A8320-5843-481B-983E-2B83157EC8A4}" destId="{D8B45A54-CB65-4359-B9D2-DD0DA4353228}" srcOrd="1" destOrd="0" parTransId="{C593EED4-B67F-4C7D-8586-DD2B6B69A48A}" sibTransId="{0683EFED-84D3-438C-87A5-A5E5B37CE4CC}"/>
-    <dgm:cxn modelId="{7AA9015A-CCB3-4B5D-94D0-A695B16755AD}" srcId="{FA4A8320-5843-481B-983E-2B83157EC8A4}" destId="{7A7AECB2-7792-4352-AE04-09A7181BB8CD}" srcOrd="0" destOrd="0" parTransId="{E5A137F1-9A13-433D-9CF0-D160FB24984A}" sibTransId="{FE3EEA71-FD55-42E7-AA24-D6AFB26C5791}"/>
-    <dgm:cxn modelId="{7ED1BACB-DC7B-4650-B7BB-6C037A9B636A}" type="presOf" srcId="{7A7AECB2-7792-4352-AE04-09A7181BB8CD}" destId="{25390FCF-9C97-4BAB-9CA7-A7E340E26799}" srcOrd="0" destOrd="0" presId="urn:microsoft.com/office/officeart/2018/2/layout/IconVerticalSolidList"/>
     <dgm:cxn modelId="{C4C02827-4E3C-4F55-BB2A-BBB54B773D89}" type="presParOf" srcId="{092A3FC2-7E68-4088-8F80-F5BE6F26149C}" destId="{894CF4ED-8E57-4982-AFE7-D30DCB00A9ED}" srcOrd="0" destOrd="0" presId="urn:microsoft.com/office/officeart/2018/2/layout/IconVerticalSolidList"/>
     <dgm:cxn modelId="{2D747F39-4FCC-48B8-999F-7AB93D34CAA2}" type="presParOf" srcId="{894CF4ED-8E57-4982-AFE7-D30DCB00A9ED}" destId="{BCB1561A-3FB4-4BC6-A8E5-DAA673F40677}" srcOrd="0" destOrd="0" presId="urn:microsoft.com/office/officeart/2018/2/layout/IconVerticalSolidList"/>
     <dgm:cxn modelId="{56B879F5-7B3E-46B8-89F4-EA4E700D49AA}" type="presParOf" srcId="{894CF4ED-8E57-4982-AFE7-D30DCB00A9ED}" destId="{25A1FD35-8BE6-4C34-BDA4-5317ED8160AF}" srcOrd="1" destOrd="0" presId="urn:microsoft.com/office/officeart/2018/2/layout/IconVerticalSolidList"/>
@@ -5548,6 +5632,13 @@
         </dgm:presLayoutVars>
       </dgm:prSet>
       <dgm:spPr/>
+      <dgm:t>
+        <a:bodyPr/>
+        <a:lstStyle/>
+        <a:p>
+          <a:endParaRPr lang="en-US"/>
+        </a:p>
+      </dgm:t>
     </dgm:pt>
     <dgm:pt modelId="{90AFE9BF-BB1E-428D-8D48-3B26F1C2F248}" type="pres">
       <dgm:prSet presAssocID="{2A1E5064-38E6-4104-8B5D-4D3789B3ED0C}" presName="node" presStyleLbl="node1" presStyleIdx="0" presStyleCnt="6">
@@ -5556,6 +5647,13 @@
         </dgm:presLayoutVars>
       </dgm:prSet>
       <dgm:spPr/>
+      <dgm:t>
+        <a:bodyPr/>
+        <a:lstStyle/>
+        <a:p>
+          <a:endParaRPr lang="en-US"/>
+        </a:p>
+      </dgm:t>
     </dgm:pt>
     <dgm:pt modelId="{0696F383-0CDF-4CDA-9958-116D6EB4FD28}" type="pres">
       <dgm:prSet presAssocID="{677870DD-E576-48B1-9470-6E89F5CE43FC}" presName="sibTrans" presStyleCnt="0"/>
@@ -5568,6 +5666,13 @@
         </dgm:presLayoutVars>
       </dgm:prSet>
       <dgm:spPr/>
+      <dgm:t>
+        <a:bodyPr/>
+        <a:lstStyle/>
+        <a:p>
+          <a:endParaRPr lang="en-US"/>
+        </a:p>
+      </dgm:t>
     </dgm:pt>
     <dgm:pt modelId="{EFE01AA0-C00C-41F3-B7B9-9B52D34506BB}" type="pres">
       <dgm:prSet presAssocID="{D52CC634-07CD-42FA-B26B-4CE95579917A}" presName="sibTrans" presStyleCnt="0"/>
@@ -5580,6 +5685,13 @@
         </dgm:presLayoutVars>
       </dgm:prSet>
       <dgm:spPr/>
+      <dgm:t>
+        <a:bodyPr/>
+        <a:lstStyle/>
+        <a:p>
+          <a:endParaRPr lang="en-US"/>
+        </a:p>
+      </dgm:t>
     </dgm:pt>
     <dgm:pt modelId="{7640E539-BC9D-4D7A-A1B8-201078941D0E}" type="pres">
       <dgm:prSet presAssocID="{61DDB732-673C-455A-A909-DF2C4F3D6519}" presName="sibTrans" presStyleCnt="0"/>
@@ -5592,6 +5704,13 @@
         </dgm:presLayoutVars>
       </dgm:prSet>
       <dgm:spPr/>
+      <dgm:t>
+        <a:bodyPr/>
+        <a:lstStyle/>
+        <a:p>
+          <a:endParaRPr lang="en-US"/>
+        </a:p>
+      </dgm:t>
     </dgm:pt>
     <dgm:pt modelId="{58F1F0F5-16AA-4B08-8107-2831093325FE}" type="pres">
       <dgm:prSet presAssocID="{BDADF7E0-DF68-424B-8D2D-3681F0242C79}" presName="sibTrans" presStyleCnt="0"/>
@@ -5604,6 +5723,13 @@
         </dgm:presLayoutVars>
       </dgm:prSet>
       <dgm:spPr/>
+      <dgm:t>
+        <a:bodyPr/>
+        <a:lstStyle/>
+        <a:p>
+          <a:endParaRPr lang="en-US"/>
+        </a:p>
+      </dgm:t>
     </dgm:pt>
     <dgm:pt modelId="{954C57AB-1EC7-48B8-B861-7408ADFBB269}" type="pres">
       <dgm:prSet presAssocID="{476B7B1D-56FF-41EA-A4D8-65908181376B}" presName="sibTrans" presStyleCnt="0"/>
@@ -5616,22 +5742,29 @@
         </dgm:presLayoutVars>
       </dgm:prSet>
       <dgm:spPr/>
+      <dgm:t>
+        <a:bodyPr/>
+        <a:lstStyle/>
+        <a:p>
+          <a:endParaRPr lang="en-US"/>
+        </a:p>
+      </dgm:t>
     </dgm:pt>
   </dgm:ptLst>
   <dgm:cxnLst>
+    <dgm:cxn modelId="{1D76A22F-BAE5-49FD-B596-40ADA0A50CAB}" type="presOf" srcId="{1850EF27-2370-4380-8E35-5737E52B7643}" destId="{39B05292-5C7E-420C-9CBE-037CE297FA72}" srcOrd="0" destOrd="0" presId="urn:microsoft.com/office/officeart/2005/8/layout/default"/>
+    <dgm:cxn modelId="{E4050DCD-8CB3-462E-9B75-3FF1DDFB7FCE}" type="presOf" srcId="{C802535B-62F9-4219-8753-694FE4F02D3A}" destId="{2F7AC4A4-35AF-4CAC-94F4-8BDE07562AD9}" srcOrd="0" destOrd="0" presId="urn:microsoft.com/office/officeart/2005/8/layout/default"/>
+    <dgm:cxn modelId="{FC2A866B-1415-4815-9ADF-F8F3D7789331}" type="presOf" srcId="{2A1E5064-38E6-4104-8B5D-4D3789B3ED0C}" destId="{90AFE9BF-BB1E-428D-8D48-3B26F1C2F248}" srcOrd="0" destOrd="0" presId="urn:microsoft.com/office/officeart/2005/8/layout/default"/>
+    <dgm:cxn modelId="{B4F5DB5F-A6DA-4F32-8832-A488D8BF984A}" type="presOf" srcId="{F9D0A6EB-79E1-4816-91AC-F95BAB45C790}" destId="{3D739E9A-279B-4CB4-ACAB-39A25ACACF66}" srcOrd="0" destOrd="0" presId="urn:microsoft.com/office/officeart/2005/8/layout/default"/>
     <dgm:cxn modelId="{D03BC700-F4CD-4D82-8D66-27CEF9EDA175}" type="presOf" srcId="{A822FA7E-D125-4AAB-A338-E5B5F817F2FA}" destId="{B297AC03-EE0A-43AE-B14D-EF43B5BD6282}" srcOrd="0" destOrd="0" presId="urn:microsoft.com/office/officeart/2005/8/layout/default"/>
     <dgm:cxn modelId="{4BFE4E15-66CB-45F8-8E67-B8AA767A6F29}" srcId="{C802535B-62F9-4219-8753-694FE4F02D3A}" destId="{11E5C091-B76B-40E8-AB23-12CCB02355B5}" srcOrd="4" destOrd="0" parTransId="{1A864EE0-D37F-4F92-8E86-19B2C96F5677}" sibTransId="{476B7B1D-56FF-41EA-A4D8-65908181376B}"/>
-    <dgm:cxn modelId="{5C7BB52D-AD0D-4881-8D5E-622D2CE9D17D}" srcId="{C802535B-62F9-4219-8753-694FE4F02D3A}" destId="{A822FA7E-D125-4AAB-A338-E5B5F817F2FA}" srcOrd="2" destOrd="0" parTransId="{8EB4698C-7D28-4993-852B-2436D58ADA9A}" sibTransId="{61DDB732-673C-455A-A909-DF2C4F3D6519}"/>
-    <dgm:cxn modelId="{1D76A22F-BAE5-49FD-B596-40ADA0A50CAB}" type="presOf" srcId="{1850EF27-2370-4380-8E35-5737E52B7643}" destId="{39B05292-5C7E-420C-9CBE-037CE297FA72}" srcOrd="0" destOrd="0" presId="urn:microsoft.com/office/officeart/2005/8/layout/default"/>
+    <dgm:cxn modelId="{587A6ECC-6E93-4FB5-AA2C-B99B89B721BF}" srcId="{C802535B-62F9-4219-8753-694FE4F02D3A}" destId="{1850EF27-2370-4380-8E35-5737E52B7643}" srcOrd="3" destOrd="0" parTransId="{83E24662-BCC2-45F6-8E71-A6C1C3490964}" sibTransId="{BDADF7E0-DF68-424B-8D2D-3681F0242C79}"/>
     <dgm:cxn modelId="{70E4003E-1D7C-49DF-AD3F-4E0E42FDFD35}" srcId="{C802535B-62F9-4219-8753-694FE4F02D3A}" destId="{3B68BFC1-23B7-420F-9E28-7E90C4F2C9FD}" srcOrd="1" destOrd="0" parTransId="{81AEB6D0-E0A2-4F15-A24D-746A9A651D09}" sibTransId="{D52CC634-07CD-42FA-B26B-4CE95579917A}"/>
-    <dgm:cxn modelId="{B4F5DB5F-A6DA-4F32-8832-A488D8BF984A}" type="presOf" srcId="{F9D0A6EB-79E1-4816-91AC-F95BAB45C790}" destId="{3D739E9A-279B-4CB4-ACAB-39A25ACACF66}" srcOrd="0" destOrd="0" presId="urn:microsoft.com/office/officeart/2005/8/layout/default"/>
-    <dgm:cxn modelId="{FC2A866B-1415-4815-9ADF-F8F3D7789331}" type="presOf" srcId="{2A1E5064-38E6-4104-8B5D-4D3789B3ED0C}" destId="{90AFE9BF-BB1E-428D-8D48-3B26F1C2F248}" srcOrd="0" destOrd="0" presId="urn:microsoft.com/office/officeart/2005/8/layout/default"/>
-    <dgm:cxn modelId="{7447A36B-3D7D-4E69-886B-061A6D672EA3}" type="presOf" srcId="{11E5C091-B76B-40E8-AB23-12CCB02355B5}" destId="{48E30110-D3F7-4309-A8D2-E09612EBDD01}" srcOrd="0" destOrd="0" presId="urn:microsoft.com/office/officeart/2005/8/layout/default"/>
     <dgm:cxn modelId="{FB3F85A8-A836-4C88-B529-E8324DBACD6C}" srcId="{C802535B-62F9-4219-8753-694FE4F02D3A}" destId="{2A1E5064-38E6-4104-8B5D-4D3789B3ED0C}" srcOrd="0" destOrd="0" parTransId="{5C5A53EC-A39E-4387-89F8-60E3D3BB3AE1}" sibTransId="{677870DD-E576-48B1-9470-6E89F5CE43FC}"/>
     <dgm:cxn modelId="{19B075C6-AA86-41B1-BC77-3766A68D1235}" srcId="{C802535B-62F9-4219-8753-694FE4F02D3A}" destId="{F9D0A6EB-79E1-4816-91AC-F95BAB45C790}" srcOrd="5" destOrd="0" parTransId="{F60AC2A6-4DF0-4E47-92F5-517E38BA9194}" sibTransId="{A1A27600-8086-443A-925E-403969B5D13D}"/>
     <dgm:cxn modelId="{BEC4E6CA-E544-4F0A-93F7-3FB9C5E064E8}" type="presOf" srcId="{3B68BFC1-23B7-420F-9E28-7E90C4F2C9FD}" destId="{4830EDE4-A81A-4E8C-A35A-C1546AD5EBF1}" srcOrd="0" destOrd="0" presId="urn:microsoft.com/office/officeart/2005/8/layout/default"/>
-    <dgm:cxn modelId="{587A6ECC-6E93-4FB5-AA2C-B99B89B721BF}" srcId="{C802535B-62F9-4219-8753-694FE4F02D3A}" destId="{1850EF27-2370-4380-8E35-5737E52B7643}" srcOrd="3" destOrd="0" parTransId="{83E24662-BCC2-45F6-8E71-A6C1C3490964}" sibTransId="{BDADF7E0-DF68-424B-8D2D-3681F0242C79}"/>
-    <dgm:cxn modelId="{E4050DCD-8CB3-462E-9B75-3FF1DDFB7FCE}" type="presOf" srcId="{C802535B-62F9-4219-8753-694FE4F02D3A}" destId="{2F7AC4A4-35AF-4CAC-94F4-8BDE07562AD9}" srcOrd="0" destOrd="0" presId="urn:microsoft.com/office/officeart/2005/8/layout/default"/>
+    <dgm:cxn modelId="{7447A36B-3D7D-4E69-886B-061A6D672EA3}" type="presOf" srcId="{11E5C091-B76B-40E8-AB23-12CCB02355B5}" destId="{48E30110-D3F7-4309-A8D2-E09612EBDD01}" srcOrd="0" destOrd="0" presId="urn:microsoft.com/office/officeart/2005/8/layout/default"/>
+    <dgm:cxn modelId="{5C7BB52D-AD0D-4881-8D5E-622D2CE9D17D}" srcId="{C802535B-62F9-4219-8753-694FE4F02D3A}" destId="{A822FA7E-D125-4AAB-A338-E5B5F817F2FA}" srcOrd="2" destOrd="0" parTransId="{8EB4698C-7D28-4993-852B-2436D58ADA9A}" sibTransId="{61DDB732-673C-455A-A909-DF2C4F3D6519}"/>
     <dgm:cxn modelId="{4BF7BB6C-F5A9-41B3-8034-8813A6458270}" type="presParOf" srcId="{2F7AC4A4-35AF-4CAC-94F4-8BDE07562AD9}" destId="{90AFE9BF-BB1E-428D-8D48-3B26F1C2F248}" srcOrd="0" destOrd="0" presId="urn:microsoft.com/office/officeart/2005/8/layout/default"/>
     <dgm:cxn modelId="{29FEA42F-EC07-4AA0-A1EA-6645C8EFB8FC}" type="presParOf" srcId="{2F7AC4A4-35AF-4CAC-94F4-8BDE07562AD9}" destId="{0696F383-0CDF-4CDA-9958-116D6EB4FD28}" srcOrd="1" destOrd="0" presId="urn:microsoft.com/office/officeart/2005/8/layout/default"/>
     <dgm:cxn modelId="{2E389D9B-BF26-4785-8447-3AE40E01AEB4}" type="presParOf" srcId="{2F7AC4A4-35AF-4CAC-94F4-8BDE07562AD9}" destId="{4830EDE4-A81A-4E8C-A35A-C1546AD5EBF1}" srcOrd="2" destOrd="0" presId="urn:microsoft.com/office/officeart/2005/8/layout/default"/>
@@ -5875,6 +6008,13 @@
         </dgm:presLayoutVars>
       </dgm:prSet>
       <dgm:spPr/>
+      <dgm:t>
+        <a:bodyPr/>
+        <a:lstStyle/>
+        <a:p>
+          <a:endParaRPr lang="en-US"/>
+        </a:p>
+      </dgm:t>
     </dgm:pt>
     <dgm:pt modelId="{EDDDDAEC-17E3-4DC4-89BE-3D80C70AB016}" type="pres">
       <dgm:prSet presAssocID="{28EE72A6-7F28-43BF-A5F2-DD0C69855A2A}" presName="compNode" presStyleCnt="0"/>
@@ -5888,13 +6028,13 @@
       <dgm:prSet presAssocID="{28EE72A6-7F28-43BF-A5F2-DD0C69855A2A}" presName="iconRect" presStyleLbl="node1" presStyleIdx="0" presStyleCnt="5"/>
       <dgm:spPr>
         <a:blipFill>
-          <a:blip xmlns:r="http://schemas.openxmlformats.org/officeDocument/2006/relationships" r:embed="rId1">
+          <a:blip xmlns:r="http://schemas.openxmlformats.org/officeDocument/2006/relationships" r:embed="rId1" cstate="print">
             <a:extLst>
               <a:ext uri="{28A0092B-C50C-407E-A947-70E740481C1C}">
                 <a14:useLocalDpi xmlns:a14="http://schemas.microsoft.com/office/drawing/2010/main" val="0"/>
               </a:ext>
               <a:ext uri="{96DAC541-7B7A-43D3-8B79-37D633B846F1}">
-                <asvg:svgBlip xmlns:asvg="http://schemas.microsoft.com/office/drawing/2016/SVG/main" r:embed="rId2"/>
+                <asvg:svgBlip xmlns:asvg="http://schemas.microsoft.com/office/drawing/2016/SVG/main" xmlns="" r:embed="rId2"/>
               </a:ext>
             </a:extLst>
           </a:blip>
@@ -5906,6 +6046,13 @@
           <a:noFill/>
         </a:ln>
       </dgm:spPr>
+      <dgm:t>
+        <a:bodyPr/>
+        <a:lstStyle/>
+        <a:p>
+          <a:endParaRPr lang="en-US"/>
+        </a:p>
+      </dgm:t>
       <dgm:extLst>
         <a:ext uri="{E40237B7-FDA0-4F09-8148-C483321AD2D9}">
           <dgm14:cNvPr xmlns:dgm14="http://schemas.microsoft.com/office/drawing/2010/diagram" id="0" name="" descr="Chat"/>
@@ -5924,6 +6071,13 @@
         </dgm:presLayoutVars>
       </dgm:prSet>
       <dgm:spPr/>
+      <dgm:t>
+        <a:bodyPr/>
+        <a:lstStyle/>
+        <a:p>
+          <a:endParaRPr lang="en-US"/>
+        </a:p>
+      </dgm:t>
     </dgm:pt>
     <dgm:pt modelId="{D2CB46D0-D545-4011-A31D-8AFB6FC59C9B}" type="pres">
       <dgm:prSet presAssocID="{7AF661E7-3E2F-4C59-BBBC-0EC6D0C2564A}" presName="sibTrans" presStyleCnt="0"/>
@@ -5941,13 +6095,13 @@
       <dgm:prSet presAssocID="{1342D0FE-A788-47A1-8EE2-192F538856CD}" presName="iconRect" presStyleLbl="node1" presStyleIdx="1" presStyleCnt="5"/>
       <dgm:spPr>
         <a:blipFill>
-          <a:blip xmlns:r="http://schemas.openxmlformats.org/officeDocument/2006/relationships" r:embed="rId3">
+          <a:blip xmlns:r="http://schemas.openxmlformats.org/officeDocument/2006/relationships" r:embed="rId3" cstate="print">
             <a:extLst>
               <a:ext uri="{28A0092B-C50C-407E-A947-70E740481C1C}">
                 <a14:useLocalDpi xmlns:a14="http://schemas.microsoft.com/office/drawing/2010/main" val="0"/>
               </a:ext>
               <a:ext uri="{96DAC541-7B7A-43D3-8B79-37D633B846F1}">
-                <asvg:svgBlip xmlns:asvg="http://schemas.microsoft.com/office/drawing/2016/SVG/main" r:embed="rId4"/>
+                <asvg:svgBlip xmlns:asvg="http://schemas.microsoft.com/office/drawing/2016/SVG/main" xmlns="" r:embed="rId4"/>
               </a:ext>
             </a:extLst>
           </a:blip>
@@ -5959,6 +6113,13 @@
           <a:noFill/>
         </a:ln>
       </dgm:spPr>
+      <dgm:t>
+        <a:bodyPr/>
+        <a:lstStyle/>
+        <a:p>
+          <a:endParaRPr lang="en-US"/>
+        </a:p>
+      </dgm:t>
       <dgm:extLst>
         <a:ext uri="{E40237B7-FDA0-4F09-8148-C483321AD2D9}">
           <dgm14:cNvPr xmlns:dgm14="http://schemas.microsoft.com/office/drawing/2010/diagram" id="0" name="" descr="Fingerprint"/>
@@ -5977,6 +6138,13 @@
         </dgm:presLayoutVars>
       </dgm:prSet>
       <dgm:spPr/>
+      <dgm:t>
+        <a:bodyPr/>
+        <a:lstStyle/>
+        <a:p>
+          <a:endParaRPr lang="en-US"/>
+        </a:p>
+      </dgm:t>
     </dgm:pt>
     <dgm:pt modelId="{E33BA6A8-E541-438F-9B0F-5C6E9E819261}" type="pres">
       <dgm:prSet presAssocID="{E8E5605F-029C-4DA7-A90F-4ED52B30018F}" presName="sibTrans" presStyleCnt="0"/>
@@ -5994,13 +6162,13 @@
       <dgm:prSet presAssocID="{AB2302B1-8AD0-4642-BE1E-0347B124D670}" presName="iconRect" presStyleLbl="node1" presStyleIdx="2" presStyleCnt="5"/>
       <dgm:spPr>
         <a:blipFill>
-          <a:blip xmlns:r="http://schemas.openxmlformats.org/officeDocument/2006/relationships" r:embed="rId5">
+          <a:blip xmlns:r="http://schemas.openxmlformats.org/officeDocument/2006/relationships" r:embed="rId5" cstate="print">
             <a:extLst>
               <a:ext uri="{28A0092B-C50C-407E-A947-70E740481C1C}">
                 <a14:useLocalDpi xmlns:a14="http://schemas.microsoft.com/office/drawing/2010/main" val="0"/>
               </a:ext>
               <a:ext uri="{96DAC541-7B7A-43D3-8B79-37D633B846F1}">
-                <asvg:svgBlip xmlns:asvg="http://schemas.microsoft.com/office/drawing/2016/SVG/main" r:embed="rId6"/>
+                <asvg:svgBlip xmlns:asvg="http://schemas.microsoft.com/office/drawing/2016/SVG/main" xmlns="" r:embed="rId6"/>
               </a:ext>
             </a:extLst>
           </a:blip>
@@ -6012,6 +6180,13 @@
           <a:noFill/>
         </a:ln>
       </dgm:spPr>
+      <dgm:t>
+        <a:bodyPr/>
+        <a:lstStyle/>
+        <a:p>
+          <a:endParaRPr lang="en-US"/>
+        </a:p>
+      </dgm:t>
       <dgm:extLst>
         <a:ext uri="{E40237B7-FDA0-4F09-8148-C483321AD2D9}">
           <dgm14:cNvPr xmlns:dgm14="http://schemas.microsoft.com/office/drawing/2010/diagram" id="0" name="" descr="Database"/>
@@ -6030,6 +6205,13 @@
         </dgm:presLayoutVars>
       </dgm:prSet>
       <dgm:spPr/>
+      <dgm:t>
+        <a:bodyPr/>
+        <a:lstStyle/>
+        <a:p>
+          <a:endParaRPr lang="en-US"/>
+        </a:p>
+      </dgm:t>
     </dgm:pt>
     <dgm:pt modelId="{0215B468-97EF-4741-A272-5288921276B2}" type="pres">
       <dgm:prSet presAssocID="{7F94EF05-0C39-4F9C-9A48-51352C6B31D3}" presName="sibTrans" presStyleCnt="0"/>
@@ -6047,13 +6229,13 @@
       <dgm:prSet presAssocID="{2359ACC4-85A4-45D4-8500-E5B8C5333043}" presName="iconRect" presStyleLbl="node1" presStyleIdx="3" presStyleCnt="5"/>
       <dgm:spPr>
         <a:blipFill>
-          <a:blip xmlns:r="http://schemas.openxmlformats.org/officeDocument/2006/relationships" r:embed="rId7">
+          <a:blip xmlns:r="http://schemas.openxmlformats.org/officeDocument/2006/relationships" r:embed="rId7" cstate="print">
             <a:extLst>
               <a:ext uri="{28A0092B-C50C-407E-A947-70E740481C1C}">
                 <a14:useLocalDpi xmlns:a14="http://schemas.microsoft.com/office/drawing/2010/main" val="0"/>
               </a:ext>
               <a:ext uri="{96DAC541-7B7A-43D3-8B79-37D633B846F1}">
-                <asvg:svgBlip xmlns:asvg="http://schemas.microsoft.com/office/drawing/2016/SVG/main" r:embed="rId8"/>
+                <asvg:svgBlip xmlns:asvg="http://schemas.microsoft.com/office/drawing/2016/SVG/main" xmlns="" r:embed="rId8"/>
               </a:ext>
             </a:extLst>
           </a:blip>
@@ -6065,6 +6247,13 @@
           <a:noFill/>
         </a:ln>
       </dgm:spPr>
+      <dgm:t>
+        <a:bodyPr/>
+        <a:lstStyle/>
+        <a:p>
+          <a:endParaRPr lang="en-US"/>
+        </a:p>
+      </dgm:t>
       <dgm:extLst>
         <a:ext uri="{E40237B7-FDA0-4F09-8148-C483321AD2D9}">
           <dgm14:cNvPr xmlns:dgm14="http://schemas.microsoft.com/office/drawing/2010/diagram" id="0" name="" descr="Design"/>
@@ -6083,6 +6272,13 @@
         </dgm:presLayoutVars>
       </dgm:prSet>
       <dgm:spPr/>
+      <dgm:t>
+        <a:bodyPr/>
+        <a:lstStyle/>
+        <a:p>
+          <a:endParaRPr lang="en-US"/>
+        </a:p>
+      </dgm:t>
     </dgm:pt>
     <dgm:pt modelId="{E42ED631-CC83-46A0-9CB9-FCD75655572D}" type="pres">
       <dgm:prSet presAssocID="{8FD3C8D1-38FB-4B78-956D-A40EA8724A50}" presName="sibTrans" presStyleCnt="0"/>
@@ -6100,13 +6296,13 @@
       <dgm:prSet presAssocID="{BF6B55A7-E12F-4A67-A7DE-CD3BB769DD20}" presName="iconRect" presStyleLbl="node1" presStyleIdx="4" presStyleCnt="5"/>
       <dgm:spPr>
         <a:blipFill>
-          <a:blip xmlns:r="http://schemas.openxmlformats.org/officeDocument/2006/relationships" r:embed="rId9">
+          <a:blip xmlns:r="http://schemas.openxmlformats.org/officeDocument/2006/relationships" r:embed="rId9" cstate="print">
             <a:extLst>
               <a:ext uri="{28A0092B-C50C-407E-A947-70E740481C1C}">
                 <a14:useLocalDpi xmlns:a14="http://schemas.microsoft.com/office/drawing/2010/main" val="0"/>
               </a:ext>
               <a:ext uri="{96DAC541-7B7A-43D3-8B79-37D633B846F1}">
-                <asvg:svgBlip xmlns:asvg="http://schemas.microsoft.com/office/drawing/2016/SVG/main" r:embed="rId10"/>
+                <asvg:svgBlip xmlns:asvg="http://schemas.microsoft.com/office/drawing/2016/SVG/main" xmlns="" r:embed="rId10"/>
               </a:ext>
             </a:extLst>
           </a:blip>
@@ -6118,6 +6314,13 @@
           <a:noFill/>
         </a:ln>
       </dgm:spPr>
+      <dgm:t>
+        <a:bodyPr/>
+        <a:lstStyle/>
+        <a:p>
+          <a:endParaRPr lang="en-US"/>
+        </a:p>
+      </dgm:t>
       <dgm:extLst>
         <a:ext uri="{E40237B7-FDA0-4F09-8148-C483321AD2D9}">
           <dgm14:cNvPr xmlns:dgm14="http://schemas.microsoft.com/office/drawing/2010/diagram" id="0" name="" descr="Education"/>
@@ -6136,20 +6339,27 @@
         </dgm:presLayoutVars>
       </dgm:prSet>
       <dgm:spPr/>
+      <dgm:t>
+        <a:bodyPr/>
+        <a:lstStyle/>
+        <a:p>
+          <a:endParaRPr lang="en-US"/>
+        </a:p>
+      </dgm:t>
     </dgm:pt>
   </dgm:ptLst>
   <dgm:cxnLst>
-    <dgm:cxn modelId="{A4C44218-7844-4642-9758-F40B3451F449}" type="presOf" srcId="{BF6B55A7-E12F-4A67-A7DE-CD3BB769DD20}" destId="{5E242653-B0CC-4532-957E-ACE4E8006F2B}" srcOrd="0" destOrd="0" presId="urn:microsoft.com/office/officeart/2018/5/layout/IconCircleLabelList"/>
     <dgm:cxn modelId="{21DAE444-D5A0-4AA2-BAA9-E98E7997C2AB}" srcId="{D871FBCD-F10D-4A09-B27D-E7A63B77C3C5}" destId="{BF6B55A7-E12F-4A67-A7DE-CD3BB769DD20}" srcOrd="4" destOrd="0" parTransId="{BC5D21C9-04F6-4A7E-A782-101A38DE4DBB}" sibTransId="{82A832DE-BE0D-45FF-B487-95617C647CC9}"/>
+    <dgm:cxn modelId="{5BC709EF-5F00-427C-AC66-191DEA684DE4}" srcId="{D871FBCD-F10D-4A09-B27D-E7A63B77C3C5}" destId="{AB2302B1-8AD0-4642-BE1E-0347B124D670}" srcOrd="2" destOrd="0" parTransId="{F01D03E7-0475-4E11-A6E4-987967514FCE}" sibTransId="{7F94EF05-0C39-4F9C-9A48-51352C6B31D3}"/>
     <dgm:cxn modelId="{3F89FB64-88BB-4BEE-812A-52985A34FFBF}" srcId="{D871FBCD-F10D-4A09-B27D-E7A63B77C3C5}" destId="{2359ACC4-85A4-45D4-8500-E5B8C5333043}" srcOrd="3" destOrd="0" parTransId="{57738DE0-E522-4C2E-9DED-B7CF69ED9D13}" sibTransId="{8FD3C8D1-38FB-4B78-956D-A40EA8724A50}"/>
-    <dgm:cxn modelId="{1032036A-7D05-470E-BF33-6892F67E3B3C}" type="presOf" srcId="{AB2302B1-8AD0-4642-BE1E-0347B124D670}" destId="{D3D8769A-FE89-4088-9799-539DD4DBE89C}" srcOrd="0" destOrd="0" presId="urn:microsoft.com/office/officeart/2018/5/layout/IconCircleLabelList"/>
-    <dgm:cxn modelId="{23B5507A-07DA-4BC2-B604-D1B7089656D4}" type="presOf" srcId="{1342D0FE-A788-47A1-8EE2-192F538856CD}" destId="{A69ADC54-355C-409A-871A-2EFFD016CC4E}" srcOrd="0" destOrd="0" presId="urn:microsoft.com/office/officeart/2018/5/layout/IconCircleLabelList"/>
     <dgm:cxn modelId="{608B637B-7970-445C-BCAC-59EBE954B88E}" srcId="{D871FBCD-F10D-4A09-B27D-E7A63B77C3C5}" destId="{28EE72A6-7F28-43BF-A5F2-DD0C69855A2A}" srcOrd="0" destOrd="0" parTransId="{B8B42620-F226-41B8-8472-FCC31DE35825}" sibTransId="{7AF661E7-3E2F-4C59-BBBC-0EC6D0C2564A}"/>
     <dgm:cxn modelId="{1C825B7F-30E6-41BF-BC9E-905777DD99E8}" type="presOf" srcId="{2359ACC4-85A4-45D4-8500-E5B8C5333043}" destId="{B6CA628C-CD1C-4165-B130-16B9A1C49742}" srcOrd="0" destOrd="0" presId="urn:microsoft.com/office/officeart/2018/5/layout/IconCircleLabelList"/>
+    <dgm:cxn modelId="{23B5507A-07DA-4BC2-B604-D1B7089656D4}" type="presOf" srcId="{1342D0FE-A788-47A1-8EE2-192F538856CD}" destId="{A69ADC54-355C-409A-871A-2EFFD016CC4E}" srcOrd="0" destOrd="0" presId="urn:microsoft.com/office/officeart/2018/5/layout/IconCircleLabelList"/>
+    <dgm:cxn modelId="{1032036A-7D05-470E-BF33-6892F67E3B3C}" type="presOf" srcId="{AB2302B1-8AD0-4642-BE1E-0347B124D670}" destId="{D3D8769A-FE89-4088-9799-539DD4DBE89C}" srcOrd="0" destOrd="0" presId="urn:microsoft.com/office/officeart/2018/5/layout/IconCircleLabelList"/>
+    <dgm:cxn modelId="{A4C44218-7844-4642-9758-F40B3451F449}" type="presOf" srcId="{BF6B55A7-E12F-4A67-A7DE-CD3BB769DD20}" destId="{5E242653-B0CC-4532-957E-ACE4E8006F2B}" srcOrd="0" destOrd="0" presId="urn:microsoft.com/office/officeart/2018/5/layout/IconCircleLabelList"/>
     <dgm:cxn modelId="{9F1E2BC6-FC3B-4608-BF54-9EF964DEEAC0}" type="presOf" srcId="{28EE72A6-7F28-43BF-A5F2-DD0C69855A2A}" destId="{5E38BB32-CBBB-41B1-B839-9DEDB504C939}" srcOrd="0" destOrd="0" presId="urn:microsoft.com/office/officeart/2018/5/layout/IconCircleLabelList"/>
+    <dgm:cxn modelId="{852285ED-7CEC-4359-A970-A8B25B3B6B03}" srcId="{D871FBCD-F10D-4A09-B27D-E7A63B77C3C5}" destId="{1342D0FE-A788-47A1-8EE2-192F538856CD}" srcOrd="1" destOrd="0" parTransId="{FF0C91A5-691B-43D1-8090-264DA7C28E74}" sibTransId="{E8E5605F-029C-4DA7-A90F-4ED52B30018F}"/>
     <dgm:cxn modelId="{BC219DCA-08DA-449F-9234-004D785BE0DB}" type="presOf" srcId="{D871FBCD-F10D-4A09-B27D-E7A63B77C3C5}" destId="{29B8D987-41D1-43BE-A64C-682BF861CE53}" srcOrd="0" destOrd="0" presId="urn:microsoft.com/office/officeart/2018/5/layout/IconCircleLabelList"/>
-    <dgm:cxn modelId="{852285ED-7CEC-4359-A970-A8B25B3B6B03}" srcId="{D871FBCD-F10D-4A09-B27D-E7A63B77C3C5}" destId="{1342D0FE-A788-47A1-8EE2-192F538856CD}" srcOrd="1" destOrd="0" parTransId="{FF0C91A5-691B-43D1-8090-264DA7C28E74}" sibTransId="{E8E5605F-029C-4DA7-A90F-4ED52B30018F}"/>
-    <dgm:cxn modelId="{5BC709EF-5F00-427C-AC66-191DEA684DE4}" srcId="{D871FBCD-F10D-4A09-B27D-E7A63B77C3C5}" destId="{AB2302B1-8AD0-4642-BE1E-0347B124D670}" srcOrd="2" destOrd="0" parTransId="{F01D03E7-0475-4E11-A6E4-987967514FCE}" sibTransId="{7F94EF05-0C39-4F9C-9A48-51352C6B31D3}"/>
     <dgm:cxn modelId="{4EA9841A-1BDC-4A13-874E-3B25B8861AF3}" type="presParOf" srcId="{29B8D987-41D1-43BE-A64C-682BF861CE53}" destId="{EDDDDAEC-17E3-4DC4-89BE-3D80C70AB016}" srcOrd="0" destOrd="0" presId="urn:microsoft.com/office/officeart/2018/5/layout/IconCircleLabelList"/>
     <dgm:cxn modelId="{F03E69E6-2BF5-4580-83FA-A0EF10408BD0}" type="presParOf" srcId="{EDDDDAEC-17E3-4DC4-89BE-3D80C70AB016}" destId="{D93616DC-339C-4752-989A-EAEA556FC8A2}" srcOrd="0" destOrd="0" presId="urn:microsoft.com/office/officeart/2018/5/layout/IconCircleLabelList"/>
     <dgm:cxn modelId="{EF2D9DA7-8B97-4B80-94E5-D66069050F10}" type="presParOf" srcId="{EDDDDAEC-17E3-4DC4-89BE-3D80C70AB016}" destId="{2A28F1E5-9BC4-4E37-90B2-3837A733ADB3}" srcOrd="1" destOrd="0" presId="urn:microsoft.com/office/officeart/2018/5/layout/IconCircleLabelList"/>
@@ -6286,6 +6496,13 @@
         </dgm:presLayoutVars>
       </dgm:prSet>
       <dgm:spPr/>
+      <dgm:t>
+        <a:bodyPr/>
+        <a:lstStyle/>
+        <a:p>
+          <a:endParaRPr lang="en-US"/>
+        </a:p>
+      </dgm:t>
     </dgm:pt>
     <dgm:pt modelId="{71D34F91-56F0-4727-A9B1-90CA0CBE5B4C}" type="pres">
       <dgm:prSet presAssocID="{369CE3DE-EE4B-4D5B-A677-92FA5FAB27A7}" presName="compNode" presStyleCnt="0"/>
@@ -6305,7 +6522,7 @@
                 <a14:useLocalDpi xmlns:a14="http://schemas.microsoft.com/office/drawing/2010/main" val="0"/>
               </a:ext>
               <a:ext uri="{96DAC541-7B7A-43D3-8B79-37D633B846F1}">
-                <asvg:svgBlip xmlns:asvg="http://schemas.microsoft.com/office/drawing/2016/SVG/main" r:embed="rId2"/>
+                <asvg:svgBlip xmlns:asvg="http://schemas.microsoft.com/office/drawing/2016/SVG/main" xmlns="" r:embed="rId2"/>
               </a:ext>
             </a:extLst>
           </a:blip>
@@ -6317,6 +6534,13 @@
           <a:noFill/>
         </a:ln>
       </dgm:spPr>
+      <dgm:t>
+        <a:bodyPr/>
+        <a:lstStyle/>
+        <a:p>
+          <a:endParaRPr lang="en-US"/>
+        </a:p>
+      </dgm:t>
       <dgm:extLst>
         <a:ext uri="{E40237B7-FDA0-4F09-8148-C483321AD2D9}">
           <dgm14:cNvPr xmlns:dgm14="http://schemas.microsoft.com/office/drawing/2010/diagram" id="0" name="" descr="Microscope"/>
@@ -6335,6 +6559,13 @@
         </dgm:presLayoutVars>
       </dgm:prSet>
       <dgm:spPr/>
+      <dgm:t>
+        <a:bodyPr/>
+        <a:lstStyle/>
+        <a:p>
+          <a:endParaRPr lang="en-US"/>
+        </a:p>
+      </dgm:t>
     </dgm:pt>
     <dgm:pt modelId="{63BFEE7C-F4BA-4FC6-BE5C-0BFD58C3B5E6}" type="pres">
       <dgm:prSet presAssocID="{D2229140-6A57-4B01-9246-C86CB3046413}" presName="sibTrans" presStyleCnt="0"/>
@@ -6358,7 +6589,7 @@
                 <a14:useLocalDpi xmlns:a14="http://schemas.microsoft.com/office/drawing/2010/main" val="0"/>
               </a:ext>
               <a:ext uri="{96DAC541-7B7A-43D3-8B79-37D633B846F1}">
-                <asvg:svgBlip xmlns:asvg="http://schemas.microsoft.com/office/drawing/2016/SVG/main" r:embed="rId4"/>
+                <asvg:svgBlip xmlns:asvg="http://schemas.microsoft.com/office/drawing/2016/SVG/main" xmlns="" r:embed="rId4"/>
               </a:ext>
             </a:extLst>
           </a:blip>
@@ -6370,6 +6601,13 @@
           <a:noFill/>
         </a:ln>
       </dgm:spPr>
+      <dgm:t>
+        <a:bodyPr/>
+        <a:lstStyle/>
+        <a:p>
+          <a:endParaRPr lang="en-US"/>
+        </a:p>
+      </dgm:t>
       <dgm:extLst>
         <a:ext uri="{E40237B7-FDA0-4F09-8148-C483321AD2D9}">
           <dgm14:cNvPr xmlns:dgm14="http://schemas.microsoft.com/office/drawing/2010/diagram" id="0" name="" descr="Presentation with Checklist"/>
@@ -6388,12 +6626,19 @@
         </dgm:presLayoutVars>
       </dgm:prSet>
       <dgm:spPr/>
+      <dgm:t>
+        <a:bodyPr/>
+        <a:lstStyle/>
+        <a:p>
+          <a:endParaRPr lang="en-US"/>
+        </a:p>
+      </dgm:t>
     </dgm:pt>
   </dgm:ptLst>
   <dgm:cxnLst>
+    <dgm:cxn modelId="{98D8A07A-B56D-4E45-9131-24A7F0309C1C}" type="presOf" srcId="{638F2831-4B72-43BC-9EC1-747C1F9F3222}" destId="{53B660AF-9D71-43DC-8166-11D99C93A9EA}" srcOrd="0" destOrd="0" presId="urn:microsoft.com/office/officeart/2018/2/layout/IconVerticalSolidList"/>
     <dgm:cxn modelId="{E15D0D2F-E1A5-4DA9-81F5-AF311584E1FE}" type="presOf" srcId="{B33ECCE0-8E82-4FD3-AD9B-41891426CFF1}" destId="{9C5E6859-6C5F-4DA9-B19F-F1CDC4330176}" srcOrd="0" destOrd="0" presId="urn:microsoft.com/office/officeart/2018/2/layout/IconVerticalSolidList"/>
     <dgm:cxn modelId="{F2AD935A-9F25-43A1-9BCE-830D27B69D0C}" type="presOf" srcId="{369CE3DE-EE4B-4D5B-A677-92FA5FAB27A7}" destId="{92A7231D-078E-4E59-ADB7-94ED8FB70932}" srcOrd="0" destOrd="0" presId="urn:microsoft.com/office/officeart/2018/2/layout/IconVerticalSolidList"/>
-    <dgm:cxn modelId="{98D8A07A-B56D-4E45-9131-24A7F0309C1C}" type="presOf" srcId="{638F2831-4B72-43BC-9EC1-747C1F9F3222}" destId="{53B660AF-9D71-43DC-8166-11D99C93A9EA}" srcOrd="0" destOrd="0" presId="urn:microsoft.com/office/officeart/2018/2/layout/IconVerticalSolidList"/>
     <dgm:cxn modelId="{98D68EE5-BB27-49FA-BCB9-D58C1D028BCC}" srcId="{638F2831-4B72-43BC-9EC1-747C1F9F3222}" destId="{B33ECCE0-8E82-4FD3-AD9B-41891426CFF1}" srcOrd="1" destOrd="0" parTransId="{199D0611-081E-4788-9B71-BC00723FB797}" sibTransId="{64B056B6-1DF2-4058-8E7F-9C9452524896}"/>
     <dgm:cxn modelId="{27E9E8F8-67AE-41FE-A4DC-FEFA5BF0C3B0}" srcId="{638F2831-4B72-43BC-9EC1-747C1F9F3222}" destId="{369CE3DE-EE4B-4D5B-A677-92FA5FAB27A7}" srcOrd="0" destOrd="0" parTransId="{A5A6B4BC-E5DC-4F0E-948D-8E4957BE1736}" sibTransId="{D2229140-6A57-4B01-9246-C86CB3046413}"/>
     <dgm:cxn modelId="{EF676F19-D781-47EA-B93B-6A8C34E82364}" type="presParOf" srcId="{53B660AF-9D71-43DC-8166-11D99C93A9EA}" destId="{71D34F91-56F0-4727-A9B1-90CA0CBE5B4C}" srcOrd="0" destOrd="0" presId="urn:microsoft.com/office/officeart/2018/2/layout/IconVerticalSolidList"/>
@@ -6488,7 +6733,7 @@
                 <a14:useLocalDpi xmlns:a14="http://schemas.microsoft.com/office/drawing/2010/main" val="0"/>
               </a:ext>
               <a:ext uri="{96DAC541-7B7A-43D3-8B79-37D633B846F1}">
-                <asvg:svgBlip xmlns:asvg="http://schemas.microsoft.com/office/drawing/2016/SVG/main" r:embed="rId2"/>
+                <asvg:svgBlip xmlns:asvg="http://schemas.microsoft.com/office/drawing/2016/SVG/main" xmlns="" r:embed="rId2"/>
               </a:ext>
             </a:extLst>
           </a:blip>
@@ -6554,7 +6799,7 @@
         </a:bodyPr>
         <a:lstStyle/>
         <a:p>
-          <a:pPr marL="0" lvl="0" indent="0" algn="l" defTabSz="1111250">
+          <a:pPr lvl="0" algn="l" defTabSz="1111250">
             <a:lnSpc>
               <a:spcPct val="100000"/>
             </a:lnSpc>
@@ -6564,7 +6809,6 @@
             <a:spcAft>
               <a:spcPct val="35000"/>
             </a:spcAft>
-            <a:buNone/>
           </a:pPr>
           <a:r>
             <a:rPr lang="en-US" sz="2500" kern="1200"/>
@@ -6639,7 +6883,7 @@
                 <a14:useLocalDpi xmlns:a14="http://schemas.microsoft.com/office/drawing/2010/main" val="0"/>
               </a:ext>
               <a:ext uri="{96DAC541-7B7A-43D3-8B79-37D633B846F1}">
-                <asvg:svgBlip xmlns:asvg="http://schemas.microsoft.com/office/drawing/2016/SVG/main" r:embed="rId4"/>
+                <asvg:svgBlip xmlns:asvg="http://schemas.microsoft.com/office/drawing/2016/SVG/main" xmlns="" r:embed="rId4"/>
               </a:ext>
             </a:extLst>
           </a:blip>
@@ -6705,7 +6949,7 @@
         </a:bodyPr>
         <a:lstStyle/>
         <a:p>
-          <a:pPr marL="0" lvl="0" indent="0" algn="l" defTabSz="1111250">
+          <a:pPr lvl="0" algn="l" defTabSz="1111250">
             <a:lnSpc>
               <a:spcPct val="100000"/>
             </a:lnSpc>
@@ -6715,7 +6959,6 @@
             <a:spcAft>
               <a:spcPct val="35000"/>
             </a:spcAft>
-            <a:buNone/>
           </a:pPr>
           <a:r>
             <a:rPr lang="en-GB" sz="2500" kern="1200" baseline="0"/>
@@ -6791,7 +7034,7 @@
                 <a14:useLocalDpi xmlns:a14="http://schemas.microsoft.com/office/drawing/2010/main" val="0"/>
               </a:ext>
               <a:ext uri="{96DAC541-7B7A-43D3-8B79-37D633B846F1}">
-                <asvg:svgBlip xmlns:asvg="http://schemas.microsoft.com/office/drawing/2016/SVG/main" r:embed="rId6"/>
+                <asvg:svgBlip xmlns:asvg="http://schemas.microsoft.com/office/drawing/2016/SVG/main" xmlns="" r:embed="rId6"/>
               </a:ext>
             </a:extLst>
           </a:blip>
@@ -6857,7 +7100,7 @@
         </a:bodyPr>
         <a:lstStyle/>
         <a:p>
-          <a:pPr marL="0" lvl="0" indent="0" algn="l" defTabSz="1111250">
+          <a:pPr lvl="0" algn="l" defTabSz="1111250">
             <a:lnSpc>
               <a:spcPct val="100000"/>
             </a:lnSpc>
@@ -6867,7 +7110,6 @@
             <a:spcAft>
               <a:spcPct val="35000"/>
             </a:spcAft>
-            <a:buNone/>
           </a:pPr>
           <a:r>
             <a:rPr lang="en-GB" sz="2500" kern="1200" baseline="0"/>
@@ -6955,7 +7197,7 @@
                 <a14:useLocalDpi xmlns:a14="http://schemas.microsoft.com/office/drawing/2010/main" val="0"/>
               </a:ext>
               <a:ext uri="{96DAC541-7B7A-43D3-8B79-37D633B846F1}">
-                <asvg:svgBlip xmlns:asvg="http://schemas.microsoft.com/office/drawing/2016/SVG/main" r:embed="rId2"/>
+                <asvg:svgBlip xmlns:asvg="http://schemas.microsoft.com/office/drawing/2016/SVG/main" xmlns="" r:embed="rId2"/>
               </a:ext>
             </a:extLst>
           </a:blip>
@@ -7021,7 +7263,7 @@
         </a:bodyPr>
         <a:lstStyle/>
         <a:p>
-          <a:pPr marL="0" lvl="0" indent="0" algn="l" defTabSz="800100">
+          <a:pPr lvl="0" algn="l" defTabSz="800100">
             <a:lnSpc>
               <a:spcPct val="100000"/>
             </a:lnSpc>
@@ -7031,7 +7273,6 @@
             <a:spcAft>
               <a:spcPct val="35000"/>
             </a:spcAft>
-            <a:buNone/>
           </a:pPr>
           <a:r>
             <a:rPr lang="en-GB" sz="1800" kern="1200"/>
@@ -7107,7 +7348,7 @@
                 <a14:useLocalDpi xmlns:a14="http://schemas.microsoft.com/office/drawing/2010/main" val="0"/>
               </a:ext>
               <a:ext uri="{96DAC541-7B7A-43D3-8B79-37D633B846F1}">
-                <asvg:svgBlip xmlns:asvg="http://schemas.microsoft.com/office/drawing/2016/SVG/main" r:embed="rId4"/>
+                <asvg:svgBlip xmlns:asvg="http://schemas.microsoft.com/office/drawing/2016/SVG/main" xmlns="" r:embed="rId4"/>
               </a:ext>
             </a:extLst>
           </a:blip>
@@ -7173,7 +7414,7 @@
         </a:bodyPr>
         <a:lstStyle/>
         <a:p>
-          <a:pPr marL="0" lvl="0" indent="0" algn="l" defTabSz="800100">
+          <a:pPr lvl="0" algn="l" defTabSz="800100">
             <a:lnSpc>
               <a:spcPct val="100000"/>
             </a:lnSpc>
@@ -7183,7 +7424,6 @@
             <a:spcAft>
               <a:spcPct val="35000"/>
             </a:spcAft>
-            <a:buNone/>
           </a:pPr>
           <a:r>
             <a:rPr lang="en-GB" sz="1800" kern="1200" dirty="0"/>
@@ -7263,7 +7503,7 @@
         </a:bodyPr>
         <a:lstStyle/>
         <a:p>
-          <a:pPr marL="0" lvl="0" indent="0" algn="ctr" defTabSz="1200150">
+          <a:pPr lvl="0" algn="ctr" defTabSz="1200150">
             <a:lnSpc>
               <a:spcPct val="90000"/>
             </a:lnSpc>
@@ -7273,7 +7513,6 @@
             <a:spcAft>
               <a:spcPct val="35000"/>
             </a:spcAft>
-            <a:buNone/>
           </a:pPr>
           <a:r>
             <a:rPr lang="en-GB" sz="2700" kern="1200" baseline="0"/>
@@ -7341,7 +7580,7 @@
         </a:bodyPr>
         <a:lstStyle/>
         <a:p>
-          <a:pPr marL="0" lvl="0" indent="0" algn="ctr" defTabSz="1200150">
+          <a:pPr lvl="0" algn="ctr" defTabSz="1200150">
             <a:lnSpc>
               <a:spcPct val="90000"/>
             </a:lnSpc>
@@ -7351,7 +7590,6 @@
             <a:spcAft>
               <a:spcPct val="35000"/>
             </a:spcAft>
-            <a:buNone/>
           </a:pPr>
           <a:r>
             <a:rPr lang="en-GB" sz="2700" kern="1200" baseline="0"/>
@@ -7419,7 +7657,7 @@
         </a:bodyPr>
         <a:lstStyle/>
         <a:p>
-          <a:pPr marL="0" lvl="0" indent="0" algn="ctr" defTabSz="1200150">
+          <a:pPr lvl="0" algn="ctr" defTabSz="1200150">
             <a:lnSpc>
               <a:spcPct val="90000"/>
             </a:lnSpc>
@@ -7429,7 +7667,6 @@
             <a:spcAft>
               <a:spcPct val="35000"/>
             </a:spcAft>
-            <a:buNone/>
           </a:pPr>
           <a:r>
             <a:rPr lang="en-GB" sz="2700" kern="1200" baseline="0"/>
@@ -7497,7 +7734,7 @@
         </a:bodyPr>
         <a:lstStyle/>
         <a:p>
-          <a:pPr marL="0" lvl="0" indent="0" algn="ctr" defTabSz="1200150">
+          <a:pPr lvl="0" algn="ctr" defTabSz="1200150">
             <a:lnSpc>
               <a:spcPct val="90000"/>
             </a:lnSpc>
@@ -7507,7 +7744,6 @@
             <a:spcAft>
               <a:spcPct val="35000"/>
             </a:spcAft>
-            <a:buNone/>
           </a:pPr>
           <a:r>
             <a:rPr lang="en-GB" sz="2700" kern="1200" baseline="0"/>
@@ -7575,7 +7811,7 @@
         </a:bodyPr>
         <a:lstStyle/>
         <a:p>
-          <a:pPr marL="0" lvl="0" indent="0" algn="ctr" defTabSz="1200150">
+          <a:pPr lvl="0" algn="ctr" defTabSz="1200150">
             <a:lnSpc>
               <a:spcPct val="90000"/>
             </a:lnSpc>
@@ -7585,7 +7821,6 @@
             <a:spcAft>
               <a:spcPct val="35000"/>
             </a:spcAft>
-            <a:buNone/>
           </a:pPr>
           <a:r>
             <a:rPr lang="en-GB" sz="2700" kern="1200" baseline="0"/>
@@ -7653,7 +7888,7 @@
         </a:bodyPr>
         <a:lstStyle/>
         <a:p>
-          <a:pPr marL="0" lvl="0" indent="0" algn="ctr" defTabSz="1200150">
+          <a:pPr lvl="0" algn="ctr" defTabSz="1200150">
             <a:lnSpc>
               <a:spcPct val="90000"/>
             </a:lnSpc>
@@ -7663,7 +7898,6 @@
             <a:spcAft>
               <a:spcPct val="35000"/>
             </a:spcAft>
-            <a:buNone/>
           </a:pPr>
           <a:r>
             <a:rPr lang="en-GB" sz="2700" kern="1200" baseline="0"/>
@@ -7742,13 +7976,13 @@
           <a:avLst/>
         </a:prstGeom>
         <a:blipFill>
-          <a:blip xmlns:r="http://schemas.openxmlformats.org/officeDocument/2006/relationships" r:embed="rId1">
+          <a:blip xmlns:r="http://schemas.openxmlformats.org/officeDocument/2006/relationships" r:embed="rId1" cstate="print">
             <a:extLst>
               <a:ext uri="{28A0092B-C50C-407E-A947-70E740481C1C}">
                 <a14:useLocalDpi xmlns:a14="http://schemas.microsoft.com/office/drawing/2010/main" val="0"/>
               </a:ext>
               <a:ext uri="{96DAC541-7B7A-43D3-8B79-37D633B846F1}">
-                <asvg:svgBlip xmlns:asvg="http://schemas.microsoft.com/office/drawing/2016/SVG/main" r:embed="rId2"/>
+                <asvg:svgBlip xmlns:asvg="http://schemas.microsoft.com/office/drawing/2016/SVG/main" xmlns="" r:embed="rId2"/>
               </a:ext>
             </a:extLst>
           </a:blip>
@@ -7814,7 +8048,7 @@
         </a:bodyPr>
         <a:lstStyle/>
         <a:p>
-          <a:pPr marL="0" lvl="0" indent="0" algn="ctr" defTabSz="488950">
+          <a:pPr lvl="0" algn="ctr" defTabSz="488950">
             <a:lnSpc>
               <a:spcPct val="90000"/>
             </a:lnSpc>
@@ -7824,7 +8058,6 @@
             <a:spcAft>
               <a:spcPct val="35000"/>
             </a:spcAft>
-            <a:buNone/>
             <a:defRPr cap="all"/>
           </a:pPr>
           <a:r>
@@ -7892,13 +8125,13 @@
           <a:avLst/>
         </a:prstGeom>
         <a:blipFill>
-          <a:blip xmlns:r="http://schemas.openxmlformats.org/officeDocument/2006/relationships" r:embed="rId3">
+          <a:blip xmlns:r="http://schemas.openxmlformats.org/officeDocument/2006/relationships" r:embed="rId3" cstate="print">
             <a:extLst>
               <a:ext uri="{28A0092B-C50C-407E-A947-70E740481C1C}">
                 <a14:useLocalDpi xmlns:a14="http://schemas.microsoft.com/office/drawing/2010/main" val="0"/>
               </a:ext>
               <a:ext uri="{96DAC541-7B7A-43D3-8B79-37D633B846F1}">
-                <asvg:svgBlip xmlns:asvg="http://schemas.microsoft.com/office/drawing/2016/SVG/main" r:embed="rId4"/>
+                <asvg:svgBlip xmlns:asvg="http://schemas.microsoft.com/office/drawing/2016/SVG/main" xmlns="" r:embed="rId4"/>
               </a:ext>
             </a:extLst>
           </a:blip>
@@ -7964,7 +8197,7 @@
         </a:bodyPr>
         <a:lstStyle/>
         <a:p>
-          <a:pPr marL="0" lvl="0" indent="0" algn="ctr" defTabSz="488950">
+          <a:pPr lvl="0" algn="ctr" defTabSz="488950">
             <a:lnSpc>
               <a:spcPct val="90000"/>
             </a:lnSpc>
@@ -7974,7 +8207,6 @@
             <a:spcAft>
               <a:spcPct val="35000"/>
             </a:spcAft>
-            <a:buNone/>
             <a:defRPr cap="all"/>
           </a:pPr>
           <a:r>
@@ -8042,13 +8274,13 @@
           <a:avLst/>
         </a:prstGeom>
         <a:blipFill>
-          <a:blip xmlns:r="http://schemas.openxmlformats.org/officeDocument/2006/relationships" r:embed="rId5">
+          <a:blip xmlns:r="http://schemas.openxmlformats.org/officeDocument/2006/relationships" r:embed="rId5" cstate="print">
             <a:extLst>
               <a:ext uri="{28A0092B-C50C-407E-A947-70E740481C1C}">
                 <a14:useLocalDpi xmlns:a14="http://schemas.microsoft.com/office/drawing/2010/main" val="0"/>
               </a:ext>
               <a:ext uri="{96DAC541-7B7A-43D3-8B79-37D633B846F1}">
-                <asvg:svgBlip xmlns:asvg="http://schemas.microsoft.com/office/drawing/2016/SVG/main" r:embed="rId6"/>
+                <asvg:svgBlip xmlns:asvg="http://schemas.microsoft.com/office/drawing/2016/SVG/main" xmlns="" r:embed="rId6"/>
               </a:ext>
             </a:extLst>
           </a:blip>
@@ -8114,7 +8346,7 @@
         </a:bodyPr>
         <a:lstStyle/>
         <a:p>
-          <a:pPr marL="0" lvl="0" indent="0" algn="ctr" defTabSz="488950">
+          <a:pPr lvl="0" algn="ctr" defTabSz="488950">
             <a:lnSpc>
               <a:spcPct val="90000"/>
             </a:lnSpc>
@@ -8124,7 +8356,6 @@
             <a:spcAft>
               <a:spcPct val="35000"/>
             </a:spcAft>
-            <a:buNone/>
             <a:defRPr cap="all"/>
           </a:pPr>
           <a:r>
@@ -8192,13 +8423,13 @@
           <a:avLst/>
         </a:prstGeom>
         <a:blipFill>
-          <a:blip xmlns:r="http://schemas.openxmlformats.org/officeDocument/2006/relationships" r:embed="rId7">
+          <a:blip xmlns:r="http://schemas.openxmlformats.org/officeDocument/2006/relationships" r:embed="rId7" cstate="print">
             <a:extLst>
               <a:ext uri="{28A0092B-C50C-407E-A947-70E740481C1C}">
                 <a14:useLocalDpi xmlns:a14="http://schemas.microsoft.com/office/drawing/2010/main" val="0"/>
               </a:ext>
               <a:ext uri="{96DAC541-7B7A-43D3-8B79-37D633B846F1}">
-                <asvg:svgBlip xmlns:asvg="http://schemas.microsoft.com/office/drawing/2016/SVG/main" r:embed="rId8"/>
+                <asvg:svgBlip xmlns:asvg="http://schemas.microsoft.com/office/drawing/2016/SVG/main" xmlns="" r:embed="rId8"/>
               </a:ext>
             </a:extLst>
           </a:blip>
@@ -8264,7 +8495,7 @@
         </a:bodyPr>
         <a:lstStyle/>
         <a:p>
-          <a:pPr marL="0" lvl="0" indent="0" algn="ctr" defTabSz="488950">
+          <a:pPr lvl="0" algn="ctr" defTabSz="488950">
             <a:lnSpc>
               <a:spcPct val="90000"/>
             </a:lnSpc>
@@ -8274,7 +8505,6 @@
             <a:spcAft>
               <a:spcPct val="35000"/>
             </a:spcAft>
-            <a:buNone/>
             <a:defRPr cap="all"/>
           </a:pPr>
           <a:r>
@@ -8342,13 +8572,13 @@
           <a:avLst/>
         </a:prstGeom>
         <a:blipFill>
-          <a:blip xmlns:r="http://schemas.openxmlformats.org/officeDocument/2006/relationships" r:embed="rId9">
+          <a:blip xmlns:r="http://schemas.openxmlformats.org/officeDocument/2006/relationships" r:embed="rId9" cstate="print">
             <a:extLst>
               <a:ext uri="{28A0092B-C50C-407E-A947-70E740481C1C}">
                 <a14:useLocalDpi xmlns:a14="http://schemas.microsoft.com/office/drawing/2010/main" val="0"/>
               </a:ext>
               <a:ext uri="{96DAC541-7B7A-43D3-8B79-37D633B846F1}">
-                <asvg:svgBlip xmlns:asvg="http://schemas.microsoft.com/office/drawing/2016/SVG/main" r:embed="rId10"/>
+                <asvg:svgBlip xmlns:asvg="http://schemas.microsoft.com/office/drawing/2016/SVG/main" xmlns="" r:embed="rId10"/>
               </a:ext>
             </a:extLst>
           </a:blip>
@@ -8414,7 +8644,7 @@
         </a:bodyPr>
         <a:lstStyle/>
         <a:p>
-          <a:pPr marL="0" lvl="0" indent="0" algn="ctr" defTabSz="488950">
+          <a:pPr lvl="0" algn="ctr" defTabSz="488950">
             <a:lnSpc>
               <a:spcPct val="90000"/>
             </a:lnSpc>
@@ -8424,7 +8654,6 @@
             <a:spcAft>
               <a:spcPct val="35000"/>
             </a:spcAft>
-            <a:buNone/>
             <a:defRPr cap="all"/>
           </a:pPr>
           <a:r>
@@ -8512,7 +8741,7 @@
                 <a14:useLocalDpi xmlns:a14="http://schemas.microsoft.com/office/drawing/2010/main" val="0"/>
               </a:ext>
               <a:ext uri="{96DAC541-7B7A-43D3-8B79-37D633B846F1}">
-                <asvg:svgBlip xmlns:asvg="http://schemas.microsoft.com/office/drawing/2016/SVG/main" r:embed="rId2"/>
+                <asvg:svgBlip xmlns:asvg="http://schemas.microsoft.com/office/drawing/2016/SVG/main" xmlns="" r:embed="rId2"/>
               </a:ext>
             </a:extLst>
           </a:blip>
@@ -8578,7 +8807,7 @@
         </a:bodyPr>
         <a:lstStyle/>
         <a:p>
-          <a:pPr marL="0" lvl="0" indent="0" algn="l" defTabSz="1022350">
+          <a:pPr lvl="0" algn="l" defTabSz="1022350">
             <a:lnSpc>
               <a:spcPct val="90000"/>
             </a:lnSpc>
@@ -8588,7 +8817,6 @@
             <a:spcAft>
               <a:spcPct val="35000"/>
             </a:spcAft>
-            <a:buNone/>
           </a:pPr>
           <a:r>
             <a:rPr lang="en-GB" sz="2300" kern="1200" baseline="0"/>
@@ -8664,7 +8892,7 @@
                 <a14:useLocalDpi xmlns:a14="http://schemas.microsoft.com/office/drawing/2010/main" val="0"/>
               </a:ext>
               <a:ext uri="{96DAC541-7B7A-43D3-8B79-37D633B846F1}">
-                <asvg:svgBlip xmlns:asvg="http://schemas.microsoft.com/office/drawing/2016/SVG/main" r:embed="rId4"/>
+                <asvg:svgBlip xmlns:asvg="http://schemas.microsoft.com/office/drawing/2016/SVG/main" xmlns="" r:embed="rId4"/>
               </a:ext>
             </a:extLst>
           </a:blip>
@@ -8730,7 +8958,7 @@
         </a:bodyPr>
         <a:lstStyle/>
         <a:p>
-          <a:pPr marL="0" lvl="0" indent="0" algn="l" defTabSz="1022350">
+          <a:pPr lvl="0" algn="l" defTabSz="1022350">
             <a:lnSpc>
               <a:spcPct val="90000"/>
             </a:lnSpc>
@@ -8740,7 +8968,6 @@
             <a:spcAft>
               <a:spcPct val="35000"/>
             </a:spcAft>
-            <a:buNone/>
           </a:pPr>
           <a:r>
             <a:rPr lang="en-GB" sz="2300" kern="1200" baseline="0"/>
@@ -9035,7 +9262,7 @@
   </dgm:layoutNode>
   <dgm:extLst>
     <a:ext uri="{68A01E43-0DF5-4B5B-8FA6-DAF915123BFB}">
-      <dgm1612:lstStyle xmlns:dgm1612="http://schemas.microsoft.com/office/drawing/2016/12/diagram">
+      <dgm1612:lstStyle xmlns:dgm1612="http://schemas.microsoft.com/office/drawing/2016/12/diagram" xmlns="">
         <a:lvl1pPr>
           <a:lnSpc>
             <a:spcPct val="100000"/>
@@ -9329,7 +9556,7 @@
   </dgm:layoutNode>
   <dgm:extLst>
     <a:ext uri="{68A01E43-0DF5-4B5B-8FA6-DAF915123BFB}">
-      <dgm1612:lstStyle xmlns:dgm1612="http://schemas.microsoft.com/office/drawing/2016/12/diagram">
+      <dgm1612:lstStyle xmlns:dgm1612="http://schemas.microsoft.com/office/drawing/2016/12/diagram" xmlns="">
         <a:lvl1pPr>
           <a:lnSpc>
             <a:spcPct val="100000"/>
@@ -9695,7 +9922,7 @@
   </dgm:layoutNode>
   <dgm:extLst>
     <a:ext uri="{68A01E43-0DF5-4B5B-8FA6-DAF915123BFB}">
-      <dgm1612:lstStyle xmlns:dgm1612="http://schemas.microsoft.com/office/drawing/2016/12/diagram">
+      <dgm1612:lstStyle xmlns:dgm1612="http://schemas.microsoft.com/office/drawing/2016/12/diagram" xmlns="">
         <a:lvl1pPr>
           <a:lnSpc>
             <a:spcPct val="100000"/>
@@ -9985,7 +10212,7 @@
   </dgm:layoutNode>
   <dgm:extLst>
     <a:ext uri="{68A01E43-0DF5-4B5B-8FA6-DAF915123BFB}">
-      <dgm1612:lstStyle xmlns:dgm1612="http://schemas.microsoft.com/office/drawing/2016/12/diagram">
+      <dgm1612:lstStyle xmlns:dgm1612="http://schemas.microsoft.com/office/drawing/2016/12/diagram" xmlns="">
         <a:lvl1pPr>
           <a:lnSpc>
             <a:spcPct val="100000"/>
@@ -19604,7 +19831,7 @@
                 <a16:creationId xmlns:a16="http://schemas.microsoft.com/office/drawing/2014/main" id="{B9FC6610-A5F8-45EA-B7D4-AFDF75D208D8}"/>
               </a:ext>
               <a:ext uri="{C183D7F6-B498-43B3-948B-1728B52AA6E4}">
-                <adec:decorative xmlns:adec="http://schemas.microsoft.com/office/drawing/2017/decorative" val="1"/>
+                <adec:decorative xmlns:adec="http://schemas.microsoft.com/office/drawing/2017/decorative" xmlns="" val="1"/>
               </a:ext>
             </a:extLst>
           </p:cNvPr>
@@ -19818,7 +20045,7 @@
                 <a16:creationId xmlns:a16="http://schemas.microsoft.com/office/drawing/2014/main" id="{4E9AB7A3-4EBC-40F6-99B4-4B1FE7F9DD4A}"/>
               </a:ext>
               <a:ext uri="{C183D7F6-B498-43B3-948B-1728B52AA6E4}">
-                <adec:decorative xmlns:adec="http://schemas.microsoft.com/office/drawing/2017/decorative" val="1"/>
+                <adec:decorative xmlns:adec="http://schemas.microsoft.com/office/drawing/2017/decorative" xmlns="" val="1"/>
               </a:ext>
             </a:extLst>
           </p:cNvPr>
@@ -19870,7 +20097,7 @@
                 <a16:creationId xmlns:a16="http://schemas.microsoft.com/office/drawing/2014/main" id="{1B3565AA-1895-4FD0-9529-A2A83E3BE555}"/>
               </a:ext>
               <a:ext uri="{C183D7F6-B498-43B3-948B-1728B52AA6E4}">
-                <adec:decorative xmlns:adec="http://schemas.microsoft.com/office/drawing/2017/decorative" val="1"/>
+                <adec:decorative xmlns:adec="http://schemas.microsoft.com/office/drawing/2017/decorative" xmlns="" val="1"/>
               </a:ext>
             </a:extLst>
           </p:cNvPr>
@@ -19974,7 +20201,7 @@
                 <a16:creationId xmlns:a16="http://schemas.microsoft.com/office/drawing/2014/main" id="{89133355-FE8F-47A7-A957-C58816B83767}"/>
               </a:ext>
               <a:ext uri="{C183D7F6-B498-43B3-948B-1728B52AA6E4}">
-                <adec:decorative xmlns:adec="http://schemas.microsoft.com/office/drawing/2017/decorative" val="1"/>
+                <adec:decorative xmlns:adec="http://schemas.microsoft.com/office/drawing/2017/decorative" xmlns="" val="1"/>
               </a:ext>
             </a:extLst>
           </p:cNvPr>
@@ -20026,7 +20253,7 @@
                 <a16:creationId xmlns:a16="http://schemas.microsoft.com/office/drawing/2014/main" id="{7C5B7311-152E-4409-94FA-12DB03D5C7B8}"/>
               </a:ext>
               <a:ext uri="{C183D7F6-B498-43B3-948B-1728B52AA6E4}">
-                <adec:decorative xmlns:adec="http://schemas.microsoft.com/office/drawing/2017/decorative" val="1"/>
+                <adec:decorative xmlns:adec="http://schemas.microsoft.com/office/drawing/2017/decorative" xmlns="" val="1"/>
               </a:ext>
             </a:extLst>
           </p:cNvPr>
@@ -20278,7 +20505,7 @@
                 <a16:creationId xmlns:a16="http://schemas.microsoft.com/office/drawing/2014/main" id="{E7FEC498-B035-4333-A0F8-DF3C35718915}"/>
               </a:ext>
               <a:ext uri="{C183D7F6-B498-43B3-948B-1728B52AA6E4}">
-                <adec:decorative xmlns:adec="http://schemas.microsoft.com/office/drawing/2017/decorative" val="1"/>
+                <adec:decorative xmlns:adec="http://schemas.microsoft.com/office/drawing/2017/decorative" xmlns="" val="1"/>
               </a:ext>
             </a:extLst>
           </p:cNvPr>
@@ -20374,7 +20601,7 @@
                 <a16:creationId xmlns:a16="http://schemas.microsoft.com/office/drawing/2014/main" id="{A4E924C2-FBA4-41C5-A0FA-68EDF7E528C5}"/>
               </a:ext>
               <a:ext uri="{C183D7F6-B498-43B3-948B-1728B52AA6E4}">
-                <adec:decorative xmlns:adec="http://schemas.microsoft.com/office/drawing/2017/decorative" val="1"/>
+                <adec:decorative xmlns:adec="http://schemas.microsoft.com/office/drawing/2017/decorative" xmlns="" val="1"/>
               </a:ext>
             </a:extLst>
           </p:cNvPr>
@@ -20495,7 +20722,7 @@
                 <a16:creationId xmlns:a16="http://schemas.microsoft.com/office/drawing/2014/main" id="{E7FEC498-B035-4333-A0F8-DF3C35718915}"/>
               </a:ext>
               <a:ext uri="{C183D7F6-B498-43B3-948B-1728B52AA6E4}">
-                <adec:decorative xmlns:adec="http://schemas.microsoft.com/office/drawing/2017/decorative" val="1"/>
+                <adec:decorative xmlns:adec="http://schemas.microsoft.com/office/drawing/2017/decorative" xmlns="" val="1"/>
               </a:ext>
             </a:extLst>
           </p:cNvPr>
@@ -20602,7 +20829,7 @@
                 <a16:creationId xmlns:a16="http://schemas.microsoft.com/office/drawing/2014/main" id="{A4E924C2-FBA4-41C5-A0FA-68EDF7E528C5}"/>
               </a:ext>
               <a:ext uri="{C183D7F6-B498-43B3-948B-1728B52AA6E4}">
-                <adec:decorative xmlns:adec="http://schemas.microsoft.com/office/drawing/2017/decorative" val="1"/>
+                <adec:decorative xmlns:adec="http://schemas.microsoft.com/office/drawing/2017/decorative" xmlns="" val="1"/>
               </a:ext>
             </a:extLst>
           </p:cNvPr>
@@ -20723,7 +20950,7 @@
                 <a16:creationId xmlns:a16="http://schemas.microsoft.com/office/drawing/2014/main" id="{78FFBFD5-276D-496F-A908-1347767AE291}"/>
               </a:ext>
               <a:ext uri="{C183D7F6-B498-43B3-948B-1728B52AA6E4}">
-                <adec:decorative xmlns:adec="http://schemas.microsoft.com/office/drawing/2017/decorative" val="1"/>
+                <adec:decorative xmlns:adec="http://schemas.microsoft.com/office/drawing/2017/decorative" xmlns="" val="1"/>
               </a:ext>
             </a:extLst>
           </p:cNvPr>
@@ -20783,7 +21010,7 @@
                 <a16:creationId xmlns:a16="http://schemas.microsoft.com/office/drawing/2014/main" id="{333488F1-2007-4A5D-A636-2AF0A6E39392}"/>
               </a:ext>
               <a:ext uri="{C183D7F6-B498-43B3-948B-1728B52AA6E4}">
-                <adec:decorative xmlns:adec="http://schemas.microsoft.com/office/drawing/2017/decorative" val="1"/>
+                <adec:decorative xmlns:adec="http://schemas.microsoft.com/office/drawing/2017/decorative" xmlns="" val="1"/>
               </a:ext>
             </a:extLst>
           </p:cNvPr>
@@ -20882,7 +21109,7 @@
                 <a16:creationId xmlns:a16="http://schemas.microsoft.com/office/drawing/2014/main" id="{4D06F41F-CEDD-4BFE-8366-1F4AB962A718}"/>
               </a:ext>
               <a:ext uri="{C183D7F6-B498-43B3-948B-1728B52AA6E4}">
-                <adec:decorative xmlns:adec="http://schemas.microsoft.com/office/drawing/2017/decorative" val="1"/>
+                <adec:decorative xmlns:adec="http://schemas.microsoft.com/office/drawing/2017/decorative" xmlns="" val="1"/>
               </a:ext>
             </a:extLst>
           </p:cNvPr>
@@ -21096,7 +21323,7 @@
                 <a16:creationId xmlns:a16="http://schemas.microsoft.com/office/drawing/2014/main" id="{5E476299-A192-47FF-BA28-143A80192D70}"/>
               </a:ext>
               <a:ext uri="{C183D7F6-B498-43B3-948B-1728B52AA6E4}">
-                <adec:decorative xmlns:adec="http://schemas.microsoft.com/office/drawing/2017/decorative" val="1"/>
+                <adec:decorative xmlns:adec="http://schemas.microsoft.com/office/drawing/2017/decorative" xmlns="" val="1"/>
               </a:ext>
             </a:extLst>
           </p:cNvPr>
@@ -21217,7 +21444,7 @@
                 <a16:creationId xmlns:a16="http://schemas.microsoft.com/office/drawing/2014/main" id="{FE532BDF-26FE-45A4-8718-E87D9B062E8E}"/>
               </a:ext>
               <a:ext uri="{C183D7F6-B498-43B3-948B-1728B52AA6E4}">
-                <adec:decorative xmlns:adec="http://schemas.microsoft.com/office/drawing/2017/decorative" val="1"/>
+                <adec:decorative xmlns:adec="http://schemas.microsoft.com/office/drawing/2017/decorative" xmlns="" val="1"/>
               </a:ext>
             </a:extLst>
           </p:cNvPr>
@@ -21277,7 +21504,7 @@
                 <a16:creationId xmlns:a16="http://schemas.microsoft.com/office/drawing/2014/main" id="{29E70135-50A1-42D0-AB31-8F321868A3C4}"/>
               </a:ext>
               <a:ext uri="{C183D7F6-B498-43B3-948B-1728B52AA6E4}">
-                <adec:decorative xmlns:adec="http://schemas.microsoft.com/office/drawing/2017/decorative" val="1"/>
+                <adec:decorative xmlns:adec="http://schemas.microsoft.com/office/drawing/2017/decorative" xmlns="" val="1"/>
               </a:ext>
             </a:extLst>
           </p:cNvPr>
@@ -21379,7 +21606,7 @@
                 <a16:creationId xmlns:a16="http://schemas.microsoft.com/office/drawing/2014/main" id="{CE7186C6-E9F2-4690-AC92-F449B3768265}"/>
               </a:ext>
               <a:ext uri="{C183D7F6-B498-43B3-948B-1728B52AA6E4}">
-                <adec:decorative xmlns:adec="http://schemas.microsoft.com/office/drawing/2017/decorative" val="1"/>
+                <adec:decorative xmlns:adec="http://schemas.microsoft.com/office/drawing/2017/decorative" xmlns="" val="1"/>
               </a:ext>
             </a:extLst>
           </p:cNvPr>
@@ -21593,7 +21820,7 @@
                 <a16:creationId xmlns:a16="http://schemas.microsoft.com/office/drawing/2014/main" id="{C583E161-1EC9-4CE6-9CEC-3CF8E315C251}"/>
               </a:ext>
               <a:ext uri="{C183D7F6-B498-43B3-948B-1728B52AA6E4}">
-                <adec:decorative xmlns:adec="http://schemas.microsoft.com/office/drawing/2017/decorative" val="1"/>
+                <adec:decorative xmlns:adec="http://schemas.microsoft.com/office/drawing/2017/decorative" xmlns="" val="1"/>
               </a:ext>
             </a:extLst>
           </p:cNvPr>
@@ -21739,30 +21966,34 @@
           </a:p>
         </p:txBody>
       </p:sp>
-      <p:sp>
-        <p:nvSpPr>
-          <p:cNvPr id="3" name="Content Placeholder 2"/>
-          <p:cNvSpPr>
-            <a:spLocks noGrp="1"/>
-          </p:cNvSpPr>
+      <p:pic>
+        <p:nvPicPr>
+          <p:cNvPr id="4" name="Content Placeholder 3"/>
+          <p:cNvPicPr>
+            <a:picLocks noGrp="1" noChangeAspect="1"/>
+          </p:cNvPicPr>
           <p:nvPr>
             <p:ph idx="1"/>
           </p:nvPr>
-        </p:nvSpPr>
+        </p:nvPicPr>
+        <p:blipFill rotWithShape="1">
+          <a:blip r:embed="rId2">
+            <a:extLst>
+              <a:ext uri="{28A0092B-C50C-407E-A947-70E740481C1C}">
+                <a14:useLocalDpi xmlns:a14="http://schemas.microsoft.com/office/drawing/2010/main" val="0"/>
+              </a:ext>
+            </a:extLst>
+          </a:blip>
+          <a:srcRect l="25113" t="10511" r="11352"/>
+          <a:stretch/>
+        </p:blipFill>
         <p:spPr>
           <a:xfrm>
-            <a:off x="4015409" y="0"/>
-            <a:ext cx="8176591" cy="6858000"/>
+            <a:off x="5037512" y="723207"/>
+            <a:ext cx="5844250" cy="4630189"/>
           </a:xfrm>
         </p:spPr>
-        <p:txBody>
-          <a:bodyPr/>
-          <a:lstStyle/>
-          <a:p>
-            <a:endParaRPr lang="en-GB" dirty="0"/>
-          </a:p>
-        </p:txBody>
-      </p:sp>
+      </p:pic>
     </p:spTree>
     <p:extLst>
       <p:ext uri="{BB962C8B-B14F-4D97-AF65-F5344CB8AC3E}">
@@ -21826,36 +22057,35 @@
           </a:p>
         </p:txBody>
       </p:sp>
-      <p:sp>
-        <p:nvSpPr>
-          <p:cNvPr id="3" name="Content Placeholder 2">
+      <p:pic>
+        <p:nvPicPr>
+          <p:cNvPr id="5" name="Content Placeholder 3"/>
+          <p:cNvPicPr>
+            <a:picLocks noChangeAspect="1"/>
+          </p:cNvPicPr>
+          <p:nvPr/>
+        </p:nvPicPr>
+        <p:blipFill rotWithShape="1">
+          <a:blip r:embed="rId2" cstate="print">
             <a:extLst>
-              <a:ext uri="{FF2B5EF4-FFF2-40B4-BE49-F238E27FC236}">
-                <a16:creationId xmlns:a16="http://schemas.microsoft.com/office/drawing/2014/main" id="{CF5788F1-3A65-4151-8605-C4AE4714EF1B}"/>
+              <a:ext uri="{28A0092B-C50C-407E-A947-70E740481C1C}">
+                <a14:useLocalDpi xmlns:a14="http://schemas.microsoft.com/office/drawing/2010/main" val="0"/>
               </a:ext>
             </a:extLst>
-          </p:cNvPr>
-          <p:cNvSpPr>
-            <a:spLocks noGrp="1"/>
-          </p:cNvSpPr>
-          <p:nvPr>
-            <p:ph idx="1"/>
-          </p:nvPr>
-        </p:nvSpPr>
+          </a:blip>
+          <a:srcRect l="341" t="-3394" r="50773" b="6909"/>
+          <a:stretch/>
+        </p:blipFill>
         <p:spPr>
           <a:xfrm>
-            <a:off x="3833906" y="0"/>
-            <a:ext cx="8358094" cy="6858000"/>
+            <a:off x="5885411" y="-249384"/>
+            <a:ext cx="6306589" cy="7001456"/>
           </a:xfrm>
+          <a:prstGeom prst="rect">
+            <a:avLst/>
+          </a:prstGeom>
         </p:spPr>
-        <p:txBody>
-          <a:bodyPr/>
-          <a:lstStyle/>
-          <a:p>
-            <a:endParaRPr lang="en-GB" dirty="0"/>
-          </a:p>
-        </p:txBody>
-      </p:sp>
+      </p:pic>
     </p:spTree>
     <p:extLst>
       <p:ext uri="{BB962C8B-B14F-4D97-AF65-F5344CB8AC3E}">
@@ -22038,7 +22268,7 @@
                 <a16:creationId xmlns:a16="http://schemas.microsoft.com/office/drawing/2014/main" id="{E7FEC498-B035-4333-A0F8-DF3C35718915}"/>
               </a:ext>
               <a:ext uri="{C183D7F6-B498-43B3-948B-1728B52AA6E4}">
-                <adec:decorative xmlns:adec="http://schemas.microsoft.com/office/drawing/2017/decorative" val="1"/>
+                <adec:decorative xmlns:adec="http://schemas.microsoft.com/office/drawing/2017/decorative" xmlns="" val="1"/>
               </a:ext>
             </a:extLst>
           </p:cNvPr>
@@ -22134,7 +22364,7 @@
                 <a16:creationId xmlns:a16="http://schemas.microsoft.com/office/drawing/2014/main" id="{A4E924C2-FBA4-41C5-A0FA-68EDF7E528C5}"/>
               </a:ext>
               <a:ext uri="{C183D7F6-B498-43B3-948B-1728B52AA6E4}">
-                <adec:decorative xmlns:adec="http://schemas.microsoft.com/office/drawing/2017/decorative" val="1"/>
+                <adec:decorative xmlns:adec="http://schemas.microsoft.com/office/drawing/2017/decorative" xmlns="" val="1"/>
               </a:ext>
             </a:extLst>
           </p:cNvPr>

--- a/IMS Presentation.pptx
+++ b/IMS Presentation.pptx
@@ -4899,7 +4899,7 @@
                 <a14:useLocalDpi xmlns:a14="http://schemas.microsoft.com/office/drawing/2010/main" val="0"/>
               </a:ext>
               <a:ext uri="{96DAC541-7B7A-43D3-8B79-37D633B846F1}">
-                <asvg:svgBlip xmlns:asvg="http://schemas.microsoft.com/office/drawing/2016/SVG/main" xmlns="" r:embed="rId2"/>
+                <asvg:svgBlip xmlns="" xmlns:asvg="http://schemas.microsoft.com/office/drawing/2016/SVG/main" r:embed="rId2"/>
               </a:ext>
             </a:extLst>
           </a:blip>
@@ -4966,7 +4966,7 @@
                 <a14:useLocalDpi xmlns:a14="http://schemas.microsoft.com/office/drawing/2010/main" val="0"/>
               </a:ext>
               <a:ext uri="{96DAC541-7B7A-43D3-8B79-37D633B846F1}">
-                <asvg:svgBlip xmlns:asvg="http://schemas.microsoft.com/office/drawing/2016/SVG/main" xmlns="" r:embed="rId4"/>
+                <asvg:svgBlip xmlns="" xmlns:asvg="http://schemas.microsoft.com/office/drawing/2016/SVG/main" r:embed="rId4"/>
               </a:ext>
             </a:extLst>
           </a:blip>
@@ -5033,7 +5033,7 @@
                 <a14:useLocalDpi xmlns:a14="http://schemas.microsoft.com/office/drawing/2010/main" val="0"/>
               </a:ext>
               <a:ext uri="{96DAC541-7B7A-43D3-8B79-37D633B846F1}">
-                <asvg:svgBlip xmlns:asvg="http://schemas.microsoft.com/office/drawing/2016/SVG/main" xmlns="" r:embed="rId6"/>
+                <asvg:svgBlip xmlns="" xmlns:asvg="http://schemas.microsoft.com/office/drawing/2016/SVG/main" r:embed="rId6"/>
               </a:ext>
             </a:extLst>
           </a:blip>
@@ -5247,7 +5247,7 @@
                 <a14:useLocalDpi xmlns:a14="http://schemas.microsoft.com/office/drawing/2010/main" val="0"/>
               </a:ext>
               <a:ext uri="{96DAC541-7B7A-43D3-8B79-37D633B846F1}">
-                <asvg:svgBlip xmlns:asvg="http://schemas.microsoft.com/office/drawing/2016/SVG/main" xmlns="" r:embed="rId2"/>
+                <asvg:svgBlip xmlns="" xmlns:asvg="http://schemas.microsoft.com/office/drawing/2016/SVG/main" r:embed="rId2"/>
               </a:ext>
             </a:extLst>
           </a:blip>
@@ -5314,7 +5314,7 @@
                 <a14:useLocalDpi xmlns:a14="http://schemas.microsoft.com/office/drawing/2010/main" val="0"/>
               </a:ext>
               <a:ext uri="{96DAC541-7B7A-43D3-8B79-37D633B846F1}">
-                <asvg:svgBlip xmlns:asvg="http://schemas.microsoft.com/office/drawing/2016/SVG/main" xmlns="" r:embed="rId4"/>
+                <asvg:svgBlip xmlns="" xmlns:asvg="http://schemas.microsoft.com/office/drawing/2016/SVG/main" r:embed="rId4"/>
               </a:ext>
             </a:extLst>
           </a:blip>
@@ -6034,7 +6034,7 @@
                 <a14:useLocalDpi xmlns:a14="http://schemas.microsoft.com/office/drawing/2010/main" val="0"/>
               </a:ext>
               <a:ext uri="{96DAC541-7B7A-43D3-8B79-37D633B846F1}">
-                <asvg:svgBlip xmlns:asvg="http://schemas.microsoft.com/office/drawing/2016/SVG/main" xmlns="" r:embed="rId2"/>
+                <asvg:svgBlip xmlns="" xmlns:asvg="http://schemas.microsoft.com/office/drawing/2016/SVG/main" r:embed="rId2"/>
               </a:ext>
             </a:extLst>
           </a:blip>
@@ -6101,7 +6101,7 @@
                 <a14:useLocalDpi xmlns:a14="http://schemas.microsoft.com/office/drawing/2010/main" val="0"/>
               </a:ext>
               <a:ext uri="{96DAC541-7B7A-43D3-8B79-37D633B846F1}">
-                <asvg:svgBlip xmlns:asvg="http://schemas.microsoft.com/office/drawing/2016/SVG/main" xmlns="" r:embed="rId4"/>
+                <asvg:svgBlip xmlns="" xmlns:asvg="http://schemas.microsoft.com/office/drawing/2016/SVG/main" r:embed="rId4"/>
               </a:ext>
             </a:extLst>
           </a:blip>
@@ -6168,7 +6168,7 @@
                 <a14:useLocalDpi xmlns:a14="http://schemas.microsoft.com/office/drawing/2010/main" val="0"/>
               </a:ext>
               <a:ext uri="{96DAC541-7B7A-43D3-8B79-37D633B846F1}">
-                <asvg:svgBlip xmlns:asvg="http://schemas.microsoft.com/office/drawing/2016/SVG/main" xmlns="" r:embed="rId6"/>
+                <asvg:svgBlip xmlns="" xmlns:asvg="http://schemas.microsoft.com/office/drawing/2016/SVG/main" r:embed="rId6"/>
               </a:ext>
             </a:extLst>
           </a:blip>
@@ -6235,7 +6235,7 @@
                 <a14:useLocalDpi xmlns:a14="http://schemas.microsoft.com/office/drawing/2010/main" val="0"/>
               </a:ext>
               <a:ext uri="{96DAC541-7B7A-43D3-8B79-37D633B846F1}">
-                <asvg:svgBlip xmlns:asvg="http://schemas.microsoft.com/office/drawing/2016/SVG/main" xmlns="" r:embed="rId8"/>
+                <asvg:svgBlip xmlns="" xmlns:asvg="http://schemas.microsoft.com/office/drawing/2016/SVG/main" r:embed="rId8"/>
               </a:ext>
             </a:extLst>
           </a:blip>
@@ -6302,7 +6302,7 @@
                 <a14:useLocalDpi xmlns:a14="http://schemas.microsoft.com/office/drawing/2010/main" val="0"/>
               </a:ext>
               <a:ext uri="{96DAC541-7B7A-43D3-8B79-37D633B846F1}">
-                <asvg:svgBlip xmlns:asvg="http://schemas.microsoft.com/office/drawing/2016/SVG/main" xmlns="" r:embed="rId10"/>
+                <asvg:svgBlip xmlns="" xmlns:asvg="http://schemas.microsoft.com/office/drawing/2016/SVG/main" r:embed="rId10"/>
               </a:ext>
             </a:extLst>
           </a:blip>
@@ -6422,10 +6422,10 @@
         <a:lstStyle/>
         <a:p>
           <a:r>
-            <a:rPr lang="en-GB" baseline="0"/>
+            <a:rPr lang="en-GB" baseline="0" dirty="0"/>
             <a:t>I used Junit tests to make sure my setters and getters for my database objects were currently functioning.</a:t>
           </a:r>
-          <a:endParaRPr lang="en-US"/>
+          <a:endParaRPr lang="en-US" dirty="0"/>
         </a:p>
       </dgm:t>
     </dgm:pt>
@@ -6459,10 +6459,18 @@
         <a:lstStyle/>
         <a:p>
           <a:r>
-            <a:rPr lang="en-GB" baseline="0"/>
-            <a:t>I also used Mockito to create integration tests which allowed me to test functions that relied on calling other functions.</a:t>
+            <a:rPr lang="en-GB" baseline="0" dirty="0"/>
+            <a:t>I also used </a:t>
           </a:r>
-          <a:endParaRPr lang="en-US"/>
+          <a:r>
+            <a:rPr lang="en-GB" baseline="0" dirty="0" err="1"/>
+            <a:t>Mockito</a:t>
+          </a:r>
+          <a:r>
+            <a:rPr lang="en-GB" baseline="0" dirty="0"/>
+            <a:t> to create integration tests which allowed me to test functions that relied on calling other functions.</a:t>
+          </a:r>
+          <a:endParaRPr lang="en-US" dirty="0"/>
         </a:p>
       </dgm:t>
     </dgm:pt>
@@ -6509,11 +6517,11 @@
       <dgm:spPr/>
     </dgm:pt>
     <dgm:pt modelId="{590B86A7-C187-4065-9336-406263695118}" type="pres">
-      <dgm:prSet presAssocID="{369CE3DE-EE4B-4D5B-A677-92FA5FAB27A7}" presName="bgRect" presStyleLbl="bgShp" presStyleIdx="0" presStyleCnt="2"/>
+      <dgm:prSet presAssocID="{369CE3DE-EE4B-4D5B-A677-92FA5FAB27A7}" presName="bgRect" presStyleLbl="bgShp" presStyleIdx="0" presStyleCnt="2" custScaleX="62507" custLinFactNeighborX="13924" custLinFactNeighborY="-54167"/>
       <dgm:spPr/>
     </dgm:pt>
     <dgm:pt modelId="{52C05BF1-690D-4BE3-8D75-0EF08E10191E}" type="pres">
-      <dgm:prSet presAssocID="{369CE3DE-EE4B-4D5B-A677-92FA5FAB27A7}" presName="iconRect" presStyleLbl="node1" presStyleIdx="0" presStyleCnt="2"/>
+      <dgm:prSet presAssocID="{369CE3DE-EE4B-4D5B-A677-92FA5FAB27A7}" presName="iconRect" presStyleLbl="node1" presStyleIdx="0" presStyleCnt="2" custLinFactY="-6442" custLinFactNeighborX="82640" custLinFactNeighborY="-100000"/>
       <dgm:spPr>
         <a:blipFill>
           <a:blip xmlns:r="http://schemas.openxmlformats.org/officeDocument/2006/relationships" r:embed="rId1">
@@ -6522,7 +6530,7 @@
                 <a14:useLocalDpi xmlns:a14="http://schemas.microsoft.com/office/drawing/2010/main" val="0"/>
               </a:ext>
               <a:ext uri="{96DAC541-7B7A-43D3-8B79-37D633B846F1}">
-                <asvg:svgBlip xmlns:asvg="http://schemas.microsoft.com/office/drawing/2016/SVG/main" xmlns="" r:embed="rId2"/>
+                <asvg:svgBlip xmlns="" xmlns:asvg="http://schemas.microsoft.com/office/drawing/2016/SVG/main" r:embed="rId2"/>
               </a:ext>
             </a:extLst>
           </a:blip>
@@ -6552,7 +6560,7 @@
       <dgm:spPr/>
     </dgm:pt>
     <dgm:pt modelId="{92A7231D-078E-4E59-ADB7-94ED8FB70932}" type="pres">
-      <dgm:prSet presAssocID="{369CE3DE-EE4B-4D5B-A677-92FA5FAB27A7}" presName="parTx" presStyleLbl="revTx" presStyleIdx="0" presStyleCnt="2">
+      <dgm:prSet presAssocID="{369CE3DE-EE4B-4D5B-A677-92FA5FAB27A7}" presName="parTx" presStyleLbl="revTx" presStyleIdx="0" presStyleCnt="2" custLinFactNeighborX="-969" custLinFactNeighborY="-54676">
         <dgm:presLayoutVars>
           <dgm:chMax val="0"/>
           <dgm:chPref val="0"/>
@@ -6576,11 +6584,11 @@
       <dgm:spPr/>
     </dgm:pt>
     <dgm:pt modelId="{864A240A-8F0E-40B5-84A4-91E29E0E4A13}" type="pres">
-      <dgm:prSet presAssocID="{B33ECCE0-8E82-4FD3-AD9B-41891426CFF1}" presName="bgRect" presStyleLbl="bgShp" presStyleIdx="1" presStyleCnt="2"/>
+      <dgm:prSet presAssocID="{B33ECCE0-8E82-4FD3-AD9B-41891426CFF1}" presName="bgRect" presStyleLbl="bgShp" presStyleIdx="1" presStyleCnt="2" custScaleX="61919" custLinFactNeighborX="14368" custLinFactNeighborY="-68633"/>
       <dgm:spPr/>
     </dgm:pt>
     <dgm:pt modelId="{742049AE-576D-46D2-AD0C-2281AABACBAC}" type="pres">
-      <dgm:prSet presAssocID="{B33ECCE0-8E82-4FD3-AD9B-41891426CFF1}" presName="iconRect" presStyleLbl="node1" presStyleIdx="1" presStyleCnt="2"/>
+      <dgm:prSet presAssocID="{B33ECCE0-8E82-4FD3-AD9B-41891426CFF1}" presName="iconRect" presStyleLbl="node1" presStyleIdx="1" presStyleCnt="2" custLinFactY="-35155" custLinFactNeighborX="83710" custLinFactNeighborY="-100000"/>
       <dgm:spPr>
         <a:blipFill>
           <a:blip xmlns:r="http://schemas.openxmlformats.org/officeDocument/2006/relationships" r:embed="rId3">
@@ -6589,7 +6597,7 @@
                 <a14:useLocalDpi xmlns:a14="http://schemas.microsoft.com/office/drawing/2010/main" val="0"/>
               </a:ext>
               <a:ext uri="{96DAC541-7B7A-43D3-8B79-37D633B846F1}">
-                <asvg:svgBlip xmlns:asvg="http://schemas.microsoft.com/office/drawing/2016/SVG/main" xmlns="" r:embed="rId4"/>
+                <asvg:svgBlip xmlns="" xmlns:asvg="http://schemas.microsoft.com/office/drawing/2016/SVG/main" r:embed="rId4"/>
               </a:ext>
             </a:extLst>
           </a:blip>
@@ -6619,7 +6627,7 @@
       <dgm:spPr/>
     </dgm:pt>
     <dgm:pt modelId="{9C5E6859-6C5F-4DA9-B19F-F1CDC4330176}" type="pres">
-      <dgm:prSet presAssocID="{B33ECCE0-8E82-4FD3-AD9B-41891426CFF1}" presName="parTx" presStyleLbl="revTx" presStyleIdx="1" presStyleCnt="2">
+      <dgm:prSet presAssocID="{B33ECCE0-8E82-4FD3-AD9B-41891426CFF1}" presName="parTx" presStyleLbl="revTx" presStyleIdx="1" presStyleCnt="2" custLinFactNeighborX="582" custLinFactNeighborY="-69074">
         <dgm:presLayoutVars>
           <dgm:chMax val="0"/>
           <dgm:chPref val="0"/>
@@ -6733,7 +6741,7 @@
                 <a14:useLocalDpi xmlns:a14="http://schemas.microsoft.com/office/drawing/2010/main" val="0"/>
               </a:ext>
               <a:ext uri="{96DAC541-7B7A-43D3-8B79-37D633B846F1}">
-                <asvg:svgBlip xmlns:asvg="http://schemas.microsoft.com/office/drawing/2016/SVG/main" xmlns="" r:embed="rId2"/>
+                <asvg:svgBlip xmlns="" xmlns:asvg="http://schemas.microsoft.com/office/drawing/2016/SVG/main" r:embed="rId2"/>
               </a:ext>
             </a:extLst>
           </a:blip>
@@ -6883,7 +6891,7 @@
                 <a14:useLocalDpi xmlns:a14="http://schemas.microsoft.com/office/drawing/2010/main" val="0"/>
               </a:ext>
               <a:ext uri="{96DAC541-7B7A-43D3-8B79-37D633B846F1}">
-                <asvg:svgBlip xmlns:asvg="http://schemas.microsoft.com/office/drawing/2016/SVG/main" xmlns="" r:embed="rId4"/>
+                <asvg:svgBlip xmlns="" xmlns:asvg="http://schemas.microsoft.com/office/drawing/2016/SVG/main" r:embed="rId4"/>
               </a:ext>
             </a:extLst>
           </a:blip>
@@ -7034,7 +7042,7 @@
                 <a14:useLocalDpi xmlns:a14="http://schemas.microsoft.com/office/drawing/2010/main" val="0"/>
               </a:ext>
               <a:ext uri="{96DAC541-7B7A-43D3-8B79-37D633B846F1}">
-                <asvg:svgBlip xmlns:asvg="http://schemas.microsoft.com/office/drawing/2016/SVG/main" xmlns="" r:embed="rId6"/>
+                <asvg:svgBlip xmlns="" xmlns:asvg="http://schemas.microsoft.com/office/drawing/2016/SVG/main" r:embed="rId6"/>
               </a:ext>
             </a:extLst>
           </a:blip>
@@ -7197,7 +7205,7 @@
                 <a14:useLocalDpi xmlns:a14="http://schemas.microsoft.com/office/drawing/2010/main" val="0"/>
               </a:ext>
               <a:ext uri="{96DAC541-7B7A-43D3-8B79-37D633B846F1}">
-                <asvg:svgBlip xmlns:asvg="http://schemas.microsoft.com/office/drawing/2016/SVG/main" xmlns="" r:embed="rId2"/>
+                <asvg:svgBlip xmlns="" xmlns:asvg="http://schemas.microsoft.com/office/drawing/2016/SVG/main" r:embed="rId2"/>
               </a:ext>
             </a:extLst>
           </a:blip>
@@ -7348,7 +7356,7 @@
                 <a14:useLocalDpi xmlns:a14="http://schemas.microsoft.com/office/drawing/2010/main" val="0"/>
               </a:ext>
               <a:ext uri="{96DAC541-7B7A-43D3-8B79-37D633B846F1}">
-                <asvg:svgBlip xmlns:asvg="http://schemas.microsoft.com/office/drawing/2016/SVG/main" xmlns="" r:embed="rId4"/>
+                <asvg:svgBlip xmlns="" xmlns:asvg="http://schemas.microsoft.com/office/drawing/2016/SVG/main" r:embed="rId4"/>
               </a:ext>
             </a:extLst>
           </a:blip>
@@ -7982,7 +7990,7 @@
                 <a14:useLocalDpi xmlns:a14="http://schemas.microsoft.com/office/drawing/2010/main" val="0"/>
               </a:ext>
               <a:ext uri="{96DAC541-7B7A-43D3-8B79-37D633B846F1}">
-                <asvg:svgBlip xmlns:asvg="http://schemas.microsoft.com/office/drawing/2016/SVG/main" xmlns="" r:embed="rId2"/>
+                <asvg:svgBlip xmlns="" xmlns:asvg="http://schemas.microsoft.com/office/drawing/2016/SVG/main" r:embed="rId2"/>
               </a:ext>
             </a:extLst>
           </a:blip>
@@ -8131,7 +8139,7 @@
                 <a14:useLocalDpi xmlns:a14="http://schemas.microsoft.com/office/drawing/2010/main" val="0"/>
               </a:ext>
               <a:ext uri="{96DAC541-7B7A-43D3-8B79-37D633B846F1}">
-                <asvg:svgBlip xmlns:asvg="http://schemas.microsoft.com/office/drawing/2016/SVG/main" xmlns="" r:embed="rId4"/>
+                <asvg:svgBlip xmlns="" xmlns:asvg="http://schemas.microsoft.com/office/drawing/2016/SVG/main" r:embed="rId4"/>
               </a:ext>
             </a:extLst>
           </a:blip>
@@ -8280,7 +8288,7 @@
                 <a14:useLocalDpi xmlns:a14="http://schemas.microsoft.com/office/drawing/2010/main" val="0"/>
               </a:ext>
               <a:ext uri="{96DAC541-7B7A-43D3-8B79-37D633B846F1}">
-                <asvg:svgBlip xmlns:asvg="http://schemas.microsoft.com/office/drawing/2016/SVG/main" xmlns="" r:embed="rId6"/>
+                <asvg:svgBlip xmlns="" xmlns:asvg="http://schemas.microsoft.com/office/drawing/2016/SVG/main" r:embed="rId6"/>
               </a:ext>
             </a:extLst>
           </a:blip>
@@ -8429,7 +8437,7 @@
                 <a14:useLocalDpi xmlns:a14="http://schemas.microsoft.com/office/drawing/2010/main" val="0"/>
               </a:ext>
               <a:ext uri="{96DAC541-7B7A-43D3-8B79-37D633B846F1}">
-                <asvg:svgBlip xmlns:asvg="http://schemas.microsoft.com/office/drawing/2016/SVG/main" xmlns="" r:embed="rId8"/>
+                <asvg:svgBlip xmlns="" xmlns:asvg="http://schemas.microsoft.com/office/drawing/2016/SVG/main" r:embed="rId8"/>
               </a:ext>
             </a:extLst>
           </a:blip>
@@ -8578,7 +8586,7 @@
                 <a14:useLocalDpi xmlns:a14="http://schemas.microsoft.com/office/drawing/2010/main" val="0"/>
               </a:ext>
               <a:ext uri="{96DAC541-7B7A-43D3-8B79-37D633B846F1}">
-                <asvg:svgBlip xmlns:asvg="http://schemas.microsoft.com/office/drawing/2016/SVG/main" xmlns="" r:embed="rId10"/>
+                <asvg:svgBlip xmlns="" xmlns:asvg="http://schemas.microsoft.com/office/drawing/2016/SVG/main" r:embed="rId10"/>
               </a:ext>
             </a:extLst>
           </a:blip>
@@ -8686,8 +8694,8 @@
       </dsp:nvSpPr>
       <dsp:spPr>
         <a:xfrm>
-          <a:off x="0" y="919142"/>
-          <a:ext cx="6248400" cy="1696878"/>
+          <a:off x="1784730" y="0"/>
+          <a:ext cx="3905687" cy="1696878"/>
         </a:xfrm>
         <a:prstGeom prst="roundRect">
           <a:avLst>
@@ -8728,7 +8736,7 @@
       </dsp:nvSpPr>
       <dsp:spPr>
         <a:xfrm>
-          <a:off x="513305" y="1300940"/>
+          <a:off x="1027918" y="307534"/>
           <a:ext cx="933283" cy="933283"/>
         </a:xfrm>
         <a:prstGeom prst="rect">
@@ -8741,7 +8749,7 @@
                 <a14:useLocalDpi xmlns:a14="http://schemas.microsoft.com/office/drawing/2010/main" val="0"/>
               </a:ext>
               <a:ext uri="{96DAC541-7B7A-43D3-8B79-37D633B846F1}">
-                <asvg:svgBlip xmlns:asvg="http://schemas.microsoft.com/office/drawing/2016/SVG/main" xmlns="" r:embed="rId2"/>
+                <asvg:svgBlip xmlns="" xmlns:asvg="http://schemas.microsoft.com/office/drawing/2016/SVG/main" r:embed="rId2"/>
               </a:ext>
             </a:extLst>
           </a:blip>
@@ -8777,7 +8785,7 @@
       </dsp:nvSpPr>
       <dsp:spPr>
         <a:xfrm>
-          <a:off x="1959895" y="919142"/>
+          <a:off x="1661686" y="0"/>
           <a:ext cx="4288504" cy="1696878"/>
         </a:xfrm>
         <a:prstGeom prst="rect">
@@ -8819,14 +8827,14 @@
             </a:spcAft>
           </a:pPr>
           <a:r>
-            <a:rPr lang="en-GB" sz="2300" kern="1200" baseline="0"/>
+            <a:rPr lang="en-GB" sz="2300" kern="1200" baseline="0" dirty="0"/>
             <a:t>I used Junit tests to make sure my setters and getters for my database objects were currently functioning.</a:t>
           </a:r>
-          <a:endParaRPr lang="en-US" sz="2300" kern="1200"/>
+          <a:endParaRPr lang="en-US" sz="2300" kern="1200" dirty="0"/>
         </a:p>
       </dsp:txBody>
       <dsp:txXfrm>
-        <a:off x="1959895" y="919142"/>
+        <a:off x="1661686" y="0"/>
         <a:ext cx="4288504" cy="1696878"/>
       </dsp:txXfrm>
     </dsp:sp>
@@ -8837,8 +8845,8 @@
       </dsp:nvSpPr>
       <dsp:spPr>
         <a:xfrm>
-          <a:off x="0" y="3040241"/>
-          <a:ext cx="6248400" cy="1696878"/>
+          <a:off x="1830843" y="1875622"/>
+          <a:ext cx="3868946" cy="1696878"/>
         </a:xfrm>
         <a:prstGeom prst="roundRect">
           <a:avLst>
@@ -8879,7 +8887,7 @@
       </dsp:nvSpPr>
       <dsp:spPr>
         <a:xfrm>
-          <a:off x="513305" y="3422039"/>
+          <a:off x="1037904" y="2160659"/>
           <a:ext cx="933283" cy="933283"/>
         </a:xfrm>
         <a:prstGeom prst="rect">
@@ -8892,7 +8900,7 @@
                 <a14:useLocalDpi xmlns:a14="http://schemas.microsoft.com/office/drawing/2010/main" val="0"/>
               </a:ext>
               <a:ext uri="{96DAC541-7B7A-43D3-8B79-37D633B846F1}">
-                <asvg:svgBlip xmlns:asvg="http://schemas.microsoft.com/office/drawing/2016/SVG/main" xmlns="" r:embed="rId4"/>
+                <asvg:svgBlip xmlns="" xmlns:asvg="http://schemas.microsoft.com/office/drawing/2016/SVG/main" r:embed="rId4"/>
               </a:ext>
             </a:extLst>
           </a:blip>
@@ -8928,7 +8936,7 @@
       </dsp:nvSpPr>
       <dsp:spPr>
         <a:xfrm>
-          <a:off x="1959895" y="3040241"/>
+          <a:off x="1728201" y="1868139"/>
           <a:ext cx="4288504" cy="1696878"/>
         </a:xfrm>
         <a:prstGeom prst="rect">
@@ -8970,14 +8978,22 @@
             </a:spcAft>
           </a:pPr>
           <a:r>
-            <a:rPr lang="en-GB" sz="2300" kern="1200" baseline="0"/>
-            <a:t>I also used Mockito to create integration tests which allowed me to test functions that relied on calling other functions.</a:t>
+            <a:rPr lang="en-GB" sz="2300" kern="1200" baseline="0" dirty="0"/>
+            <a:t>I also used </a:t>
           </a:r>
-          <a:endParaRPr lang="en-US" sz="2300" kern="1200"/>
+          <a:r>
+            <a:rPr lang="en-GB" sz="2300" kern="1200" baseline="0" dirty="0" err="1"/>
+            <a:t>Mockito</a:t>
+          </a:r>
+          <a:r>
+            <a:rPr lang="en-GB" sz="2300" kern="1200" baseline="0" dirty="0"/>
+            <a:t> to create integration tests which allowed me to test functions that relied on calling other functions.</a:t>
+          </a:r>
+          <a:endParaRPr lang="en-US" sz="2300" kern="1200" dirty="0"/>
         </a:p>
       </dsp:txBody>
       <dsp:txXfrm>
-        <a:off x="1959895" y="3040241"/>
+        <a:off x="1728201" y="1868139"/>
         <a:ext cx="4288504" cy="1696878"/>
       </dsp:txXfrm>
     </dsp:sp>
@@ -9262,7 +9278,7 @@
   </dgm:layoutNode>
   <dgm:extLst>
     <a:ext uri="{68A01E43-0DF5-4B5B-8FA6-DAF915123BFB}">
-      <dgm1612:lstStyle xmlns:dgm1612="http://schemas.microsoft.com/office/drawing/2016/12/diagram" xmlns="">
+      <dgm1612:lstStyle xmlns="" xmlns:dgm1612="http://schemas.microsoft.com/office/drawing/2016/12/diagram">
         <a:lvl1pPr>
           <a:lnSpc>
             <a:spcPct val="100000"/>
@@ -9556,7 +9572,7 @@
   </dgm:layoutNode>
   <dgm:extLst>
     <a:ext uri="{68A01E43-0DF5-4B5B-8FA6-DAF915123BFB}">
-      <dgm1612:lstStyle xmlns:dgm1612="http://schemas.microsoft.com/office/drawing/2016/12/diagram" xmlns="">
+      <dgm1612:lstStyle xmlns="" xmlns:dgm1612="http://schemas.microsoft.com/office/drawing/2016/12/diagram">
         <a:lvl1pPr>
           <a:lnSpc>
             <a:spcPct val="100000"/>
@@ -9922,7 +9938,7 @@
   </dgm:layoutNode>
   <dgm:extLst>
     <a:ext uri="{68A01E43-0DF5-4B5B-8FA6-DAF915123BFB}">
-      <dgm1612:lstStyle xmlns:dgm1612="http://schemas.microsoft.com/office/drawing/2016/12/diagram" xmlns="">
+      <dgm1612:lstStyle xmlns="" xmlns:dgm1612="http://schemas.microsoft.com/office/drawing/2016/12/diagram">
         <a:lvl1pPr>
           <a:lnSpc>
             <a:spcPct val="100000"/>
@@ -10212,7 +10228,7 @@
   </dgm:layoutNode>
   <dgm:extLst>
     <a:ext uri="{68A01E43-0DF5-4B5B-8FA6-DAF915123BFB}">
-      <dgm1612:lstStyle xmlns:dgm1612="http://schemas.microsoft.com/office/drawing/2016/12/diagram" xmlns="">
+      <dgm1612:lstStyle xmlns="" xmlns:dgm1612="http://schemas.microsoft.com/office/drawing/2016/12/diagram">
         <a:lvl1pPr>
           <a:lnSpc>
             <a:spcPct val="100000"/>
@@ -19831,7 +19847,7 @@
                 <a16:creationId xmlns:a16="http://schemas.microsoft.com/office/drawing/2014/main" id="{B9FC6610-A5F8-45EA-B7D4-AFDF75D208D8}"/>
               </a:ext>
               <a:ext uri="{C183D7F6-B498-43B3-948B-1728B52AA6E4}">
-                <adec:decorative xmlns:adec="http://schemas.microsoft.com/office/drawing/2017/decorative" xmlns="" val="1"/>
+                <adec:decorative xmlns="" xmlns:adec="http://schemas.microsoft.com/office/drawing/2017/decorative" val="1"/>
               </a:ext>
             </a:extLst>
           </p:cNvPr>
@@ -20045,7 +20061,7 @@
                 <a16:creationId xmlns:a16="http://schemas.microsoft.com/office/drawing/2014/main" id="{4E9AB7A3-4EBC-40F6-99B4-4B1FE7F9DD4A}"/>
               </a:ext>
               <a:ext uri="{C183D7F6-B498-43B3-948B-1728B52AA6E4}">
-                <adec:decorative xmlns:adec="http://schemas.microsoft.com/office/drawing/2017/decorative" xmlns="" val="1"/>
+                <adec:decorative xmlns="" xmlns:adec="http://schemas.microsoft.com/office/drawing/2017/decorative" val="1"/>
               </a:ext>
             </a:extLst>
           </p:cNvPr>
@@ -20097,7 +20113,7 @@
                 <a16:creationId xmlns:a16="http://schemas.microsoft.com/office/drawing/2014/main" id="{1B3565AA-1895-4FD0-9529-A2A83E3BE555}"/>
               </a:ext>
               <a:ext uri="{C183D7F6-B498-43B3-948B-1728B52AA6E4}">
-                <adec:decorative xmlns:adec="http://schemas.microsoft.com/office/drawing/2017/decorative" xmlns="" val="1"/>
+                <adec:decorative xmlns="" xmlns:adec="http://schemas.microsoft.com/office/drawing/2017/decorative" val="1"/>
               </a:ext>
             </a:extLst>
           </p:cNvPr>
@@ -20201,7 +20217,7 @@
                 <a16:creationId xmlns:a16="http://schemas.microsoft.com/office/drawing/2014/main" id="{89133355-FE8F-47A7-A957-C58816B83767}"/>
               </a:ext>
               <a:ext uri="{C183D7F6-B498-43B3-948B-1728B52AA6E4}">
-                <adec:decorative xmlns:adec="http://schemas.microsoft.com/office/drawing/2017/decorative" xmlns="" val="1"/>
+                <adec:decorative xmlns="" xmlns:adec="http://schemas.microsoft.com/office/drawing/2017/decorative" val="1"/>
               </a:ext>
             </a:extLst>
           </p:cNvPr>
@@ -20253,7 +20269,7 @@
                 <a16:creationId xmlns:a16="http://schemas.microsoft.com/office/drawing/2014/main" id="{7C5B7311-152E-4409-94FA-12DB03D5C7B8}"/>
               </a:ext>
               <a:ext uri="{C183D7F6-B498-43B3-948B-1728B52AA6E4}">
-                <adec:decorative xmlns:adec="http://schemas.microsoft.com/office/drawing/2017/decorative" xmlns="" val="1"/>
+                <adec:decorative xmlns="" xmlns:adec="http://schemas.microsoft.com/office/drawing/2017/decorative" val="1"/>
               </a:ext>
             </a:extLst>
           </p:cNvPr>
@@ -20505,7 +20521,7 @@
                 <a16:creationId xmlns:a16="http://schemas.microsoft.com/office/drawing/2014/main" id="{E7FEC498-B035-4333-A0F8-DF3C35718915}"/>
               </a:ext>
               <a:ext uri="{C183D7F6-B498-43B3-948B-1728B52AA6E4}">
-                <adec:decorative xmlns:adec="http://schemas.microsoft.com/office/drawing/2017/decorative" xmlns="" val="1"/>
+                <adec:decorative xmlns="" xmlns:adec="http://schemas.microsoft.com/office/drawing/2017/decorative" val="1"/>
               </a:ext>
             </a:extLst>
           </p:cNvPr>
@@ -20601,7 +20617,7 @@
                 <a16:creationId xmlns:a16="http://schemas.microsoft.com/office/drawing/2014/main" id="{A4E924C2-FBA4-41C5-A0FA-68EDF7E528C5}"/>
               </a:ext>
               <a:ext uri="{C183D7F6-B498-43B3-948B-1728B52AA6E4}">
-                <adec:decorative xmlns:adec="http://schemas.microsoft.com/office/drawing/2017/decorative" xmlns="" val="1"/>
+                <adec:decorative xmlns="" xmlns:adec="http://schemas.microsoft.com/office/drawing/2017/decorative" val="1"/>
               </a:ext>
             </a:extLst>
           </p:cNvPr>
@@ -20722,7 +20738,7 @@
                 <a16:creationId xmlns:a16="http://schemas.microsoft.com/office/drawing/2014/main" id="{E7FEC498-B035-4333-A0F8-DF3C35718915}"/>
               </a:ext>
               <a:ext uri="{C183D7F6-B498-43B3-948B-1728B52AA6E4}">
-                <adec:decorative xmlns:adec="http://schemas.microsoft.com/office/drawing/2017/decorative" xmlns="" val="1"/>
+                <adec:decorative xmlns="" xmlns:adec="http://schemas.microsoft.com/office/drawing/2017/decorative" val="1"/>
               </a:ext>
             </a:extLst>
           </p:cNvPr>
@@ -20829,7 +20845,7 @@
                 <a16:creationId xmlns:a16="http://schemas.microsoft.com/office/drawing/2014/main" id="{A4E924C2-FBA4-41C5-A0FA-68EDF7E528C5}"/>
               </a:ext>
               <a:ext uri="{C183D7F6-B498-43B3-948B-1728B52AA6E4}">
-                <adec:decorative xmlns:adec="http://schemas.microsoft.com/office/drawing/2017/decorative" xmlns="" val="1"/>
+                <adec:decorative xmlns="" xmlns:adec="http://schemas.microsoft.com/office/drawing/2017/decorative" val="1"/>
               </a:ext>
             </a:extLst>
           </p:cNvPr>
@@ -20950,7 +20966,7 @@
                 <a16:creationId xmlns:a16="http://schemas.microsoft.com/office/drawing/2014/main" id="{78FFBFD5-276D-496F-A908-1347767AE291}"/>
               </a:ext>
               <a:ext uri="{C183D7F6-B498-43B3-948B-1728B52AA6E4}">
-                <adec:decorative xmlns:adec="http://schemas.microsoft.com/office/drawing/2017/decorative" xmlns="" val="1"/>
+                <adec:decorative xmlns="" xmlns:adec="http://schemas.microsoft.com/office/drawing/2017/decorative" val="1"/>
               </a:ext>
             </a:extLst>
           </p:cNvPr>
@@ -21010,7 +21026,7 @@
                 <a16:creationId xmlns:a16="http://schemas.microsoft.com/office/drawing/2014/main" id="{333488F1-2007-4A5D-A636-2AF0A6E39392}"/>
               </a:ext>
               <a:ext uri="{C183D7F6-B498-43B3-948B-1728B52AA6E4}">
-                <adec:decorative xmlns:adec="http://schemas.microsoft.com/office/drawing/2017/decorative" xmlns="" val="1"/>
+                <adec:decorative xmlns="" xmlns:adec="http://schemas.microsoft.com/office/drawing/2017/decorative" val="1"/>
               </a:ext>
             </a:extLst>
           </p:cNvPr>
@@ -21109,7 +21125,7 @@
                 <a16:creationId xmlns:a16="http://schemas.microsoft.com/office/drawing/2014/main" id="{4D06F41F-CEDD-4BFE-8366-1F4AB962A718}"/>
               </a:ext>
               <a:ext uri="{C183D7F6-B498-43B3-948B-1728B52AA6E4}">
-                <adec:decorative xmlns:adec="http://schemas.microsoft.com/office/drawing/2017/decorative" xmlns="" val="1"/>
+                <adec:decorative xmlns="" xmlns:adec="http://schemas.microsoft.com/office/drawing/2017/decorative" val="1"/>
               </a:ext>
             </a:extLst>
           </p:cNvPr>
@@ -21323,7 +21339,7 @@
                 <a16:creationId xmlns:a16="http://schemas.microsoft.com/office/drawing/2014/main" id="{5E476299-A192-47FF-BA28-143A80192D70}"/>
               </a:ext>
               <a:ext uri="{C183D7F6-B498-43B3-948B-1728B52AA6E4}">
-                <adec:decorative xmlns:adec="http://schemas.microsoft.com/office/drawing/2017/decorative" xmlns="" val="1"/>
+                <adec:decorative xmlns="" xmlns:adec="http://schemas.microsoft.com/office/drawing/2017/decorative" val="1"/>
               </a:ext>
             </a:extLst>
           </p:cNvPr>
@@ -21444,7 +21460,7 @@
                 <a16:creationId xmlns:a16="http://schemas.microsoft.com/office/drawing/2014/main" id="{FE532BDF-26FE-45A4-8718-E87D9B062E8E}"/>
               </a:ext>
               <a:ext uri="{C183D7F6-B498-43B3-948B-1728B52AA6E4}">
-                <adec:decorative xmlns:adec="http://schemas.microsoft.com/office/drawing/2017/decorative" xmlns="" val="1"/>
+                <adec:decorative xmlns="" xmlns:adec="http://schemas.microsoft.com/office/drawing/2017/decorative" val="1"/>
               </a:ext>
             </a:extLst>
           </p:cNvPr>
@@ -21504,7 +21520,7 @@
                 <a16:creationId xmlns:a16="http://schemas.microsoft.com/office/drawing/2014/main" id="{29E70135-50A1-42D0-AB31-8F321868A3C4}"/>
               </a:ext>
               <a:ext uri="{C183D7F6-B498-43B3-948B-1728B52AA6E4}">
-                <adec:decorative xmlns:adec="http://schemas.microsoft.com/office/drawing/2017/decorative" xmlns="" val="1"/>
+                <adec:decorative xmlns="" xmlns:adec="http://schemas.microsoft.com/office/drawing/2017/decorative" val="1"/>
               </a:ext>
             </a:extLst>
           </p:cNvPr>
@@ -21606,7 +21622,7 @@
                 <a16:creationId xmlns:a16="http://schemas.microsoft.com/office/drawing/2014/main" id="{CE7186C6-E9F2-4690-AC92-F449B3768265}"/>
               </a:ext>
               <a:ext uri="{C183D7F6-B498-43B3-948B-1728B52AA6E4}">
-                <adec:decorative xmlns:adec="http://schemas.microsoft.com/office/drawing/2017/decorative" xmlns="" val="1"/>
+                <adec:decorative xmlns="" xmlns:adec="http://schemas.microsoft.com/office/drawing/2017/decorative" val="1"/>
               </a:ext>
             </a:extLst>
           </p:cNvPr>
@@ -21820,7 +21836,7 @@
                 <a16:creationId xmlns:a16="http://schemas.microsoft.com/office/drawing/2014/main" id="{C583E161-1EC9-4CE6-9CEC-3CF8E315C251}"/>
               </a:ext>
               <a:ext uri="{C183D7F6-B498-43B3-948B-1728B52AA6E4}">
-                <adec:decorative xmlns:adec="http://schemas.microsoft.com/office/drawing/2017/decorative" xmlns="" val="1"/>
+                <adec:decorative xmlns="" xmlns:adec="http://schemas.microsoft.com/office/drawing/2017/decorative" val="1"/>
               </a:ext>
             </a:extLst>
           </p:cNvPr>
@@ -22268,7 +22284,7 @@
                 <a16:creationId xmlns:a16="http://schemas.microsoft.com/office/drawing/2014/main" id="{E7FEC498-B035-4333-A0F8-DF3C35718915}"/>
               </a:ext>
               <a:ext uri="{C183D7F6-B498-43B3-948B-1728B52AA6E4}">
-                <adec:decorative xmlns:adec="http://schemas.microsoft.com/office/drawing/2017/decorative" xmlns="" val="1"/>
+                <adec:decorative xmlns="" xmlns:adec="http://schemas.microsoft.com/office/drawing/2017/decorative" val="1"/>
               </a:ext>
             </a:extLst>
           </p:cNvPr>
@@ -22364,7 +22380,7 @@
                 <a16:creationId xmlns:a16="http://schemas.microsoft.com/office/drawing/2014/main" id="{A4E924C2-FBA4-41C5-A0FA-68EDF7E528C5}"/>
               </a:ext>
               <a:ext uri="{C183D7F6-B498-43B3-948B-1728B52AA6E4}">
-                <adec:decorative xmlns:adec="http://schemas.microsoft.com/office/drawing/2017/decorative" xmlns="" val="1"/>
+                <adec:decorative xmlns="" xmlns:adec="http://schemas.microsoft.com/office/drawing/2017/decorative" val="1"/>
               </a:ext>
             </a:extLst>
           </p:cNvPr>
@@ -22424,13 +22440,13 @@
             <p:ph idx="1"/>
             <p:extLst>
               <p:ext uri="{D42A27DB-BD31-4B8C-83A1-F6EECF244321}">
-                <p14:modId xmlns:p14="http://schemas.microsoft.com/office/powerpoint/2010/main" val="3031426355"/>
+                <p14:modId xmlns:p14="http://schemas.microsoft.com/office/powerpoint/2010/main" val="522006235"/>
               </p:ext>
             </p:extLst>
           </p:nvPr>
         </p:nvGraphicFramePr>
         <p:xfrm>
-          <a:off x="5181600" y="568325"/>
+          <a:off x="5821680" y="127750"/>
           <a:ext cx="6248400" cy="5656263"/>
         </p:xfrm>
         <a:graphic>
@@ -22439,6 +22455,35 @@
           </a:graphicData>
         </a:graphic>
       </p:graphicFrame>
+      <p:pic>
+        <p:nvPicPr>
+          <p:cNvPr id="4" name="Picture 3"/>
+          <p:cNvPicPr>
+            <a:picLocks noChangeAspect="1"/>
+          </p:cNvPicPr>
+          <p:nvPr/>
+        </p:nvPicPr>
+        <p:blipFill rotWithShape="1">
+          <a:blip r:embed="rId7">
+            <a:extLst>
+              <a:ext uri="{28A0092B-C50C-407E-A947-70E740481C1C}">
+                <a14:useLocalDpi xmlns:a14="http://schemas.microsoft.com/office/drawing/2010/main" val="0"/>
+              </a:ext>
+            </a:extLst>
+          </a:blip>
+          <a:srcRect l="12217" t="7885" r="15356" b="3649"/>
+          <a:stretch/>
+        </p:blipFill>
+        <p:spPr>
+          <a:xfrm>
+            <a:off x="-1" y="1345097"/>
+            <a:ext cx="7065652" cy="4854633"/>
+          </a:xfrm>
+          <a:prstGeom prst="rect">
+            <a:avLst/>
+          </a:prstGeom>
+        </p:spPr>
+      </p:pic>
     </p:spTree>
     <p:extLst>
       <p:ext uri="{BB962C8B-B14F-4D97-AF65-F5344CB8AC3E}">

--- a/IMS Presentation.pptx
+++ b/IMS Presentation.pptx
@@ -4899,7 +4899,7 @@
                 <a14:useLocalDpi xmlns:a14="http://schemas.microsoft.com/office/drawing/2010/main" val="0"/>
               </a:ext>
               <a:ext uri="{96DAC541-7B7A-43D3-8B79-37D633B846F1}">
-                <asvg:svgBlip xmlns="" xmlns:asvg="http://schemas.microsoft.com/office/drawing/2016/SVG/main" r:embed="rId2"/>
+                <asvg:svgBlip xmlns:asvg="http://schemas.microsoft.com/office/drawing/2016/SVG/main" xmlns="" r:embed="rId2"/>
               </a:ext>
             </a:extLst>
           </a:blip>
@@ -4966,7 +4966,7 @@
                 <a14:useLocalDpi xmlns:a14="http://schemas.microsoft.com/office/drawing/2010/main" val="0"/>
               </a:ext>
               <a:ext uri="{96DAC541-7B7A-43D3-8B79-37D633B846F1}">
-                <asvg:svgBlip xmlns="" xmlns:asvg="http://schemas.microsoft.com/office/drawing/2016/SVG/main" r:embed="rId4"/>
+                <asvg:svgBlip xmlns:asvg="http://schemas.microsoft.com/office/drawing/2016/SVG/main" xmlns="" r:embed="rId4"/>
               </a:ext>
             </a:extLst>
           </a:blip>
@@ -5033,7 +5033,7 @@
                 <a14:useLocalDpi xmlns:a14="http://schemas.microsoft.com/office/drawing/2010/main" val="0"/>
               </a:ext>
               <a:ext uri="{96DAC541-7B7A-43D3-8B79-37D633B846F1}">
-                <asvg:svgBlip xmlns="" xmlns:asvg="http://schemas.microsoft.com/office/drawing/2016/SVG/main" r:embed="rId6"/>
+                <asvg:svgBlip xmlns:asvg="http://schemas.microsoft.com/office/drawing/2016/SVG/main" xmlns="" r:embed="rId6"/>
               </a:ext>
             </a:extLst>
           </a:blip>
@@ -5247,7 +5247,7 @@
                 <a14:useLocalDpi xmlns:a14="http://schemas.microsoft.com/office/drawing/2010/main" val="0"/>
               </a:ext>
               <a:ext uri="{96DAC541-7B7A-43D3-8B79-37D633B846F1}">
-                <asvg:svgBlip xmlns="" xmlns:asvg="http://schemas.microsoft.com/office/drawing/2016/SVG/main" r:embed="rId2"/>
+                <asvg:svgBlip xmlns:asvg="http://schemas.microsoft.com/office/drawing/2016/SVG/main" xmlns="" r:embed="rId2"/>
               </a:ext>
             </a:extLst>
           </a:blip>
@@ -5314,7 +5314,7 @@
                 <a14:useLocalDpi xmlns:a14="http://schemas.microsoft.com/office/drawing/2010/main" val="0"/>
               </a:ext>
               <a:ext uri="{96DAC541-7B7A-43D3-8B79-37D633B846F1}">
-                <asvg:svgBlip xmlns="" xmlns:asvg="http://schemas.microsoft.com/office/drawing/2016/SVG/main" r:embed="rId4"/>
+                <asvg:svgBlip xmlns:asvg="http://schemas.microsoft.com/office/drawing/2016/SVG/main" xmlns="" r:embed="rId4"/>
               </a:ext>
             </a:extLst>
           </a:blip>
@@ -6034,7 +6034,7 @@
                 <a14:useLocalDpi xmlns:a14="http://schemas.microsoft.com/office/drawing/2010/main" val="0"/>
               </a:ext>
               <a:ext uri="{96DAC541-7B7A-43D3-8B79-37D633B846F1}">
-                <asvg:svgBlip xmlns="" xmlns:asvg="http://schemas.microsoft.com/office/drawing/2016/SVG/main" r:embed="rId2"/>
+                <asvg:svgBlip xmlns:asvg="http://schemas.microsoft.com/office/drawing/2016/SVG/main" xmlns="" r:embed="rId2"/>
               </a:ext>
             </a:extLst>
           </a:blip>
@@ -6101,7 +6101,7 @@
                 <a14:useLocalDpi xmlns:a14="http://schemas.microsoft.com/office/drawing/2010/main" val="0"/>
               </a:ext>
               <a:ext uri="{96DAC541-7B7A-43D3-8B79-37D633B846F1}">
-                <asvg:svgBlip xmlns="" xmlns:asvg="http://schemas.microsoft.com/office/drawing/2016/SVG/main" r:embed="rId4"/>
+                <asvg:svgBlip xmlns:asvg="http://schemas.microsoft.com/office/drawing/2016/SVG/main" xmlns="" r:embed="rId4"/>
               </a:ext>
             </a:extLst>
           </a:blip>
@@ -6168,7 +6168,7 @@
                 <a14:useLocalDpi xmlns:a14="http://schemas.microsoft.com/office/drawing/2010/main" val="0"/>
               </a:ext>
               <a:ext uri="{96DAC541-7B7A-43D3-8B79-37D633B846F1}">
-                <asvg:svgBlip xmlns="" xmlns:asvg="http://schemas.microsoft.com/office/drawing/2016/SVG/main" r:embed="rId6"/>
+                <asvg:svgBlip xmlns:asvg="http://schemas.microsoft.com/office/drawing/2016/SVG/main" xmlns="" r:embed="rId6"/>
               </a:ext>
             </a:extLst>
           </a:blip>
@@ -6235,7 +6235,7 @@
                 <a14:useLocalDpi xmlns:a14="http://schemas.microsoft.com/office/drawing/2010/main" val="0"/>
               </a:ext>
               <a:ext uri="{96DAC541-7B7A-43D3-8B79-37D633B846F1}">
-                <asvg:svgBlip xmlns="" xmlns:asvg="http://schemas.microsoft.com/office/drawing/2016/SVG/main" r:embed="rId8"/>
+                <asvg:svgBlip xmlns:asvg="http://schemas.microsoft.com/office/drawing/2016/SVG/main" xmlns="" r:embed="rId8"/>
               </a:ext>
             </a:extLst>
           </a:blip>
@@ -6302,7 +6302,7 @@
                 <a14:useLocalDpi xmlns:a14="http://schemas.microsoft.com/office/drawing/2010/main" val="0"/>
               </a:ext>
               <a:ext uri="{96DAC541-7B7A-43D3-8B79-37D633B846F1}">
-                <asvg:svgBlip xmlns="" xmlns:asvg="http://schemas.microsoft.com/office/drawing/2016/SVG/main" r:embed="rId10"/>
+                <asvg:svgBlip xmlns:asvg="http://schemas.microsoft.com/office/drawing/2016/SVG/main" xmlns="" r:embed="rId10"/>
               </a:ext>
             </a:extLst>
           </a:blip>
@@ -6530,7 +6530,7 @@
                 <a14:useLocalDpi xmlns:a14="http://schemas.microsoft.com/office/drawing/2010/main" val="0"/>
               </a:ext>
               <a:ext uri="{96DAC541-7B7A-43D3-8B79-37D633B846F1}">
-                <asvg:svgBlip xmlns="" xmlns:asvg="http://schemas.microsoft.com/office/drawing/2016/SVG/main" r:embed="rId2"/>
+                <asvg:svgBlip xmlns:asvg="http://schemas.microsoft.com/office/drawing/2016/SVG/main" xmlns="" r:embed="rId2"/>
               </a:ext>
             </a:extLst>
           </a:blip>
@@ -6597,7 +6597,7 @@
                 <a14:useLocalDpi xmlns:a14="http://schemas.microsoft.com/office/drawing/2010/main" val="0"/>
               </a:ext>
               <a:ext uri="{96DAC541-7B7A-43D3-8B79-37D633B846F1}">
-                <asvg:svgBlip xmlns="" xmlns:asvg="http://schemas.microsoft.com/office/drawing/2016/SVG/main" r:embed="rId4"/>
+                <asvg:svgBlip xmlns:asvg="http://schemas.microsoft.com/office/drawing/2016/SVG/main" xmlns="" r:embed="rId4"/>
               </a:ext>
             </a:extLst>
           </a:blip>
@@ -6741,7 +6741,7 @@
                 <a14:useLocalDpi xmlns:a14="http://schemas.microsoft.com/office/drawing/2010/main" val="0"/>
               </a:ext>
               <a:ext uri="{96DAC541-7B7A-43D3-8B79-37D633B846F1}">
-                <asvg:svgBlip xmlns="" xmlns:asvg="http://schemas.microsoft.com/office/drawing/2016/SVG/main" r:embed="rId2"/>
+                <asvg:svgBlip xmlns:asvg="http://schemas.microsoft.com/office/drawing/2016/SVG/main" xmlns="" r:embed="rId2"/>
               </a:ext>
             </a:extLst>
           </a:blip>
@@ -6891,7 +6891,7 @@
                 <a14:useLocalDpi xmlns:a14="http://schemas.microsoft.com/office/drawing/2010/main" val="0"/>
               </a:ext>
               <a:ext uri="{96DAC541-7B7A-43D3-8B79-37D633B846F1}">
-                <asvg:svgBlip xmlns="" xmlns:asvg="http://schemas.microsoft.com/office/drawing/2016/SVG/main" r:embed="rId4"/>
+                <asvg:svgBlip xmlns:asvg="http://schemas.microsoft.com/office/drawing/2016/SVG/main" xmlns="" r:embed="rId4"/>
               </a:ext>
             </a:extLst>
           </a:blip>
@@ -7042,7 +7042,7 @@
                 <a14:useLocalDpi xmlns:a14="http://schemas.microsoft.com/office/drawing/2010/main" val="0"/>
               </a:ext>
               <a:ext uri="{96DAC541-7B7A-43D3-8B79-37D633B846F1}">
-                <asvg:svgBlip xmlns="" xmlns:asvg="http://schemas.microsoft.com/office/drawing/2016/SVG/main" r:embed="rId6"/>
+                <asvg:svgBlip xmlns:asvg="http://schemas.microsoft.com/office/drawing/2016/SVG/main" xmlns="" r:embed="rId6"/>
               </a:ext>
             </a:extLst>
           </a:blip>
@@ -7205,7 +7205,7 @@
                 <a14:useLocalDpi xmlns:a14="http://schemas.microsoft.com/office/drawing/2010/main" val="0"/>
               </a:ext>
               <a:ext uri="{96DAC541-7B7A-43D3-8B79-37D633B846F1}">
-                <asvg:svgBlip xmlns="" xmlns:asvg="http://schemas.microsoft.com/office/drawing/2016/SVG/main" r:embed="rId2"/>
+                <asvg:svgBlip xmlns:asvg="http://schemas.microsoft.com/office/drawing/2016/SVG/main" xmlns="" r:embed="rId2"/>
               </a:ext>
             </a:extLst>
           </a:blip>
@@ -7356,7 +7356,7 @@
                 <a14:useLocalDpi xmlns:a14="http://schemas.microsoft.com/office/drawing/2010/main" val="0"/>
               </a:ext>
               <a:ext uri="{96DAC541-7B7A-43D3-8B79-37D633B846F1}">
-                <asvg:svgBlip xmlns="" xmlns:asvg="http://schemas.microsoft.com/office/drawing/2016/SVG/main" r:embed="rId4"/>
+                <asvg:svgBlip xmlns:asvg="http://schemas.microsoft.com/office/drawing/2016/SVG/main" xmlns="" r:embed="rId4"/>
               </a:ext>
             </a:extLst>
           </a:blip>
@@ -7990,7 +7990,7 @@
                 <a14:useLocalDpi xmlns:a14="http://schemas.microsoft.com/office/drawing/2010/main" val="0"/>
               </a:ext>
               <a:ext uri="{96DAC541-7B7A-43D3-8B79-37D633B846F1}">
-                <asvg:svgBlip xmlns="" xmlns:asvg="http://schemas.microsoft.com/office/drawing/2016/SVG/main" r:embed="rId2"/>
+                <asvg:svgBlip xmlns:asvg="http://schemas.microsoft.com/office/drawing/2016/SVG/main" xmlns="" r:embed="rId2"/>
               </a:ext>
             </a:extLst>
           </a:blip>
@@ -8139,7 +8139,7 @@
                 <a14:useLocalDpi xmlns:a14="http://schemas.microsoft.com/office/drawing/2010/main" val="0"/>
               </a:ext>
               <a:ext uri="{96DAC541-7B7A-43D3-8B79-37D633B846F1}">
-                <asvg:svgBlip xmlns="" xmlns:asvg="http://schemas.microsoft.com/office/drawing/2016/SVG/main" r:embed="rId4"/>
+                <asvg:svgBlip xmlns:asvg="http://schemas.microsoft.com/office/drawing/2016/SVG/main" xmlns="" r:embed="rId4"/>
               </a:ext>
             </a:extLst>
           </a:blip>
@@ -8288,7 +8288,7 @@
                 <a14:useLocalDpi xmlns:a14="http://schemas.microsoft.com/office/drawing/2010/main" val="0"/>
               </a:ext>
               <a:ext uri="{96DAC541-7B7A-43D3-8B79-37D633B846F1}">
-                <asvg:svgBlip xmlns="" xmlns:asvg="http://schemas.microsoft.com/office/drawing/2016/SVG/main" r:embed="rId6"/>
+                <asvg:svgBlip xmlns:asvg="http://schemas.microsoft.com/office/drawing/2016/SVG/main" xmlns="" r:embed="rId6"/>
               </a:ext>
             </a:extLst>
           </a:blip>
@@ -8437,7 +8437,7 @@
                 <a14:useLocalDpi xmlns:a14="http://schemas.microsoft.com/office/drawing/2010/main" val="0"/>
               </a:ext>
               <a:ext uri="{96DAC541-7B7A-43D3-8B79-37D633B846F1}">
-                <asvg:svgBlip xmlns="" xmlns:asvg="http://schemas.microsoft.com/office/drawing/2016/SVG/main" r:embed="rId8"/>
+                <asvg:svgBlip xmlns:asvg="http://schemas.microsoft.com/office/drawing/2016/SVG/main" xmlns="" r:embed="rId8"/>
               </a:ext>
             </a:extLst>
           </a:blip>
@@ -8586,7 +8586,7 @@
                 <a14:useLocalDpi xmlns:a14="http://schemas.microsoft.com/office/drawing/2010/main" val="0"/>
               </a:ext>
               <a:ext uri="{96DAC541-7B7A-43D3-8B79-37D633B846F1}">
-                <asvg:svgBlip xmlns="" xmlns:asvg="http://schemas.microsoft.com/office/drawing/2016/SVG/main" r:embed="rId10"/>
+                <asvg:svgBlip xmlns:asvg="http://schemas.microsoft.com/office/drawing/2016/SVG/main" xmlns="" r:embed="rId10"/>
               </a:ext>
             </a:extLst>
           </a:blip>
@@ -8749,7 +8749,7 @@
                 <a14:useLocalDpi xmlns:a14="http://schemas.microsoft.com/office/drawing/2010/main" val="0"/>
               </a:ext>
               <a:ext uri="{96DAC541-7B7A-43D3-8B79-37D633B846F1}">
-                <asvg:svgBlip xmlns="" xmlns:asvg="http://schemas.microsoft.com/office/drawing/2016/SVG/main" r:embed="rId2"/>
+                <asvg:svgBlip xmlns:asvg="http://schemas.microsoft.com/office/drawing/2016/SVG/main" xmlns="" r:embed="rId2"/>
               </a:ext>
             </a:extLst>
           </a:blip>
@@ -8900,7 +8900,7 @@
                 <a14:useLocalDpi xmlns:a14="http://schemas.microsoft.com/office/drawing/2010/main" val="0"/>
               </a:ext>
               <a:ext uri="{96DAC541-7B7A-43D3-8B79-37D633B846F1}">
-                <asvg:svgBlip xmlns="" xmlns:asvg="http://schemas.microsoft.com/office/drawing/2016/SVG/main" r:embed="rId4"/>
+                <asvg:svgBlip xmlns:asvg="http://schemas.microsoft.com/office/drawing/2016/SVG/main" xmlns="" r:embed="rId4"/>
               </a:ext>
             </a:extLst>
           </a:blip>
@@ -9278,7 +9278,7 @@
   </dgm:layoutNode>
   <dgm:extLst>
     <a:ext uri="{68A01E43-0DF5-4B5B-8FA6-DAF915123BFB}">
-      <dgm1612:lstStyle xmlns="" xmlns:dgm1612="http://schemas.microsoft.com/office/drawing/2016/12/diagram">
+      <dgm1612:lstStyle xmlns:dgm1612="http://schemas.microsoft.com/office/drawing/2016/12/diagram" xmlns="">
         <a:lvl1pPr>
           <a:lnSpc>
             <a:spcPct val="100000"/>
@@ -9572,7 +9572,7 @@
   </dgm:layoutNode>
   <dgm:extLst>
     <a:ext uri="{68A01E43-0DF5-4B5B-8FA6-DAF915123BFB}">
-      <dgm1612:lstStyle xmlns="" xmlns:dgm1612="http://schemas.microsoft.com/office/drawing/2016/12/diagram">
+      <dgm1612:lstStyle xmlns:dgm1612="http://schemas.microsoft.com/office/drawing/2016/12/diagram" xmlns="">
         <a:lvl1pPr>
           <a:lnSpc>
             <a:spcPct val="100000"/>
@@ -9938,7 +9938,7 @@
   </dgm:layoutNode>
   <dgm:extLst>
     <a:ext uri="{68A01E43-0DF5-4B5B-8FA6-DAF915123BFB}">
-      <dgm1612:lstStyle xmlns="" xmlns:dgm1612="http://schemas.microsoft.com/office/drawing/2016/12/diagram">
+      <dgm1612:lstStyle xmlns:dgm1612="http://schemas.microsoft.com/office/drawing/2016/12/diagram" xmlns="">
         <a:lvl1pPr>
           <a:lnSpc>
             <a:spcPct val="100000"/>
@@ -10228,7 +10228,7 @@
   </dgm:layoutNode>
   <dgm:extLst>
     <a:ext uri="{68A01E43-0DF5-4B5B-8FA6-DAF915123BFB}">
-      <dgm1612:lstStyle xmlns="" xmlns:dgm1612="http://schemas.microsoft.com/office/drawing/2016/12/diagram">
+      <dgm1612:lstStyle xmlns:dgm1612="http://schemas.microsoft.com/office/drawing/2016/12/diagram" xmlns="">
         <a:lvl1pPr>
           <a:lnSpc>
             <a:spcPct val="100000"/>
@@ -19847,7 +19847,7 @@
                 <a16:creationId xmlns:a16="http://schemas.microsoft.com/office/drawing/2014/main" id="{B9FC6610-A5F8-45EA-B7D4-AFDF75D208D8}"/>
               </a:ext>
               <a:ext uri="{C183D7F6-B498-43B3-948B-1728B52AA6E4}">
-                <adec:decorative xmlns="" xmlns:adec="http://schemas.microsoft.com/office/drawing/2017/decorative" val="1"/>
+                <adec:decorative xmlns:adec="http://schemas.microsoft.com/office/drawing/2017/decorative" xmlns="" val="1"/>
               </a:ext>
             </a:extLst>
           </p:cNvPr>
@@ -20061,7 +20061,7 @@
                 <a16:creationId xmlns:a16="http://schemas.microsoft.com/office/drawing/2014/main" id="{4E9AB7A3-4EBC-40F6-99B4-4B1FE7F9DD4A}"/>
               </a:ext>
               <a:ext uri="{C183D7F6-B498-43B3-948B-1728B52AA6E4}">
-                <adec:decorative xmlns="" xmlns:adec="http://schemas.microsoft.com/office/drawing/2017/decorative" val="1"/>
+                <adec:decorative xmlns:adec="http://schemas.microsoft.com/office/drawing/2017/decorative" xmlns="" val="1"/>
               </a:ext>
             </a:extLst>
           </p:cNvPr>
@@ -20113,7 +20113,7 @@
                 <a16:creationId xmlns:a16="http://schemas.microsoft.com/office/drawing/2014/main" id="{1B3565AA-1895-4FD0-9529-A2A83E3BE555}"/>
               </a:ext>
               <a:ext uri="{C183D7F6-B498-43B3-948B-1728B52AA6E4}">
-                <adec:decorative xmlns="" xmlns:adec="http://schemas.microsoft.com/office/drawing/2017/decorative" val="1"/>
+                <adec:decorative xmlns:adec="http://schemas.microsoft.com/office/drawing/2017/decorative" xmlns="" val="1"/>
               </a:ext>
             </a:extLst>
           </p:cNvPr>
@@ -20217,7 +20217,7 @@
                 <a16:creationId xmlns:a16="http://schemas.microsoft.com/office/drawing/2014/main" id="{89133355-FE8F-47A7-A957-C58816B83767}"/>
               </a:ext>
               <a:ext uri="{C183D7F6-B498-43B3-948B-1728B52AA6E4}">
-                <adec:decorative xmlns="" xmlns:adec="http://schemas.microsoft.com/office/drawing/2017/decorative" val="1"/>
+                <adec:decorative xmlns:adec="http://schemas.microsoft.com/office/drawing/2017/decorative" xmlns="" val="1"/>
               </a:ext>
             </a:extLst>
           </p:cNvPr>
@@ -20269,7 +20269,7 @@
                 <a16:creationId xmlns:a16="http://schemas.microsoft.com/office/drawing/2014/main" id="{7C5B7311-152E-4409-94FA-12DB03D5C7B8}"/>
               </a:ext>
               <a:ext uri="{C183D7F6-B498-43B3-948B-1728B52AA6E4}">
-                <adec:decorative xmlns="" xmlns:adec="http://schemas.microsoft.com/office/drawing/2017/decorative" val="1"/>
+                <adec:decorative xmlns:adec="http://schemas.microsoft.com/office/drawing/2017/decorative" xmlns="" val="1"/>
               </a:ext>
             </a:extLst>
           </p:cNvPr>
@@ -20521,7 +20521,7 @@
                 <a16:creationId xmlns:a16="http://schemas.microsoft.com/office/drawing/2014/main" id="{E7FEC498-B035-4333-A0F8-DF3C35718915}"/>
               </a:ext>
               <a:ext uri="{C183D7F6-B498-43B3-948B-1728B52AA6E4}">
-                <adec:decorative xmlns="" xmlns:adec="http://schemas.microsoft.com/office/drawing/2017/decorative" val="1"/>
+                <adec:decorative xmlns:adec="http://schemas.microsoft.com/office/drawing/2017/decorative" xmlns="" val="1"/>
               </a:ext>
             </a:extLst>
           </p:cNvPr>
@@ -20617,7 +20617,7 @@
                 <a16:creationId xmlns:a16="http://schemas.microsoft.com/office/drawing/2014/main" id="{A4E924C2-FBA4-41C5-A0FA-68EDF7E528C5}"/>
               </a:ext>
               <a:ext uri="{C183D7F6-B498-43B3-948B-1728B52AA6E4}">
-                <adec:decorative xmlns="" xmlns:adec="http://schemas.microsoft.com/office/drawing/2017/decorative" val="1"/>
+                <adec:decorative xmlns:adec="http://schemas.microsoft.com/office/drawing/2017/decorative" xmlns="" val="1"/>
               </a:ext>
             </a:extLst>
           </p:cNvPr>
@@ -20738,7 +20738,7 @@
                 <a16:creationId xmlns:a16="http://schemas.microsoft.com/office/drawing/2014/main" id="{E7FEC498-B035-4333-A0F8-DF3C35718915}"/>
               </a:ext>
               <a:ext uri="{C183D7F6-B498-43B3-948B-1728B52AA6E4}">
-                <adec:decorative xmlns="" xmlns:adec="http://schemas.microsoft.com/office/drawing/2017/decorative" val="1"/>
+                <adec:decorative xmlns:adec="http://schemas.microsoft.com/office/drawing/2017/decorative" xmlns="" val="1"/>
               </a:ext>
             </a:extLst>
           </p:cNvPr>
@@ -20845,7 +20845,7 @@
                 <a16:creationId xmlns:a16="http://schemas.microsoft.com/office/drawing/2014/main" id="{A4E924C2-FBA4-41C5-A0FA-68EDF7E528C5}"/>
               </a:ext>
               <a:ext uri="{C183D7F6-B498-43B3-948B-1728B52AA6E4}">
-                <adec:decorative xmlns="" xmlns:adec="http://schemas.microsoft.com/office/drawing/2017/decorative" val="1"/>
+                <adec:decorative xmlns:adec="http://schemas.microsoft.com/office/drawing/2017/decorative" xmlns="" val="1"/>
               </a:ext>
             </a:extLst>
           </p:cNvPr>
@@ -20966,7 +20966,7 @@
                 <a16:creationId xmlns:a16="http://schemas.microsoft.com/office/drawing/2014/main" id="{78FFBFD5-276D-496F-A908-1347767AE291}"/>
               </a:ext>
               <a:ext uri="{C183D7F6-B498-43B3-948B-1728B52AA6E4}">
-                <adec:decorative xmlns="" xmlns:adec="http://schemas.microsoft.com/office/drawing/2017/decorative" val="1"/>
+                <adec:decorative xmlns:adec="http://schemas.microsoft.com/office/drawing/2017/decorative" xmlns="" val="1"/>
               </a:ext>
             </a:extLst>
           </p:cNvPr>
@@ -21026,7 +21026,7 @@
                 <a16:creationId xmlns:a16="http://schemas.microsoft.com/office/drawing/2014/main" id="{333488F1-2007-4A5D-A636-2AF0A6E39392}"/>
               </a:ext>
               <a:ext uri="{C183D7F6-B498-43B3-948B-1728B52AA6E4}">
-                <adec:decorative xmlns="" xmlns:adec="http://schemas.microsoft.com/office/drawing/2017/decorative" val="1"/>
+                <adec:decorative xmlns:adec="http://schemas.microsoft.com/office/drawing/2017/decorative" xmlns="" val="1"/>
               </a:ext>
             </a:extLst>
           </p:cNvPr>
@@ -21125,7 +21125,7 @@
                 <a16:creationId xmlns:a16="http://schemas.microsoft.com/office/drawing/2014/main" id="{4D06F41F-CEDD-4BFE-8366-1F4AB962A718}"/>
               </a:ext>
               <a:ext uri="{C183D7F6-B498-43B3-948B-1728B52AA6E4}">
-                <adec:decorative xmlns="" xmlns:adec="http://schemas.microsoft.com/office/drawing/2017/decorative" val="1"/>
+                <adec:decorative xmlns:adec="http://schemas.microsoft.com/office/drawing/2017/decorative" xmlns="" val="1"/>
               </a:ext>
             </a:extLst>
           </p:cNvPr>
@@ -21339,7 +21339,7 @@
                 <a16:creationId xmlns:a16="http://schemas.microsoft.com/office/drawing/2014/main" id="{5E476299-A192-47FF-BA28-143A80192D70}"/>
               </a:ext>
               <a:ext uri="{C183D7F6-B498-43B3-948B-1728B52AA6E4}">
-                <adec:decorative xmlns="" xmlns:adec="http://schemas.microsoft.com/office/drawing/2017/decorative" val="1"/>
+                <adec:decorative xmlns:adec="http://schemas.microsoft.com/office/drawing/2017/decorative" xmlns="" val="1"/>
               </a:ext>
             </a:extLst>
           </p:cNvPr>
@@ -21460,7 +21460,7 @@
                 <a16:creationId xmlns:a16="http://schemas.microsoft.com/office/drawing/2014/main" id="{FE532BDF-26FE-45A4-8718-E87D9B062E8E}"/>
               </a:ext>
               <a:ext uri="{C183D7F6-B498-43B3-948B-1728B52AA6E4}">
-                <adec:decorative xmlns="" xmlns:adec="http://schemas.microsoft.com/office/drawing/2017/decorative" val="1"/>
+                <adec:decorative xmlns:adec="http://schemas.microsoft.com/office/drawing/2017/decorative" xmlns="" val="1"/>
               </a:ext>
             </a:extLst>
           </p:cNvPr>
@@ -21520,7 +21520,7 @@
                 <a16:creationId xmlns:a16="http://schemas.microsoft.com/office/drawing/2014/main" id="{29E70135-50A1-42D0-AB31-8F321868A3C4}"/>
               </a:ext>
               <a:ext uri="{C183D7F6-B498-43B3-948B-1728B52AA6E4}">
-                <adec:decorative xmlns="" xmlns:adec="http://schemas.microsoft.com/office/drawing/2017/decorative" val="1"/>
+                <adec:decorative xmlns:adec="http://schemas.microsoft.com/office/drawing/2017/decorative" xmlns="" val="1"/>
               </a:ext>
             </a:extLst>
           </p:cNvPr>
@@ -21622,7 +21622,7 @@
                 <a16:creationId xmlns:a16="http://schemas.microsoft.com/office/drawing/2014/main" id="{CE7186C6-E9F2-4690-AC92-F449B3768265}"/>
               </a:ext>
               <a:ext uri="{C183D7F6-B498-43B3-948B-1728B52AA6E4}">
-                <adec:decorative xmlns="" xmlns:adec="http://schemas.microsoft.com/office/drawing/2017/decorative" val="1"/>
+                <adec:decorative xmlns:adec="http://schemas.microsoft.com/office/drawing/2017/decorative" xmlns="" val="1"/>
               </a:ext>
             </a:extLst>
           </p:cNvPr>
@@ -21836,7 +21836,7 @@
                 <a16:creationId xmlns:a16="http://schemas.microsoft.com/office/drawing/2014/main" id="{C583E161-1EC9-4CE6-9CEC-3CF8E315C251}"/>
               </a:ext>
               <a:ext uri="{C183D7F6-B498-43B3-948B-1728B52AA6E4}">
-                <adec:decorative xmlns="" xmlns:adec="http://schemas.microsoft.com/office/drawing/2017/decorative" val="1"/>
+                <adec:decorative xmlns:adec="http://schemas.microsoft.com/office/drawing/2017/decorative" xmlns="" val="1"/>
               </a:ext>
             </a:extLst>
           </p:cNvPr>
@@ -22005,8 +22005,8 @@
         </p:blipFill>
         <p:spPr>
           <a:xfrm>
-            <a:off x="5037512" y="723207"/>
-            <a:ext cx="5844250" cy="4630189"/>
+            <a:off x="3923607" y="-53608"/>
+            <a:ext cx="7938655" cy="6289511"/>
           </a:xfrm>
         </p:spPr>
       </p:pic>
@@ -22284,7 +22284,7 @@
                 <a16:creationId xmlns:a16="http://schemas.microsoft.com/office/drawing/2014/main" id="{E7FEC498-B035-4333-A0F8-DF3C35718915}"/>
               </a:ext>
               <a:ext uri="{C183D7F6-B498-43B3-948B-1728B52AA6E4}">
-                <adec:decorative xmlns="" xmlns:adec="http://schemas.microsoft.com/office/drawing/2017/decorative" val="1"/>
+                <adec:decorative xmlns:adec="http://schemas.microsoft.com/office/drawing/2017/decorative" xmlns="" val="1"/>
               </a:ext>
             </a:extLst>
           </p:cNvPr>
@@ -22380,7 +22380,7 @@
                 <a16:creationId xmlns:a16="http://schemas.microsoft.com/office/drawing/2014/main" id="{A4E924C2-FBA4-41C5-A0FA-68EDF7E528C5}"/>
               </a:ext>
               <a:ext uri="{C183D7F6-B498-43B3-948B-1728B52AA6E4}">
-                <adec:decorative xmlns="" xmlns:adec="http://schemas.microsoft.com/office/drawing/2017/decorative" val="1"/>
+                <adec:decorative xmlns:adec="http://schemas.microsoft.com/office/drawing/2017/decorative" xmlns="" val="1"/>
               </a:ext>
             </a:extLst>
           </p:cNvPr>

--- a/IMS Presentation.pptx
+++ b/IMS Presentation.pptx
@@ -13,7 +13,7 @@
     <p:sldId id="264" r:id="rId7"/>
     <p:sldId id="266" r:id="rId8"/>
     <p:sldId id="260" r:id="rId9"/>
-    <p:sldId id="261" r:id="rId10"/>
+    <p:sldId id="270" r:id="rId10"/>
     <p:sldId id="262" r:id="rId11"/>
     <p:sldId id="268" r:id="rId12"/>
     <p:sldId id="267" r:id="rId13"/>
@@ -3733,927 +3733,6 @@
     <dgm:effectClrLst/>
     <dgm:txLinClrLst/>
     <dgm:txFillClrLst/>
-    <dgm:txEffectClrLst/>
-  </dgm:styleLbl>
-  <dgm:styleLbl name="dkBgShp">
-    <dgm:fillClrLst meth="repeat">
-      <a:schemeClr val="accent2">
-        <a:shade val="90000"/>
-      </a:schemeClr>
-    </dgm:fillClrLst>
-    <dgm:linClrLst meth="repeat">
-      <a:schemeClr val="dk1"/>
-    </dgm:linClrLst>
-    <dgm:effectClrLst/>
-    <dgm:txLinClrLst/>
-    <dgm:txFillClrLst meth="repeat">
-      <a:schemeClr val="lt1"/>
-    </dgm:txFillClrLst>
-    <dgm:txEffectClrLst/>
-  </dgm:styleLbl>
-  <dgm:styleLbl name="trBgShp">
-    <dgm:fillClrLst meth="repeat">
-      <a:schemeClr val="accent1">
-        <a:tint val="50000"/>
-        <a:alpha val="40000"/>
-      </a:schemeClr>
-    </dgm:fillClrLst>
-    <dgm:linClrLst meth="repeat">
-      <a:schemeClr val="accent2"/>
-    </dgm:linClrLst>
-    <dgm:effectClrLst/>
-    <dgm:txLinClrLst/>
-    <dgm:txFillClrLst meth="repeat">
-      <a:schemeClr val="lt1"/>
-    </dgm:txFillClrLst>
-    <dgm:txEffectClrLst/>
-  </dgm:styleLbl>
-  <dgm:styleLbl name="fgShp">
-    <dgm:fillClrLst meth="repeat">
-      <a:schemeClr val="accent2">
-        <a:tint val="40000"/>
-      </a:schemeClr>
-    </dgm:fillClrLst>
-    <dgm:linClrLst meth="repeat">
-      <a:schemeClr val="lt1"/>
-    </dgm:linClrLst>
-    <dgm:effectClrLst/>
-    <dgm:txLinClrLst/>
-    <dgm:txFillClrLst meth="repeat">
-      <a:schemeClr val="dk1"/>
-    </dgm:txFillClrLst>
-    <dgm:txEffectClrLst/>
-  </dgm:styleLbl>
-  <dgm:styleLbl name="revTx">
-    <dgm:fillClrLst meth="repeat">
-      <a:schemeClr val="lt1">
-        <a:alpha val="0"/>
-      </a:schemeClr>
-    </dgm:fillClrLst>
-    <dgm:linClrLst meth="repeat">
-      <a:schemeClr val="dk1">
-        <a:alpha val="0"/>
-      </a:schemeClr>
-    </dgm:linClrLst>
-    <dgm:effectClrLst/>
-    <dgm:txLinClrLst/>
-    <dgm:txFillClrLst meth="repeat">
-      <a:schemeClr val="tx1"/>
-    </dgm:txFillClrLst>
-    <dgm:txEffectClrLst/>
-  </dgm:styleLbl>
-</dgm:colorsDef>
-</file>
-
-<file path=ppt/diagrams/colors5.xml><?xml version="1.0" encoding="utf-8"?>
-<dgm:colorsDef xmlns:dgm="http://schemas.openxmlformats.org/drawingml/2006/diagram" xmlns:a="http://schemas.openxmlformats.org/drawingml/2006/main" uniqueId="urn:microsoft.com/office/officeart/2018/5/colors/Iconchunking_neutralbg_colorful1">
-  <dgm:title val=""/>
-  <dgm:desc val=""/>
-  <dgm:catLst>
-    <dgm:cat type="colorful" pri="10100"/>
-  </dgm:catLst>
-  <dgm:styleLbl name="node0">
-    <dgm:fillClrLst meth="repeat">
-      <a:schemeClr val="accent1"/>
-    </dgm:fillClrLst>
-    <dgm:linClrLst meth="repeat">
-      <a:schemeClr val="lt1"/>
-    </dgm:linClrLst>
-    <dgm:effectClrLst/>
-    <dgm:txLinClrLst/>
-    <dgm:txFillClrLst/>
-    <dgm:txEffectClrLst/>
-  </dgm:styleLbl>
-  <dgm:styleLbl name="node1">
-    <dgm:fillClrLst meth="repeat">
-      <a:schemeClr val="accent2"/>
-      <a:schemeClr val="accent3"/>
-      <a:schemeClr val="accent4"/>
-      <a:schemeClr val="accent5"/>
-      <a:schemeClr val="accent6"/>
-    </dgm:fillClrLst>
-    <dgm:linClrLst meth="repeat">
-      <a:schemeClr val="lt1">
-        <a:alpha val="0"/>
-      </a:schemeClr>
-    </dgm:linClrLst>
-    <dgm:effectClrLst/>
-    <dgm:txLinClrLst/>
-    <dgm:txFillClrLst/>
-    <dgm:txEffectClrLst/>
-  </dgm:styleLbl>
-  <dgm:styleLbl name="alignNode1">
-    <dgm:fillClrLst meth="repeat">
-      <a:schemeClr val="accent2"/>
-      <a:schemeClr val="accent3"/>
-      <a:schemeClr val="accent4"/>
-      <a:schemeClr val="accent5"/>
-      <a:schemeClr val="accent6"/>
-    </dgm:fillClrLst>
-    <dgm:linClrLst meth="repeat">
-      <a:schemeClr val="accent2"/>
-      <a:schemeClr val="accent3"/>
-      <a:schemeClr val="accent4"/>
-      <a:schemeClr val="accent5"/>
-      <a:schemeClr val="accent6"/>
-    </dgm:linClrLst>
-    <dgm:effectClrLst/>
-    <dgm:txLinClrLst/>
-    <dgm:txFillClrLst/>
-    <dgm:txEffectClrLst/>
-  </dgm:styleLbl>
-  <dgm:styleLbl name="lnNode1">
-    <dgm:fillClrLst meth="repeat">
-      <a:schemeClr val="accent2"/>
-      <a:schemeClr val="accent3"/>
-      <a:schemeClr val="accent4"/>
-      <a:schemeClr val="accent5"/>
-      <a:schemeClr val="accent6"/>
-    </dgm:fillClrLst>
-    <dgm:linClrLst meth="repeat">
-      <a:schemeClr val="lt1"/>
-    </dgm:linClrLst>
-    <dgm:effectClrLst/>
-    <dgm:txLinClrLst/>
-    <dgm:txFillClrLst/>
-    <dgm:txEffectClrLst/>
-  </dgm:styleLbl>
-  <dgm:styleLbl name="vennNode1">
-    <dgm:fillClrLst meth="repeat">
-      <a:schemeClr val="accent2">
-        <a:alpha val="50000"/>
-      </a:schemeClr>
-      <a:schemeClr val="accent3">
-        <a:alpha val="50000"/>
-      </a:schemeClr>
-      <a:schemeClr val="accent4">
-        <a:alpha val="50000"/>
-      </a:schemeClr>
-      <a:schemeClr val="accent5">
-        <a:alpha val="50000"/>
-      </a:schemeClr>
-      <a:schemeClr val="accent6">
-        <a:alpha val="50000"/>
-      </a:schemeClr>
-    </dgm:fillClrLst>
-    <dgm:linClrLst meth="repeat">
-      <a:schemeClr val="lt1"/>
-    </dgm:linClrLst>
-    <dgm:effectClrLst/>
-    <dgm:txLinClrLst/>
-    <dgm:txFillClrLst/>
-    <dgm:txEffectClrLst/>
-  </dgm:styleLbl>
-  <dgm:styleLbl name="node2">
-    <dgm:fillClrLst>
-      <a:schemeClr val="accent2"/>
-    </dgm:fillClrLst>
-    <dgm:linClrLst meth="repeat">
-      <a:schemeClr val="lt1"/>
-    </dgm:linClrLst>
-    <dgm:effectClrLst/>
-    <dgm:txLinClrLst/>
-    <dgm:txFillClrLst/>
-    <dgm:txEffectClrLst/>
-  </dgm:styleLbl>
-  <dgm:styleLbl name="node3">
-    <dgm:fillClrLst>
-      <a:schemeClr val="accent3"/>
-    </dgm:fillClrLst>
-    <dgm:linClrLst meth="repeat">
-      <a:schemeClr val="lt1"/>
-    </dgm:linClrLst>
-    <dgm:effectClrLst/>
-    <dgm:txLinClrLst/>
-    <dgm:txFillClrLst/>
-    <dgm:txEffectClrLst/>
-  </dgm:styleLbl>
-  <dgm:styleLbl name="node4">
-    <dgm:fillClrLst>
-      <a:schemeClr val="accent4"/>
-    </dgm:fillClrLst>
-    <dgm:linClrLst meth="repeat">
-      <a:schemeClr val="lt1"/>
-    </dgm:linClrLst>
-    <dgm:effectClrLst/>
-    <dgm:txLinClrLst/>
-    <dgm:txFillClrLst/>
-    <dgm:txEffectClrLst/>
-  </dgm:styleLbl>
-  <dgm:styleLbl name="fgImgPlace1">
-    <dgm:fillClrLst meth="repeat">
-      <a:schemeClr val="accent2">
-        <a:tint val="50000"/>
-      </a:schemeClr>
-      <a:schemeClr val="accent3">
-        <a:tint val="50000"/>
-      </a:schemeClr>
-      <a:schemeClr val="accent4">
-        <a:tint val="50000"/>
-      </a:schemeClr>
-      <a:schemeClr val="accent5">
-        <a:tint val="50000"/>
-      </a:schemeClr>
-      <a:schemeClr val="accent6">
-        <a:tint val="50000"/>
-      </a:schemeClr>
-    </dgm:fillClrLst>
-    <dgm:linClrLst meth="repeat">
-      <a:schemeClr val="lt1"/>
-    </dgm:linClrLst>
-    <dgm:effectClrLst/>
-    <dgm:txLinClrLst/>
-    <dgm:txFillClrLst meth="repeat">
-      <a:schemeClr val="lt1"/>
-    </dgm:txFillClrLst>
-    <dgm:txEffectClrLst/>
-  </dgm:styleLbl>
-  <dgm:styleLbl name="alignImgPlace1">
-    <dgm:fillClrLst>
-      <a:schemeClr val="accent1">
-        <a:tint val="50000"/>
-      </a:schemeClr>
-      <a:schemeClr val="accent2">
-        <a:tint val="20000"/>
-      </a:schemeClr>
-    </dgm:fillClrLst>
-    <dgm:linClrLst meth="repeat">
-      <a:schemeClr val="lt1"/>
-    </dgm:linClrLst>
-    <dgm:effectClrLst/>
-    <dgm:txLinClrLst/>
-    <dgm:txFillClrLst meth="repeat">
-      <a:schemeClr val="lt1"/>
-    </dgm:txFillClrLst>
-    <dgm:txEffectClrLst/>
-  </dgm:styleLbl>
-  <dgm:styleLbl name="bgImgPlace1">
-    <dgm:fillClrLst>
-      <a:schemeClr val="accent1">
-        <a:tint val="50000"/>
-      </a:schemeClr>
-      <a:schemeClr val="accent2">
-        <a:tint val="20000"/>
-      </a:schemeClr>
-    </dgm:fillClrLst>
-    <dgm:linClrLst meth="repeat">
-      <a:schemeClr val="lt1"/>
-    </dgm:linClrLst>
-    <dgm:effectClrLst/>
-    <dgm:txLinClrLst/>
-    <dgm:txFillClrLst meth="repeat">
-      <a:schemeClr val="lt1"/>
-    </dgm:txFillClrLst>
-    <dgm:txEffectClrLst/>
-  </dgm:styleLbl>
-  <dgm:styleLbl name="sibTrans2D1">
-    <dgm:fillClrLst meth="repeat">
-      <a:schemeClr val="accent2"/>
-      <a:schemeClr val="accent3"/>
-      <a:schemeClr val="accent4"/>
-      <a:schemeClr val="accent5"/>
-      <a:schemeClr val="accent6"/>
-    </dgm:fillClrLst>
-    <dgm:linClrLst meth="cycle">
-      <a:schemeClr val="lt1"/>
-    </dgm:linClrLst>
-    <dgm:effectClrLst/>
-    <dgm:txLinClrLst/>
-    <dgm:txFillClrLst/>
-    <dgm:txEffectClrLst/>
-  </dgm:styleLbl>
-  <dgm:styleLbl name="fgSibTrans2D1">
-    <dgm:fillClrLst meth="repeat">
-      <a:schemeClr val="accent2"/>
-      <a:schemeClr val="accent3"/>
-      <a:schemeClr val="accent4"/>
-      <a:schemeClr val="accent5"/>
-      <a:schemeClr val="accent6"/>
-    </dgm:fillClrLst>
-    <dgm:linClrLst meth="cycle">
-      <a:schemeClr val="lt1"/>
-    </dgm:linClrLst>
-    <dgm:effectClrLst/>
-    <dgm:txLinClrLst/>
-    <dgm:txFillClrLst meth="repeat">
-      <a:schemeClr val="lt1"/>
-    </dgm:txFillClrLst>
-    <dgm:txEffectClrLst/>
-  </dgm:styleLbl>
-  <dgm:styleLbl name="bgSibTrans2D1">
-    <dgm:fillClrLst meth="repeat">
-      <a:schemeClr val="accent2"/>
-      <a:schemeClr val="accent3"/>
-      <a:schemeClr val="accent4"/>
-      <a:schemeClr val="accent5"/>
-      <a:schemeClr val="accent6"/>
-    </dgm:fillClrLst>
-    <dgm:linClrLst meth="cycle">
-      <a:schemeClr val="lt1"/>
-    </dgm:linClrLst>
-    <dgm:effectClrLst/>
-    <dgm:txLinClrLst/>
-    <dgm:txFillClrLst meth="repeat">
-      <a:schemeClr val="lt1"/>
-    </dgm:txFillClrLst>
-    <dgm:txEffectClrLst/>
-  </dgm:styleLbl>
-  <dgm:styleLbl name="sibTrans1D1">
-    <dgm:fillClrLst meth="repeat">
-      <a:schemeClr val="accent2"/>
-      <a:schemeClr val="accent3"/>
-      <a:schemeClr val="accent4"/>
-      <a:schemeClr val="accent5"/>
-      <a:schemeClr val="accent6"/>
-    </dgm:fillClrLst>
-    <dgm:linClrLst meth="repeat">
-      <a:schemeClr val="accent2"/>
-      <a:schemeClr val="accent3"/>
-      <a:schemeClr val="accent4"/>
-      <a:schemeClr val="accent5"/>
-      <a:schemeClr val="accent6"/>
-    </dgm:linClrLst>
-    <dgm:effectClrLst/>
-    <dgm:txLinClrLst/>
-    <dgm:txFillClrLst meth="repeat">
-      <a:schemeClr val="tx1"/>
-    </dgm:txFillClrLst>
-    <dgm:txEffectClrLst/>
-  </dgm:styleLbl>
-  <dgm:styleLbl name="callout">
-    <dgm:fillClrLst meth="repeat">
-      <a:schemeClr val="accent2"/>
-    </dgm:fillClrLst>
-    <dgm:linClrLst meth="repeat">
-      <a:schemeClr val="accent2">
-        <a:tint val="50000"/>
-      </a:schemeClr>
-    </dgm:linClrLst>
-    <dgm:effectClrLst/>
-    <dgm:txLinClrLst/>
-    <dgm:txFillClrLst meth="repeat">
-      <a:schemeClr val="tx1"/>
-    </dgm:txFillClrLst>
-    <dgm:txEffectClrLst/>
-  </dgm:styleLbl>
-  <dgm:styleLbl name="asst0">
-    <dgm:fillClrLst meth="repeat">
-      <a:schemeClr val="accent1"/>
-    </dgm:fillClrLst>
-    <dgm:linClrLst meth="repeat">
-      <a:schemeClr val="lt1"/>
-    </dgm:linClrLst>
-    <dgm:effectClrLst/>
-    <dgm:txLinClrLst/>
-    <dgm:txFillClrLst/>
-    <dgm:txEffectClrLst/>
-  </dgm:styleLbl>
-  <dgm:styleLbl name="asst1">
-    <dgm:fillClrLst meth="repeat">
-      <a:schemeClr val="accent2"/>
-    </dgm:fillClrLst>
-    <dgm:linClrLst meth="repeat">
-      <a:schemeClr val="lt1"/>
-    </dgm:linClrLst>
-    <dgm:effectClrLst/>
-    <dgm:txLinClrLst/>
-    <dgm:txFillClrLst/>
-    <dgm:txEffectClrLst/>
-  </dgm:styleLbl>
-  <dgm:styleLbl name="asst2">
-    <dgm:fillClrLst>
-      <a:schemeClr val="accent3"/>
-    </dgm:fillClrLst>
-    <dgm:linClrLst meth="repeat">
-      <a:schemeClr val="lt1"/>
-    </dgm:linClrLst>
-    <dgm:effectClrLst/>
-    <dgm:txLinClrLst/>
-    <dgm:txFillClrLst/>
-    <dgm:txEffectClrLst/>
-  </dgm:styleLbl>
-  <dgm:styleLbl name="asst3">
-    <dgm:fillClrLst>
-      <a:schemeClr val="accent4"/>
-    </dgm:fillClrLst>
-    <dgm:linClrLst meth="repeat">
-      <a:schemeClr val="lt1"/>
-    </dgm:linClrLst>
-    <dgm:effectClrLst/>
-    <dgm:txLinClrLst/>
-    <dgm:txFillClrLst/>
-    <dgm:txEffectClrLst/>
-  </dgm:styleLbl>
-  <dgm:styleLbl name="asst4">
-    <dgm:fillClrLst>
-      <a:schemeClr val="accent5"/>
-    </dgm:fillClrLst>
-    <dgm:linClrLst meth="repeat">
-      <a:schemeClr val="lt1"/>
-    </dgm:linClrLst>
-    <dgm:effectClrLst/>
-    <dgm:txLinClrLst/>
-    <dgm:txFillClrLst/>
-    <dgm:txEffectClrLst/>
-  </dgm:styleLbl>
-  <dgm:styleLbl name="parChTrans2D1">
-    <dgm:fillClrLst meth="repeat">
-      <a:schemeClr val="accent2"/>
-    </dgm:fillClrLst>
-    <dgm:linClrLst meth="repeat">
-      <a:schemeClr val="lt1"/>
-    </dgm:linClrLst>
-    <dgm:effectClrLst/>
-    <dgm:txLinClrLst/>
-    <dgm:txFillClrLst meth="repeat">
-      <a:schemeClr val="lt1"/>
-    </dgm:txFillClrLst>
-    <dgm:txEffectClrLst/>
-  </dgm:styleLbl>
-  <dgm:styleLbl name="parChTrans2D2">
-    <dgm:fillClrLst meth="repeat">
-      <a:schemeClr val="accent3"/>
-    </dgm:fillClrLst>
-    <dgm:linClrLst meth="repeat">
-      <a:schemeClr val="lt1"/>
-    </dgm:linClrLst>
-    <dgm:effectClrLst/>
-    <dgm:txLinClrLst/>
-    <dgm:txFillClrLst/>
-    <dgm:txEffectClrLst/>
-  </dgm:styleLbl>
-  <dgm:styleLbl name="parChTrans2D3">
-    <dgm:fillClrLst meth="repeat">
-      <a:schemeClr val="accent4"/>
-    </dgm:fillClrLst>
-    <dgm:linClrLst meth="repeat">
-      <a:schemeClr val="lt1"/>
-    </dgm:linClrLst>
-    <dgm:effectClrLst/>
-    <dgm:txLinClrLst/>
-    <dgm:txFillClrLst/>
-    <dgm:txEffectClrLst/>
-  </dgm:styleLbl>
-  <dgm:styleLbl name="parChTrans2D4">
-    <dgm:fillClrLst meth="repeat">
-      <a:schemeClr val="accent5"/>
-    </dgm:fillClrLst>
-    <dgm:linClrLst meth="repeat">
-      <a:schemeClr val="lt1"/>
-    </dgm:linClrLst>
-    <dgm:effectClrLst/>
-    <dgm:txLinClrLst/>
-    <dgm:txFillClrLst meth="repeat">
-      <a:schemeClr val="lt1"/>
-    </dgm:txFillClrLst>
-    <dgm:txEffectClrLst/>
-  </dgm:styleLbl>
-  <dgm:styleLbl name="parChTrans1D1">
-    <dgm:fillClrLst meth="repeat">
-      <a:schemeClr val="accent2"/>
-    </dgm:fillClrLst>
-    <dgm:linClrLst meth="repeat">
-      <a:schemeClr val="accent1"/>
-    </dgm:linClrLst>
-    <dgm:effectClrLst/>
-    <dgm:txLinClrLst/>
-    <dgm:txFillClrLst meth="repeat">
-      <a:schemeClr val="tx1"/>
-    </dgm:txFillClrLst>
-    <dgm:txEffectClrLst/>
-  </dgm:styleLbl>
-  <dgm:styleLbl name="parChTrans1D2">
-    <dgm:fillClrLst meth="repeat">
-      <a:schemeClr val="accent3">
-        <a:tint val="90000"/>
-      </a:schemeClr>
-    </dgm:fillClrLst>
-    <dgm:linClrLst meth="repeat">
-      <a:schemeClr val="accent2"/>
-    </dgm:linClrLst>
-    <dgm:effectClrLst/>
-    <dgm:txLinClrLst/>
-    <dgm:txFillClrLst meth="repeat">
-      <a:schemeClr val="tx1"/>
-    </dgm:txFillClrLst>
-    <dgm:txEffectClrLst/>
-  </dgm:styleLbl>
-  <dgm:styleLbl name="parChTrans1D3">
-    <dgm:fillClrLst meth="repeat">
-      <a:schemeClr val="accent4">
-        <a:tint val="70000"/>
-      </a:schemeClr>
-    </dgm:fillClrLst>
-    <dgm:linClrLst meth="repeat">
-      <a:schemeClr val="accent3"/>
-    </dgm:linClrLst>
-    <dgm:effectClrLst/>
-    <dgm:txLinClrLst/>
-    <dgm:txFillClrLst meth="repeat">
-      <a:schemeClr val="tx1"/>
-    </dgm:txFillClrLst>
-    <dgm:txEffectClrLst/>
-  </dgm:styleLbl>
-  <dgm:styleLbl name="parChTrans1D4">
-    <dgm:fillClrLst meth="repeat">
-      <a:schemeClr val="accent5">
-        <a:tint val="50000"/>
-      </a:schemeClr>
-    </dgm:fillClrLst>
-    <dgm:linClrLst meth="repeat">
-      <a:schemeClr val="accent4"/>
-    </dgm:linClrLst>
-    <dgm:effectClrLst/>
-    <dgm:txLinClrLst/>
-    <dgm:txFillClrLst meth="repeat">
-      <a:schemeClr val="tx1"/>
-    </dgm:txFillClrLst>
-    <dgm:txEffectClrLst/>
-  </dgm:styleLbl>
-  <dgm:styleLbl name="fgAcc1">
-    <dgm:fillClrLst meth="repeat">
-      <a:schemeClr val="lt1">
-        <a:alpha val="90000"/>
-      </a:schemeClr>
-    </dgm:fillClrLst>
-    <dgm:linClrLst meth="repeat">
-      <a:schemeClr val="accent2"/>
-      <a:schemeClr val="accent3"/>
-      <a:schemeClr val="accent4"/>
-      <a:schemeClr val="accent5"/>
-      <a:schemeClr val="accent6"/>
-    </dgm:linClrLst>
-    <dgm:effectClrLst/>
-    <dgm:txLinClrLst/>
-    <dgm:txFillClrLst meth="repeat">
-      <a:schemeClr val="dk1"/>
-    </dgm:txFillClrLst>
-    <dgm:txEffectClrLst/>
-  </dgm:styleLbl>
-  <dgm:styleLbl name="conFgAcc1">
-    <dgm:fillClrLst meth="repeat">
-      <a:schemeClr val="lt1">
-        <a:alpha val="90000"/>
-      </a:schemeClr>
-    </dgm:fillClrLst>
-    <dgm:linClrLst meth="repeat">
-      <a:schemeClr val="accent2"/>
-      <a:schemeClr val="accent3"/>
-      <a:schemeClr val="accent4"/>
-      <a:schemeClr val="accent5"/>
-      <a:schemeClr val="accent6"/>
-    </dgm:linClrLst>
-    <dgm:effectClrLst/>
-    <dgm:txLinClrLst/>
-    <dgm:txFillClrLst meth="repeat">
-      <a:schemeClr val="dk1"/>
-    </dgm:txFillClrLst>
-    <dgm:txEffectClrLst/>
-  </dgm:styleLbl>
-  <dgm:styleLbl name="alignAcc1">
-    <dgm:fillClrLst meth="repeat">
-      <a:schemeClr val="lt1">
-        <a:alpha val="90000"/>
-      </a:schemeClr>
-    </dgm:fillClrLst>
-    <dgm:linClrLst meth="repeat">
-      <a:schemeClr val="accent2"/>
-      <a:schemeClr val="accent3"/>
-      <a:schemeClr val="accent4"/>
-      <a:schemeClr val="accent5"/>
-      <a:schemeClr val="accent6"/>
-    </dgm:linClrLst>
-    <dgm:effectClrLst/>
-    <dgm:txLinClrLst/>
-    <dgm:txFillClrLst meth="repeat">
-      <a:schemeClr val="dk1"/>
-    </dgm:txFillClrLst>
-    <dgm:txEffectClrLst/>
-  </dgm:styleLbl>
-  <dgm:styleLbl name="trAlignAcc1">
-    <dgm:fillClrLst meth="repeat">
-      <a:schemeClr val="lt1">
-        <a:alpha val="40000"/>
-      </a:schemeClr>
-    </dgm:fillClrLst>
-    <dgm:linClrLst meth="repeat">
-      <a:schemeClr val="accent1"/>
-    </dgm:linClrLst>
-    <dgm:effectClrLst/>
-    <dgm:txLinClrLst/>
-    <dgm:txFillClrLst meth="repeat">
-      <a:schemeClr val="dk1"/>
-    </dgm:txFillClrLst>
-    <dgm:txEffectClrLst/>
-  </dgm:styleLbl>
-  <dgm:styleLbl name="bgAcc1">
-    <dgm:fillClrLst meth="repeat">
-      <a:schemeClr val="lt1">
-        <a:alpha val="90000"/>
-      </a:schemeClr>
-    </dgm:fillClrLst>
-    <dgm:linClrLst meth="repeat">
-      <a:schemeClr val="accent2"/>
-      <a:schemeClr val="accent3"/>
-      <a:schemeClr val="accent4"/>
-      <a:schemeClr val="accent5"/>
-      <a:schemeClr val="accent6"/>
-    </dgm:linClrLst>
-    <dgm:effectClrLst/>
-    <dgm:txLinClrLst/>
-    <dgm:txFillClrLst meth="repeat">
-      <a:schemeClr val="dk1"/>
-    </dgm:txFillClrLst>
-    <dgm:txEffectClrLst/>
-  </dgm:styleLbl>
-  <dgm:styleLbl name="solidFgAcc1">
-    <dgm:fillClrLst meth="repeat">
-      <a:schemeClr val="lt1"/>
-    </dgm:fillClrLst>
-    <dgm:linClrLst meth="repeat">
-      <a:schemeClr val="accent2"/>
-      <a:schemeClr val="accent3"/>
-      <a:schemeClr val="accent4"/>
-      <a:schemeClr val="accent5"/>
-      <a:schemeClr val="accent6"/>
-    </dgm:linClrLst>
-    <dgm:effectClrLst/>
-    <dgm:txLinClrLst/>
-    <dgm:txFillClrLst meth="repeat">
-      <a:schemeClr val="dk1"/>
-    </dgm:txFillClrLst>
-    <dgm:txEffectClrLst/>
-  </dgm:styleLbl>
-  <dgm:styleLbl name="solidAlignAcc1">
-    <dgm:fillClrLst meth="repeat">
-      <a:schemeClr val="lt1"/>
-    </dgm:fillClrLst>
-    <dgm:linClrLst meth="repeat">
-      <a:schemeClr val="accent2"/>
-      <a:schemeClr val="accent3"/>
-      <a:schemeClr val="accent4"/>
-      <a:schemeClr val="accent5"/>
-      <a:schemeClr val="accent6"/>
-    </dgm:linClrLst>
-    <dgm:effectClrLst/>
-    <dgm:txLinClrLst/>
-    <dgm:txFillClrLst meth="repeat">
-      <a:schemeClr val="dk1"/>
-    </dgm:txFillClrLst>
-    <dgm:txEffectClrLst/>
-  </dgm:styleLbl>
-  <dgm:styleLbl name="solidBgAcc1">
-    <dgm:fillClrLst meth="repeat">
-      <a:schemeClr val="lt1"/>
-    </dgm:fillClrLst>
-    <dgm:linClrLst meth="repeat">
-      <a:schemeClr val="accent2"/>
-      <a:schemeClr val="accent3"/>
-      <a:schemeClr val="accent4"/>
-      <a:schemeClr val="accent5"/>
-      <a:schemeClr val="accent6"/>
-    </dgm:linClrLst>
-    <dgm:effectClrLst/>
-    <dgm:txLinClrLst/>
-    <dgm:txFillClrLst meth="repeat">
-      <a:schemeClr val="dk1"/>
-    </dgm:txFillClrLst>
-    <dgm:txEffectClrLst/>
-  </dgm:styleLbl>
-  <dgm:styleLbl name="fgAccFollowNode1">
-    <dgm:fillClrLst meth="repeat">
-      <a:schemeClr val="accent2">
-        <a:tint val="40000"/>
-        <a:alpha val="90000"/>
-      </a:schemeClr>
-      <a:schemeClr val="accent3">
-        <a:tint val="40000"/>
-        <a:alpha val="90000"/>
-      </a:schemeClr>
-      <a:schemeClr val="accent4">
-        <a:tint val="40000"/>
-        <a:alpha val="90000"/>
-      </a:schemeClr>
-      <a:schemeClr val="accent5">
-        <a:tint val="40000"/>
-        <a:alpha val="90000"/>
-      </a:schemeClr>
-      <a:schemeClr val="accent6">
-        <a:tint val="40000"/>
-        <a:alpha val="90000"/>
-      </a:schemeClr>
-    </dgm:fillClrLst>
-    <dgm:linClrLst meth="repeat">
-      <a:schemeClr val="accent2">
-        <a:tint val="40000"/>
-        <a:alpha val="90000"/>
-      </a:schemeClr>
-      <a:schemeClr val="accent3">
-        <a:tint val="40000"/>
-        <a:alpha val="90000"/>
-      </a:schemeClr>
-      <a:schemeClr val="accent4">
-        <a:tint val="40000"/>
-        <a:alpha val="90000"/>
-      </a:schemeClr>
-      <a:schemeClr val="accent5">
-        <a:tint val="40000"/>
-        <a:alpha val="90000"/>
-      </a:schemeClr>
-      <a:schemeClr val="accent6">
-        <a:tint val="40000"/>
-        <a:alpha val="90000"/>
-      </a:schemeClr>
-    </dgm:linClrLst>
-    <dgm:effectClrLst/>
-    <dgm:txLinClrLst/>
-    <dgm:txFillClrLst meth="repeat">
-      <a:schemeClr val="dk1"/>
-    </dgm:txFillClrLst>
-    <dgm:txEffectClrLst/>
-  </dgm:styleLbl>
-  <dgm:styleLbl name="alignAccFollowNode1">
-    <dgm:fillClrLst meth="repeat">
-      <a:schemeClr val="accent2">
-        <a:tint val="40000"/>
-        <a:alpha val="90000"/>
-      </a:schemeClr>
-      <a:schemeClr val="accent3">
-        <a:tint val="40000"/>
-        <a:alpha val="90000"/>
-      </a:schemeClr>
-      <a:schemeClr val="accent4">
-        <a:tint val="40000"/>
-        <a:alpha val="90000"/>
-      </a:schemeClr>
-      <a:schemeClr val="accent5">
-        <a:tint val="40000"/>
-        <a:alpha val="90000"/>
-      </a:schemeClr>
-      <a:schemeClr val="accent6">
-        <a:tint val="40000"/>
-        <a:alpha val="90000"/>
-      </a:schemeClr>
-    </dgm:fillClrLst>
-    <dgm:linClrLst meth="repeat">
-      <a:schemeClr val="accent2">
-        <a:tint val="40000"/>
-        <a:alpha val="90000"/>
-      </a:schemeClr>
-      <a:schemeClr val="accent3">
-        <a:tint val="40000"/>
-        <a:alpha val="90000"/>
-      </a:schemeClr>
-      <a:schemeClr val="accent4">
-        <a:tint val="40000"/>
-        <a:alpha val="90000"/>
-      </a:schemeClr>
-      <a:schemeClr val="accent5">
-        <a:tint val="40000"/>
-        <a:alpha val="90000"/>
-      </a:schemeClr>
-      <a:schemeClr val="accent6">
-        <a:tint val="40000"/>
-        <a:alpha val="90000"/>
-      </a:schemeClr>
-    </dgm:linClrLst>
-    <dgm:effectClrLst/>
-    <dgm:txLinClrLst/>
-    <dgm:txFillClrLst meth="repeat">
-      <a:schemeClr val="dk1"/>
-    </dgm:txFillClrLst>
-    <dgm:txEffectClrLst/>
-  </dgm:styleLbl>
-  <dgm:styleLbl name="bgAccFollowNode1">
-    <dgm:fillClrLst meth="repeat">
-      <a:schemeClr val="accent2">
-        <a:tint val="40000"/>
-        <a:alpha val="90000"/>
-      </a:schemeClr>
-      <a:schemeClr val="accent3">
-        <a:tint val="40000"/>
-        <a:alpha val="90000"/>
-      </a:schemeClr>
-      <a:schemeClr val="accent4">
-        <a:tint val="40000"/>
-        <a:alpha val="90000"/>
-      </a:schemeClr>
-      <a:schemeClr val="accent5">
-        <a:tint val="40000"/>
-        <a:alpha val="90000"/>
-      </a:schemeClr>
-      <a:schemeClr val="accent6">
-        <a:tint val="40000"/>
-        <a:alpha val="90000"/>
-      </a:schemeClr>
-    </dgm:fillClrLst>
-    <dgm:linClrLst meth="repeat">
-      <a:schemeClr val="accent2">
-        <a:tint val="40000"/>
-        <a:alpha val="90000"/>
-      </a:schemeClr>
-      <a:schemeClr val="accent3">
-        <a:tint val="40000"/>
-        <a:alpha val="90000"/>
-      </a:schemeClr>
-      <a:schemeClr val="accent4">
-        <a:tint val="40000"/>
-        <a:alpha val="90000"/>
-      </a:schemeClr>
-      <a:schemeClr val="accent5">
-        <a:tint val="40000"/>
-        <a:alpha val="90000"/>
-      </a:schemeClr>
-      <a:schemeClr val="accent6">
-        <a:tint val="40000"/>
-        <a:alpha val="90000"/>
-      </a:schemeClr>
-    </dgm:linClrLst>
-    <dgm:effectClrLst/>
-    <dgm:txLinClrLst/>
-    <dgm:txFillClrLst meth="repeat">
-      <a:schemeClr val="dk1"/>
-    </dgm:txFillClrLst>
-    <dgm:txEffectClrLst/>
-  </dgm:styleLbl>
-  <dgm:styleLbl name="fgAcc0">
-    <dgm:fillClrLst meth="repeat">
-      <a:schemeClr val="lt1">
-        <a:alpha val="90000"/>
-      </a:schemeClr>
-    </dgm:fillClrLst>
-    <dgm:linClrLst>
-      <a:schemeClr val="accent1"/>
-    </dgm:linClrLst>
-    <dgm:effectClrLst/>
-    <dgm:txLinClrLst/>
-    <dgm:txFillClrLst meth="repeat">
-      <a:schemeClr val="dk1"/>
-    </dgm:txFillClrLst>
-    <dgm:txEffectClrLst/>
-  </dgm:styleLbl>
-  <dgm:styleLbl name="fgAcc2">
-    <dgm:fillClrLst meth="repeat">
-      <a:schemeClr val="lt1">
-        <a:alpha val="90000"/>
-      </a:schemeClr>
-    </dgm:fillClrLst>
-    <dgm:linClrLst>
-      <a:schemeClr val="accent2"/>
-    </dgm:linClrLst>
-    <dgm:effectClrLst/>
-    <dgm:txLinClrLst/>
-    <dgm:txFillClrLst meth="repeat">
-      <a:schemeClr val="dk1"/>
-    </dgm:txFillClrLst>
-    <dgm:txEffectClrLst/>
-  </dgm:styleLbl>
-  <dgm:styleLbl name="fgAcc3">
-    <dgm:fillClrLst meth="repeat">
-      <a:schemeClr val="lt1">
-        <a:alpha val="90000"/>
-      </a:schemeClr>
-    </dgm:fillClrLst>
-    <dgm:linClrLst>
-      <a:schemeClr val="accent3"/>
-    </dgm:linClrLst>
-    <dgm:effectClrLst/>
-    <dgm:txLinClrLst/>
-    <dgm:txFillClrLst meth="repeat">
-      <a:schemeClr val="dk1"/>
-    </dgm:txFillClrLst>
-    <dgm:txEffectClrLst/>
-  </dgm:styleLbl>
-  <dgm:styleLbl name="fgAcc4">
-    <dgm:fillClrLst meth="repeat">
-      <a:schemeClr val="lt1">
-        <a:alpha val="90000"/>
-      </a:schemeClr>
-    </dgm:fillClrLst>
-    <dgm:linClrLst>
-      <a:schemeClr val="accent4"/>
-    </dgm:linClrLst>
-    <dgm:effectClrLst/>
-    <dgm:txLinClrLst/>
-    <dgm:txFillClrLst meth="repeat">
-      <a:schemeClr val="dk1"/>
-    </dgm:txFillClrLst>
-    <dgm:txEffectClrLst/>
-  </dgm:styleLbl>
-  <dgm:styleLbl name="bgShp">
-    <dgm:fillClrLst meth="repeat">
-      <a:schemeClr val="bg1">
-        <a:lumMod val="95000"/>
-      </a:schemeClr>
-    </dgm:fillClrLst>
-    <dgm:linClrLst meth="repeat">
-      <a:schemeClr val="dk1"/>
-    </dgm:linClrLst>
-    <dgm:effectClrLst/>
-    <dgm:txLinClrLst/>
-    <dgm:txFillClrLst meth="repeat">
-      <a:schemeClr val="dk1"/>
-    </dgm:txFillClrLst>
     <dgm:txEffectClrLst/>
   </dgm:styleLbl>
   <dgm:styleLbl name="dkBgShp">
@@ -6389,277 +5468,6 @@
     <dgm:cxn modelId="{391BC4BD-7D08-4BA5-98FC-DA6200CCDFF4}" type="presParOf" srcId="{A96270FF-9395-488B-9521-ACA65E74A305}" destId="{BF67F36C-36CC-4411-AC0B-C0567A4DFCF8}" srcOrd="1" destOrd="0" presId="urn:microsoft.com/office/officeart/2018/5/layout/IconCircleLabelList"/>
     <dgm:cxn modelId="{0E5308DC-D2D8-4818-B381-8379E06FFBE6}" type="presParOf" srcId="{A96270FF-9395-488B-9521-ACA65E74A305}" destId="{6AB103A4-2954-410A-946E-E3B7F9C65FA7}" srcOrd="2" destOrd="0" presId="urn:microsoft.com/office/officeart/2018/5/layout/IconCircleLabelList"/>
     <dgm:cxn modelId="{2356D7EE-1C43-45C1-BBEB-39F868637667}" type="presParOf" srcId="{A96270FF-9395-488B-9521-ACA65E74A305}" destId="{5E242653-B0CC-4532-957E-ACE4E8006F2B}" srcOrd="3" destOrd="0" presId="urn:microsoft.com/office/officeart/2018/5/layout/IconCircleLabelList"/>
-  </dgm:cxnLst>
-  <dgm:bg/>
-  <dgm:whole/>
-  <dgm:extLst>
-    <a:ext uri="http://schemas.microsoft.com/office/drawing/2008/diagram">
-      <dsp:dataModelExt xmlns:dsp="http://schemas.microsoft.com/office/drawing/2008/diagram" relId="rId6" minVer="http://schemas.openxmlformats.org/drawingml/2006/diagram"/>
-    </a:ext>
-  </dgm:extLst>
-</dgm:dataModel>
-</file>
-
-<file path=ppt/diagrams/data5.xml><?xml version="1.0" encoding="utf-8"?>
-<dgm:dataModel xmlns:dgm="http://schemas.openxmlformats.org/drawingml/2006/diagram" xmlns:a="http://schemas.openxmlformats.org/drawingml/2006/main">
-  <dgm:ptLst>
-    <dgm:pt modelId="{638F2831-4B72-43BC-9EC1-747C1F9F3222}" type="doc">
-      <dgm:prSet loTypeId="urn:microsoft.com/office/officeart/2018/2/layout/IconVerticalSolidList" loCatId="icon" qsTypeId="urn:microsoft.com/office/officeart/2005/8/quickstyle/simple1" qsCatId="simple" csTypeId="urn:microsoft.com/office/officeart/2018/5/colors/Iconchunking_neutralbg_colorful1" csCatId="colorful" phldr="1"/>
-      <dgm:spPr/>
-      <dgm:t>
-        <a:bodyPr/>
-        <a:lstStyle/>
-        <a:p>
-          <a:endParaRPr lang="en-US"/>
-        </a:p>
-      </dgm:t>
-    </dgm:pt>
-    <dgm:pt modelId="{369CE3DE-EE4B-4D5B-A677-92FA5FAB27A7}">
-      <dgm:prSet/>
-      <dgm:spPr/>
-      <dgm:t>
-        <a:bodyPr/>
-        <a:lstStyle/>
-        <a:p>
-          <a:r>
-            <a:rPr lang="en-GB" baseline="0" dirty="0"/>
-            <a:t>I used Junit tests to make sure my setters and getters for my database objects were currently functioning.</a:t>
-          </a:r>
-          <a:endParaRPr lang="en-US" dirty="0"/>
-        </a:p>
-      </dgm:t>
-    </dgm:pt>
-    <dgm:pt modelId="{A5A6B4BC-E5DC-4F0E-948D-8E4957BE1736}" type="parTrans" cxnId="{27E9E8F8-67AE-41FE-A4DC-FEFA5BF0C3B0}">
-      <dgm:prSet/>
-      <dgm:spPr/>
-      <dgm:t>
-        <a:bodyPr/>
-        <a:lstStyle/>
-        <a:p>
-          <a:endParaRPr lang="en-US"/>
-        </a:p>
-      </dgm:t>
-    </dgm:pt>
-    <dgm:pt modelId="{D2229140-6A57-4B01-9246-C86CB3046413}" type="sibTrans" cxnId="{27E9E8F8-67AE-41FE-A4DC-FEFA5BF0C3B0}">
-      <dgm:prSet/>
-      <dgm:spPr/>
-      <dgm:t>
-        <a:bodyPr/>
-        <a:lstStyle/>
-        <a:p>
-          <a:endParaRPr lang="en-US"/>
-        </a:p>
-      </dgm:t>
-    </dgm:pt>
-    <dgm:pt modelId="{B33ECCE0-8E82-4FD3-AD9B-41891426CFF1}">
-      <dgm:prSet/>
-      <dgm:spPr/>
-      <dgm:t>
-        <a:bodyPr/>
-        <a:lstStyle/>
-        <a:p>
-          <a:r>
-            <a:rPr lang="en-GB" baseline="0" dirty="0"/>
-            <a:t>I also used </a:t>
-          </a:r>
-          <a:r>
-            <a:rPr lang="en-GB" baseline="0" dirty="0" err="1"/>
-            <a:t>Mockito</a:t>
-          </a:r>
-          <a:r>
-            <a:rPr lang="en-GB" baseline="0" dirty="0"/>
-            <a:t> to create integration tests which allowed me to test functions that relied on calling other functions.</a:t>
-          </a:r>
-          <a:endParaRPr lang="en-US" dirty="0"/>
-        </a:p>
-      </dgm:t>
-    </dgm:pt>
-    <dgm:pt modelId="{199D0611-081E-4788-9B71-BC00723FB797}" type="parTrans" cxnId="{98D68EE5-BB27-49FA-BCB9-D58C1D028BCC}">
-      <dgm:prSet/>
-      <dgm:spPr/>
-      <dgm:t>
-        <a:bodyPr/>
-        <a:lstStyle/>
-        <a:p>
-          <a:endParaRPr lang="en-US"/>
-        </a:p>
-      </dgm:t>
-    </dgm:pt>
-    <dgm:pt modelId="{64B056B6-1DF2-4058-8E7F-9C9452524896}" type="sibTrans" cxnId="{98D68EE5-BB27-49FA-BCB9-D58C1D028BCC}">
-      <dgm:prSet/>
-      <dgm:spPr/>
-      <dgm:t>
-        <a:bodyPr/>
-        <a:lstStyle/>
-        <a:p>
-          <a:endParaRPr lang="en-US"/>
-        </a:p>
-      </dgm:t>
-    </dgm:pt>
-    <dgm:pt modelId="{53B660AF-9D71-43DC-8166-11D99C93A9EA}" type="pres">
-      <dgm:prSet presAssocID="{638F2831-4B72-43BC-9EC1-747C1F9F3222}" presName="root" presStyleCnt="0">
-        <dgm:presLayoutVars>
-          <dgm:dir/>
-          <dgm:resizeHandles val="exact"/>
-        </dgm:presLayoutVars>
-      </dgm:prSet>
-      <dgm:spPr/>
-      <dgm:t>
-        <a:bodyPr/>
-        <a:lstStyle/>
-        <a:p>
-          <a:endParaRPr lang="en-US"/>
-        </a:p>
-      </dgm:t>
-    </dgm:pt>
-    <dgm:pt modelId="{71D34F91-56F0-4727-A9B1-90CA0CBE5B4C}" type="pres">
-      <dgm:prSet presAssocID="{369CE3DE-EE4B-4D5B-A677-92FA5FAB27A7}" presName="compNode" presStyleCnt="0"/>
-      <dgm:spPr/>
-    </dgm:pt>
-    <dgm:pt modelId="{590B86A7-C187-4065-9336-406263695118}" type="pres">
-      <dgm:prSet presAssocID="{369CE3DE-EE4B-4D5B-A677-92FA5FAB27A7}" presName="bgRect" presStyleLbl="bgShp" presStyleIdx="0" presStyleCnt="2" custScaleX="62507" custLinFactNeighborX="13924" custLinFactNeighborY="-54167"/>
-      <dgm:spPr/>
-    </dgm:pt>
-    <dgm:pt modelId="{52C05BF1-690D-4BE3-8D75-0EF08E10191E}" type="pres">
-      <dgm:prSet presAssocID="{369CE3DE-EE4B-4D5B-A677-92FA5FAB27A7}" presName="iconRect" presStyleLbl="node1" presStyleIdx="0" presStyleCnt="2" custLinFactY="-6442" custLinFactNeighborX="82640" custLinFactNeighborY="-100000"/>
-      <dgm:spPr>
-        <a:blipFill>
-          <a:blip xmlns:r="http://schemas.openxmlformats.org/officeDocument/2006/relationships" r:embed="rId1">
-            <a:extLst>
-              <a:ext uri="{28A0092B-C50C-407E-A947-70E740481C1C}">
-                <a14:useLocalDpi xmlns:a14="http://schemas.microsoft.com/office/drawing/2010/main" val="0"/>
-              </a:ext>
-              <a:ext uri="{96DAC541-7B7A-43D3-8B79-37D633B846F1}">
-                <asvg:svgBlip xmlns:asvg="http://schemas.microsoft.com/office/drawing/2016/SVG/main" xmlns="" r:embed="rId2"/>
-              </a:ext>
-            </a:extLst>
-          </a:blip>
-          <a:stretch>
-            <a:fillRect/>
-          </a:stretch>
-        </a:blipFill>
-        <a:ln>
-          <a:noFill/>
-        </a:ln>
-      </dgm:spPr>
-      <dgm:t>
-        <a:bodyPr/>
-        <a:lstStyle/>
-        <a:p>
-          <a:endParaRPr lang="en-US"/>
-        </a:p>
-      </dgm:t>
-      <dgm:extLst>
-        <a:ext uri="{E40237B7-FDA0-4F09-8148-C483321AD2D9}">
-          <dgm14:cNvPr xmlns:dgm14="http://schemas.microsoft.com/office/drawing/2010/diagram" id="0" name="" descr="Microscope"/>
-        </a:ext>
-      </dgm:extLst>
-    </dgm:pt>
-    <dgm:pt modelId="{326B8009-A721-4A5E-B0EC-5C84170F4920}" type="pres">
-      <dgm:prSet presAssocID="{369CE3DE-EE4B-4D5B-A677-92FA5FAB27A7}" presName="spaceRect" presStyleCnt="0"/>
-      <dgm:spPr/>
-    </dgm:pt>
-    <dgm:pt modelId="{92A7231D-078E-4E59-ADB7-94ED8FB70932}" type="pres">
-      <dgm:prSet presAssocID="{369CE3DE-EE4B-4D5B-A677-92FA5FAB27A7}" presName="parTx" presStyleLbl="revTx" presStyleIdx="0" presStyleCnt="2" custLinFactNeighborX="-969" custLinFactNeighborY="-54676">
-        <dgm:presLayoutVars>
-          <dgm:chMax val="0"/>
-          <dgm:chPref val="0"/>
-        </dgm:presLayoutVars>
-      </dgm:prSet>
-      <dgm:spPr/>
-      <dgm:t>
-        <a:bodyPr/>
-        <a:lstStyle/>
-        <a:p>
-          <a:endParaRPr lang="en-US"/>
-        </a:p>
-      </dgm:t>
-    </dgm:pt>
-    <dgm:pt modelId="{63BFEE7C-F4BA-4FC6-BE5C-0BFD58C3B5E6}" type="pres">
-      <dgm:prSet presAssocID="{D2229140-6A57-4B01-9246-C86CB3046413}" presName="sibTrans" presStyleCnt="0"/>
-      <dgm:spPr/>
-    </dgm:pt>
-    <dgm:pt modelId="{A094677C-DBED-4B57-B949-32FA05A02D51}" type="pres">
-      <dgm:prSet presAssocID="{B33ECCE0-8E82-4FD3-AD9B-41891426CFF1}" presName="compNode" presStyleCnt="0"/>
-      <dgm:spPr/>
-    </dgm:pt>
-    <dgm:pt modelId="{864A240A-8F0E-40B5-84A4-91E29E0E4A13}" type="pres">
-      <dgm:prSet presAssocID="{B33ECCE0-8E82-4FD3-AD9B-41891426CFF1}" presName="bgRect" presStyleLbl="bgShp" presStyleIdx="1" presStyleCnt="2" custScaleX="61919" custLinFactNeighborX="14368" custLinFactNeighborY="-68633"/>
-      <dgm:spPr/>
-    </dgm:pt>
-    <dgm:pt modelId="{742049AE-576D-46D2-AD0C-2281AABACBAC}" type="pres">
-      <dgm:prSet presAssocID="{B33ECCE0-8E82-4FD3-AD9B-41891426CFF1}" presName="iconRect" presStyleLbl="node1" presStyleIdx="1" presStyleCnt="2" custLinFactY="-35155" custLinFactNeighborX="83710" custLinFactNeighborY="-100000"/>
-      <dgm:spPr>
-        <a:blipFill>
-          <a:blip xmlns:r="http://schemas.openxmlformats.org/officeDocument/2006/relationships" r:embed="rId3">
-            <a:extLst>
-              <a:ext uri="{28A0092B-C50C-407E-A947-70E740481C1C}">
-                <a14:useLocalDpi xmlns:a14="http://schemas.microsoft.com/office/drawing/2010/main" val="0"/>
-              </a:ext>
-              <a:ext uri="{96DAC541-7B7A-43D3-8B79-37D633B846F1}">
-                <asvg:svgBlip xmlns:asvg="http://schemas.microsoft.com/office/drawing/2016/SVG/main" xmlns="" r:embed="rId4"/>
-              </a:ext>
-            </a:extLst>
-          </a:blip>
-          <a:stretch>
-            <a:fillRect/>
-          </a:stretch>
-        </a:blipFill>
-        <a:ln>
-          <a:noFill/>
-        </a:ln>
-      </dgm:spPr>
-      <dgm:t>
-        <a:bodyPr/>
-        <a:lstStyle/>
-        <a:p>
-          <a:endParaRPr lang="en-US"/>
-        </a:p>
-      </dgm:t>
-      <dgm:extLst>
-        <a:ext uri="{E40237B7-FDA0-4F09-8148-C483321AD2D9}">
-          <dgm14:cNvPr xmlns:dgm14="http://schemas.microsoft.com/office/drawing/2010/diagram" id="0" name="" descr="Presentation with Checklist"/>
-        </a:ext>
-      </dgm:extLst>
-    </dgm:pt>
-    <dgm:pt modelId="{C085BDB6-EDC2-4492-B678-03D891F6FA4E}" type="pres">
-      <dgm:prSet presAssocID="{B33ECCE0-8E82-4FD3-AD9B-41891426CFF1}" presName="spaceRect" presStyleCnt="0"/>
-      <dgm:spPr/>
-    </dgm:pt>
-    <dgm:pt modelId="{9C5E6859-6C5F-4DA9-B19F-F1CDC4330176}" type="pres">
-      <dgm:prSet presAssocID="{B33ECCE0-8E82-4FD3-AD9B-41891426CFF1}" presName="parTx" presStyleLbl="revTx" presStyleIdx="1" presStyleCnt="2" custLinFactNeighborX="582" custLinFactNeighborY="-69074">
-        <dgm:presLayoutVars>
-          <dgm:chMax val="0"/>
-          <dgm:chPref val="0"/>
-        </dgm:presLayoutVars>
-      </dgm:prSet>
-      <dgm:spPr/>
-      <dgm:t>
-        <a:bodyPr/>
-        <a:lstStyle/>
-        <a:p>
-          <a:endParaRPr lang="en-US"/>
-        </a:p>
-      </dgm:t>
-    </dgm:pt>
-  </dgm:ptLst>
-  <dgm:cxnLst>
-    <dgm:cxn modelId="{98D8A07A-B56D-4E45-9131-24A7F0309C1C}" type="presOf" srcId="{638F2831-4B72-43BC-9EC1-747C1F9F3222}" destId="{53B660AF-9D71-43DC-8166-11D99C93A9EA}" srcOrd="0" destOrd="0" presId="urn:microsoft.com/office/officeart/2018/2/layout/IconVerticalSolidList"/>
-    <dgm:cxn modelId="{E15D0D2F-E1A5-4DA9-81F5-AF311584E1FE}" type="presOf" srcId="{B33ECCE0-8E82-4FD3-AD9B-41891426CFF1}" destId="{9C5E6859-6C5F-4DA9-B19F-F1CDC4330176}" srcOrd="0" destOrd="0" presId="urn:microsoft.com/office/officeart/2018/2/layout/IconVerticalSolidList"/>
-    <dgm:cxn modelId="{F2AD935A-9F25-43A1-9BCE-830D27B69D0C}" type="presOf" srcId="{369CE3DE-EE4B-4D5B-A677-92FA5FAB27A7}" destId="{92A7231D-078E-4E59-ADB7-94ED8FB70932}" srcOrd="0" destOrd="0" presId="urn:microsoft.com/office/officeart/2018/2/layout/IconVerticalSolidList"/>
-    <dgm:cxn modelId="{98D68EE5-BB27-49FA-BCB9-D58C1D028BCC}" srcId="{638F2831-4B72-43BC-9EC1-747C1F9F3222}" destId="{B33ECCE0-8E82-4FD3-AD9B-41891426CFF1}" srcOrd="1" destOrd="0" parTransId="{199D0611-081E-4788-9B71-BC00723FB797}" sibTransId="{64B056B6-1DF2-4058-8E7F-9C9452524896}"/>
-    <dgm:cxn modelId="{27E9E8F8-67AE-41FE-A4DC-FEFA5BF0C3B0}" srcId="{638F2831-4B72-43BC-9EC1-747C1F9F3222}" destId="{369CE3DE-EE4B-4D5B-A677-92FA5FAB27A7}" srcOrd="0" destOrd="0" parTransId="{A5A6B4BC-E5DC-4F0E-948D-8E4957BE1736}" sibTransId="{D2229140-6A57-4B01-9246-C86CB3046413}"/>
-    <dgm:cxn modelId="{EF676F19-D781-47EA-B93B-6A8C34E82364}" type="presParOf" srcId="{53B660AF-9D71-43DC-8166-11D99C93A9EA}" destId="{71D34F91-56F0-4727-A9B1-90CA0CBE5B4C}" srcOrd="0" destOrd="0" presId="urn:microsoft.com/office/officeart/2018/2/layout/IconVerticalSolidList"/>
-    <dgm:cxn modelId="{1E66B4D2-7ED7-471D-AC48-EF67620F0029}" type="presParOf" srcId="{71D34F91-56F0-4727-A9B1-90CA0CBE5B4C}" destId="{590B86A7-C187-4065-9336-406263695118}" srcOrd="0" destOrd="0" presId="urn:microsoft.com/office/officeart/2018/2/layout/IconVerticalSolidList"/>
-    <dgm:cxn modelId="{DB94A839-90D2-4981-9A8F-B48B10FB5F09}" type="presParOf" srcId="{71D34F91-56F0-4727-A9B1-90CA0CBE5B4C}" destId="{52C05BF1-690D-4BE3-8D75-0EF08E10191E}" srcOrd="1" destOrd="0" presId="urn:microsoft.com/office/officeart/2018/2/layout/IconVerticalSolidList"/>
-    <dgm:cxn modelId="{DE1DDC99-E86F-4DC7-A604-0F24821993DE}" type="presParOf" srcId="{71D34F91-56F0-4727-A9B1-90CA0CBE5B4C}" destId="{326B8009-A721-4A5E-B0EC-5C84170F4920}" srcOrd="2" destOrd="0" presId="urn:microsoft.com/office/officeart/2018/2/layout/IconVerticalSolidList"/>
-    <dgm:cxn modelId="{C724D863-ABD9-4490-978A-65E4B0F06A82}" type="presParOf" srcId="{71D34F91-56F0-4727-A9B1-90CA0CBE5B4C}" destId="{92A7231D-078E-4E59-ADB7-94ED8FB70932}" srcOrd="3" destOrd="0" presId="urn:microsoft.com/office/officeart/2018/2/layout/IconVerticalSolidList"/>
-    <dgm:cxn modelId="{43684175-066A-4443-B3AA-AC0BCF08A4A2}" type="presParOf" srcId="{53B660AF-9D71-43DC-8166-11D99C93A9EA}" destId="{63BFEE7C-F4BA-4FC6-BE5C-0BFD58C3B5E6}" srcOrd="1" destOrd="0" presId="urn:microsoft.com/office/officeart/2018/2/layout/IconVerticalSolidList"/>
-    <dgm:cxn modelId="{64AB9E2A-FDAF-4D67-8FF1-90ADAE613871}" type="presParOf" srcId="{53B660AF-9D71-43DC-8166-11D99C93A9EA}" destId="{A094677C-DBED-4B57-B949-32FA05A02D51}" srcOrd="2" destOrd="0" presId="urn:microsoft.com/office/officeart/2018/2/layout/IconVerticalSolidList"/>
-    <dgm:cxn modelId="{AA668C5D-47A7-4084-A459-D4EF302EF061}" type="presParOf" srcId="{A094677C-DBED-4B57-B949-32FA05A02D51}" destId="{864A240A-8F0E-40B5-84A4-91E29E0E4A13}" srcOrd="0" destOrd="0" presId="urn:microsoft.com/office/officeart/2018/2/layout/IconVerticalSolidList"/>
-    <dgm:cxn modelId="{B9467C39-7EEB-4708-ACAA-EA0DBA711851}" type="presParOf" srcId="{A094677C-DBED-4B57-B949-32FA05A02D51}" destId="{742049AE-576D-46D2-AD0C-2281AABACBAC}" srcOrd="1" destOrd="0" presId="urn:microsoft.com/office/officeart/2018/2/layout/IconVerticalSolidList"/>
-    <dgm:cxn modelId="{B2583AAE-0F21-426A-9072-401F4EEDAA6D}" type="presParOf" srcId="{A094677C-DBED-4B57-B949-32FA05A02D51}" destId="{C085BDB6-EDC2-4492-B678-03D891F6FA4E}" srcOrd="2" destOrd="0" presId="urn:microsoft.com/office/officeart/2018/2/layout/IconVerticalSolidList"/>
-    <dgm:cxn modelId="{3208E3B0-CFDA-44C1-8FC2-B27442BA17C3}" type="presParOf" srcId="{A094677C-DBED-4B57-B949-32FA05A02D51}" destId="{9C5E6859-6C5F-4DA9-B19F-F1CDC4330176}" srcOrd="3" destOrd="0" presId="urn:microsoft.com/office/officeart/2018/2/layout/IconVerticalSolidList"/>
   </dgm:cxnLst>
   <dgm:bg/>
   <dgm:whole/>
@@ -8679,328 +7487,6 @@
 </dsp:drawing>
 </file>
 
-<file path=ppt/diagrams/drawing5.xml><?xml version="1.0" encoding="utf-8"?>
-<dsp:drawing xmlns:dgm="http://schemas.openxmlformats.org/drawingml/2006/diagram" xmlns:dsp="http://schemas.microsoft.com/office/drawing/2008/diagram" xmlns:a="http://schemas.openxmlformats.org/drawingml/2006/main">
-  <dsp:spTree>
-    <dsp:nvGrpSpPr>
-      <dsp:cNvPr id="0" name=""/>
-      <dsp:cNvGrpSpPr/>
-    </dsp:nvGrpSpPr>
-    <dsp:grpSpPr/>
-    <dsp:sp modelId="{590B86A7-C187-4065-9336-406263695118}">
-      <dsp:nvSpPr>
-        <dsp:cNvPr id="0" name=""/>
-        <dsp:cNvSpPr/>
-      </dsp:nvSpPr>
-      <dsp:spPr>
-        <a:xfrm>
-          <a:off x="1784730" y="0"/>
-          <a:ext cx="3905687" cy="1696878"/>
-        </a:xfrm>
-        <a:prstGeom prst="roundRect">
-          <a:avLst>
-            <a:gd name="adj" fmla="val 10000"/>
-          </a:avLst>
-        </a:prstGeom>
-        <a:solidFill>
-          <a:schemeClr val="bg1">
-            <a:lumMod val="95000"/>
-            <a:hueOff val="0"/>
-            <a:satOff val="0"/>
-            <a:lumOff val="0"/>
-            <a:alphaOff val="0"/>
-          </a:schemeClr>
-        </a:solidFill>
-        <a:ln>
-          <a:noFill/>
-        </a:ln>
-        <a:effectLst/>
-      </dsp:spPr>
-      <dsp:style>
-        <a:lnRef idx="0">
-          <a:scrgbClr r="0" g="0" b="0"/>
-        </a:lnRef>
-        <a:fillRef idx="1">
-          <a:scrgbClr r="0" g="0" b="0"/>
-        </a:fillRef>
-        <a:effectRef idx="0">
-          <a:scrgbClr r="0" g="0" b="0"/>
-        </a:effectRef>
-        <a:fontRef idx="minor"/>
-      </dsp:style>
-    </dsp:sp>
-    <dsp:sp modelId="{52C05BF1-690D-4BE3-8D75-0EF08E10191E}">
-      <dsp:nvSpPr>
-        <dsp:cNvPr id="0" name=""/>
-        <dsp:cNvSpPr/>
-      </dsp:nvSpPr>
-      <dsp:spPr>
-        <a:xfrm>
-          <a:off x="1027918" y="307534"/>
-          <a:ext cx="933283" cy="933283"/>
-        </a:xfrm>
-        <a:prstGeom prst="rect">
-          <a:avLst/>
-        </a:prstGeom>
-        <a:blipFill>
-          <a:blip xmlns:r="http://schemas.openxmlformats.org/officeDocument/2006/relationships" r:embed="rId1">
-            <a:extLst>
-              <a:ext uri="{28A0092B-C50C-407E-A947-70E740481C1C}">
-                <a14:useLocalDpi xmlns:a14="http://schemas.microsoft.com/office/drawing/2010/main" val="0"/>
-              </a:ext>
-              <a:ext uri="{96DAC541-7B7A-43D3-8B79-37D633B846F1}">
-                <asvg:svgBlip xmlns:asvg="http://schemas.microsoft.com/office/drawing/2016/SVG/main" xmlns="" r:embed="rId2"/>
-              </a:ext>
-            </a:extLst>
-          </a:blip>
-          <a:stretch>
-            <a:fillRect/>
-          </a:stretch>
-        </a:blipFill>
-        <a:ln w="12700" cap="flat" cmpd="sng" algn="in">
-          <a:noFill/>
-          <a:prstDash val="solid"/>
-        </a:ln>
-        <a:effectLst/>
-      </dsp:spPr>
-      <dsp:style>
-        <a:lnRef idx="2">
-          <a:scrgbClr r="0" g="0" b="0"/>
-        </a:lnRef>
-        <a:fillRef idx="1">
-          <a:scrgbClr r="0" g="0" b="0"/>
-        </a:fillRef>
-        <a:effectRef idx="0">
-          <a:scrgbClr r="0" g="0" b="0"/>
-        </a:effectRef>
-        <a:fontRef idx="minor">
-          <a:schemeClr val="lt1"/>
-        </a:fontRef>
-      </dsp:style>
-    </dsp:sp>
-    <dsp:sp modelId="{92A7231D-078E-4E59-ADB7-94ED8FB70932}">
-      <dsp:nvSpPr>
-        <dsp:cNvPr id="0" name=""/>
-        <dsp:cNvSpPr/>
-      </dsp:nvSpPr>
-      <dsp:spPr>
-        <a:xfrm>
-          <a:off x="1661686" y="0"/>
-          <a:ext cx="4288504" cy="1696878"/>
-        </a:xfrm>
-        <a:prstGeom prst="rect">
-          <a:avLst/>
-        </a:prstGeom>
-        <a:noFill/>
-        <a:ln>
-          <a:noFill/>
-        </a:ln>
-        <a:effectLst/>
-      </dsp:spPr>
-      <dsp:style>
-        <a:lnRef idx="0">
-          <a:scrgbClr r="0" g="0" b="0"/>
-        </a:lnRef>
-        <a:fillRef idx="0">
-          <a:scrgbClr r="0" g="0" b="0"/>
-        </a:fillRef>
-        <a:effectRef idx="0">
-          <a:scrgbClr r="0" g="0" b="0"/>
-        </a:effectRef>
-        <a:fontRef idx="minor"/>
-      </dsp:style>
-      <dsp:txBody>
-        <a:bodyPr spcFirstLastPara="0" vert="horz" wrap="square" lIns="179586" tIns="179586" rIns="179586" bIns="179586" numCol="1" spcCol="1270" anchor="ctr" anchorCtr="0">
-          <a:noAutofit/>
-        </a:bodyPr>
-        <a:lstStyle/>
-        <a:p>
-          <a:pPr lvl="0" algn="l" defTabSz="1022350">
-            <a:lnSpc>
-              <a:spcPct val="90000"/>
-            </a:lnSpc>
-            <a:spcBef>
-              <a:spcPct val="0"/>
-            </a:spcBef>
-            <a:spcAft>
-              <a:spcPct val="35000"/>
-            </a:spcAft>
-          </a:pPr>
-          <a:r>
-            <a:rPr lang="en-GB" sz="2300" kern="1200" baseline="0" dirty="0"/>
-            <a:t>I used Junit tests to make sure my setters and getters for my database objects were currently functioning.</a:t>
-          </a:r>
-          <a:endParaRPr lang="en-US" sz="2300" kern="1200" dirty="0"/>
-        </a:p>
-      </dsp:txBody>
-      <dsp:txXfrm>
-        <a:off x="1661686" y="0"/>
-        <a:ext cx="4288504" cy="1696878"/>
-      </dsp:txXfrm>
-    </dsp:sp>
-    <dsp:sp modelId="{864A240A-8F0E-40B5-84A4-91E29E0E4A13}">
-      <dsp:nvSpPr>
-        <dsp:cNvPr id="0" name=""/>
-        <dsp:cNvSpPr/>
-      </dsp:nvSpPr>
-      <dsp:spPr>
-        <a:xfrm>
-          <a:off x="1830843" y="1875622"/>
-          <a:ext cx="3868946" cy="1696878"/>
-        </a:xfrm>
-        <a:prstGeom prst="roundRect">
-          <a:avLst>
-            <a:gd name="adj" fmla="val 10000"/>
-          </a:avLst>
-        </a:prstGeom>
-        <a:solidFill>
-          <a:schemeClr val="bg1">
-            <a:lumMod val="95000"/>
-            <a:hueOff val="0"/>
-            <a:satOff val="0"/>
-            <a:lumOff val="0"/>
-            <a:alphaOff val="0"/>
-          </a:schemeClr>
-        </a:solidFill>
-        <a:ln>
-          <a:noFill/>
-        </a:ln>
-        <a:effectLst/>
-      </dsp:spPr>
-      <dsp:style>
-        <a:lnRef idx="0">
-          <a:scrgbClr r="0" g="0" b="0"/>
-        </a:lnRef>
-        <a:fillRef idx="1">
-          <a:scrgbClr r="0" g="0" b="0"/>
-        </a:fillRef>
-        <a:effectRef idx="0">
-          <a:scrgbClr r="0" g="0" b="0"/>
-        </a:effectRef>
-        <a:fontRef idx="minor"/>
-      </dsp:style>
-    </dsp:sp>
-    <dsp:sp modelId="{742049AE-576D-46D2-AD0C-2281AABACBAC}">
-      <dsp:nvSpPr>
-        <dsp:cNvPr id="0" name=""/>
-        <dsp:cNvSpPr/>
-      </dsp:nvSpPr>
-      <dsp:spPr>
-        <a:xfrm>
-          <a:off x="1037904" y="2160659"/>
-          <a:ext cx="933283" cy="933283"/>
-        </a:xfrm>
-        <a:prstGeom prst="rect">
-          <a:avLst/>
-        </a:prstGeom>
-        <a:blipFill>
-          <a:blip xmlns:r="http://schemas.openxmlformats.org/officeDocument/2006/relationships" r:embed="rId3">
-            <a:extLst>
-              <a:ext uri="{28A0092B-C50C-407E-A947-70E740481C1C}">
-                <a14:useLocalDpi xmlns:a14="http://schemas.microsoft.com/office/drawing/2010/main" val="0"/>
-              </a:ext>
-              <a:ext uri="{96DAC541-7B7A-43D3-8B79-37D633B846F1}">
-                <asvg:svgBlip xmlns:asvg="http://schemas.microsoft.com/office/drawing/2016/SVG/main" xmlns="" r:embed="rId4"/>
-              </a:ext>
-            </a:extLst>
-          </a:blip>
-          <a:stretch>
-            <a:fillRect/>
-          </a:stretch>
-        </a:blipFill>
-        <a:ln w="12700" cap="flat" cmpd="sng" algn="in">
-          <a:noFill/>
-          <a:prstDash val="solid"/>
-        </a:ln>
-        <a:effectLst/>
-      </dsp:spPr>
-      <dsp:style>
-        <a:lnRef idx="2">
-          <a:scrgbClr r="0" g="0" b="0"/>
-        </a:lnRef>
-        <a:fillRef idx="1">
-          <a:scrgbClr r="0" g="0" b="0"/>
-        </a:fillRef>
-        <a:effectRef idx="0">
-          <a:scrgbClr r="0" g="0" b="0"/>
-        </a:effectRef>
-        <a:fontRef idx="minor">
-          <a:schemeClr val="lt1"/>
-        </a:fontRef>
-      </dsp:style>
-    </dsp:sp>
-    <dsp:sp modelId="{9C5E6859-6C5F-4DA9-B19F-F1CDC4330176}">
-      <dsp:nvSpPr>
-        <dsp:cNvPr id="0" name=""/>
-        <dsp:cNvSpPr/>
-      </dsp:nvSpPr>
-      <dsp:spPr>
-        <a:xfrm>
-          <a:off x="1728201" y="1868139"/>
-          <a:ext cx="4288504" cy="1696878"/>
-        </a:xfrm>
-        <a:prstGeom prst="rect">
-          <a:avLst/>
-        </a:prstGeom>
-        <a:noFill/>
-        <a:ln>
-          <a:noFill/>
-        </a:ln>
-        <a:effectLst/>
-      </dsp:spPr>
-      <dsp:style>
-        <a:lnRef idx="0">
-          <a:scrgbClr r="0" g="0" b="0"/>
-        </a:lnRef>
-        <a:fillRef idx="0">
-          <a:scrgbClr r="0" g="0" b="0"/>
-        </a:fillRef>
-        <a:effectRef idx="0">
-          <a:scrgbClr r="0" g="0" b="0"/>
-        </a:effectRef>
-        <a:fontRef idx="minor"/>
-      </dsp:style>
-      <dsp:txBody>
-        <a:bodyPr spcFirstLastPara="0" vert="horz" wrap="square" lIns="179586" tIns="179586" rIns="179586" bIns="179586" numCol="1" spcCol="1270" anchor="ctr" anchorCtr="0">
-          <a:noAutofit/>
-        </a:bodyPr>
-        <a:lstStyle/>
-        <a:p>
-          <a:pPr lvl="0" algn="l" defTabSz="1022350">
-            <a:lnSpc>
-              <a:spcPct val="90000"/>
-            </a:lnSpc>
-            <a:spcBef>
-              <a:spcPct val="0"/>
-            </a:spcBef>
-            <a:spcAft>
-              <a:spcPct val="35000"/>
-            </a:spcAft>
-          </a:pPr>
-          <a:r>
-            <a:rPr lang="en-GB" sz="2300" kern="1200" baseline="0" dirty="0"/>
-            <a:t>I also used </a:t>
-          </a:r>
-          <a:r>
-            <a:rPr lang="en-GB" sz="2300" kern="1200" baseline="0" dirty="0" err="1"/>
-            <a:t>Mockito</a:t>
-          </a:r>
-          <a:r>
-            <a:rPr lang="en-GB" sz="2300" kern="1200" baseline="0" dirty="0"/>
-            <a:t> to create integration tests which allowed me to test functions that relied on calling other functions.</a:t>
-          </a:r>
-          <a:endParaRPr lang="en-US" sz="2300" kern="1200" dirty="0"/>
-        </a:p>
-      </dsp:txBody>
-      <dsp:txXfrm>
-        <a:off x="1728201" y="1868139"/>
-        <a:ext cx="4288504" cy="1696878"/>
-      </dsp:txXfrm>
-    </dsp:sp>
-  </dsp:spTree>
-</dsp:drawing>
-</file>
-
 <file path=ppt/diagrams/layout1.xml><?xml version="1.0" encoding="utf-8"?>
 <dgm:layoutDef xmlns:dgm="http://schemas.openxmlformats.org/drawingml/2006/diagram" xmlns:a="http://schemas.openxmlformats.org/drawingml/2006/main" uniqueId="urn:microsoft.com/office/officeart/2018/2/layout/IconVerticalSolidList">
   <dgm:title val="Icon Vertical Solid List"/>
@@ -9951,300 +8437,6 @@
 </dgm:layoutDef>
 </file>
 
-<file path=ppt/diagrams/layout5.xml><?xml version="1.0" encoding="utf-8"?>
-<dgm:layoutDef xmlns:dgm="http://schemas.openxmlformats.org/drawingml/2006/diagram" xmlns:a="http://schemas.openxmlformats.org/drawingml/2006/main" uniqueId="urn:microsoft.com/office/officeart/2018/2/layout/IconVerticalSolidList">
-  <dgm:title val="Icon Vertical Solid List"/>
-  <dgm:desc val="Use to show a series of visuals from top to bottom with Level 1 or Level 1 and Level 2 text grouped in a shape. Works best with icons or small pictures with lengthier descriptions."/>
-  <dgm:catLst>
-    <dgm:cat type="icon" pri="500"/>
-  </dgm:catLst>
-  <dgm:sampData useDef="1">
-    <dgm:dataModel>
-      <dgm:ptLst/>
-      <dgm:bg/>
-      <dgm:whole/>
-    </dgm:dataModel>
-  </dgm:sampData>
-  <dgm:styleData useDef="1">
-    <dgm:dataModel>
-      <dgm:ptLst/>
-      <dgm:bg/>
-      <dgm:whole/>
-    </dgm:dataModel>
-  </dgm:styleData>
-  <dgm:clrData useDef="1">
-    <dgm:dataModel>
-      <dgm:ptLst/>
-      <dgm:bg/>
-      <dgm:whole/>
-    </dgm:dataModel>
-  </dgm:clrData>
-  <dgm:layoutNode name="root">
-    <dgm:varLst>
-      <dgm:dir/>
-      <dgm:resizeHandles val="exact"/>
-    </dgm:varLst>
-    <dgm:choose name="Name0">
-      <dgm:if name="Name1" axis="self" func="var" arg="dir" op="equ" val="norm">
-        <dgm:alg type="lin">
-          <dgm:param type="linDir" val="fromT"/>
-          <dgm:param type="nodeHorzAlign" val="l"/>
-        </dgm:alg>
-      </dgm:if>
-      <dgm:else name="Name2">
-        <dgm:alg type="lin">
-          <dgm:param type="linDir" val="fromT"/>
-          <dgm:param type="nodeHorzAlign" val="r"/>
-        </dgm:alg>
-      </dgm:else>
-    </dgm:choose>
-    <dgm:shape xmlns:r="http://schemas.openxmlformats.org/officeDocument/2006/relationships" r:blip="">
-      <dgm:adjLst/>
-    </dgm:shape>
-    <dgm:presOf/>
-    <dgm:choose name="Name3">
-      <dgm:if name="Name4" axis="ch" ptType="node" func="cnt" op="lte" val="3">
-        <dgm:constrLst>
-          <dgm:constr type="h" for="ch" forName="compNode" refType="h" fact="0.3"/>
-          <dgm:constr type="w" for="ch" forName="compNode" refType="w"/>
-          <dgm:constr type="h" for="ch" forName="sibTrans" refType="h" refFor="ch" refForName="compNode" fact="0.25"/>
-          <dgm:constr type="primFontSz" for="des" forName="parTx" val="25"/>
-          <dgm:constr type="primFontSz" for="des" forName="desTx" refType="primFontSz" refFor="des" refForName="parTx" op="lte" fact="0.75"/>
-          <dgm:constr type="h" for="des" forName="compNode" op="equ"/>
-          <dgm:constr type="h" for="des" forName="bgRect" op="equ"/>
-          <dgm:constr type="h" for="des" forName="iconRect" op="equ"/>
-          <dgm:constr type="w" for="des" forName="iconRect" op="equ"/>
-          <dgm:constr type="h" for="des" forName="spaceRect" op="equ"/>
-          <dgm:constr type="h" for="des" forName="parTx" op="equ"/>
-          <dgm:constr type="h" for="des" forName="desTx" op="equ"/>
-        </dgm:constrLst>
-      </dgm:if>
-      <dgm:if name="Name5" axis="ch" ptType="node" func="cnt" op="lte" val="4">
-        <dgm:constrLst>
-          <dgm:constr type="h" for="ch" forName="compNode" refType="h" fact="0.3"/>
-          <dgm:constr type="w" for="ch" forName="compNode" refType="w"/>
-          <dgm:constr type="h" for="ch" forName="sibTrans" refType="h" refFor="ch" refForName="compNode" fact="0.25"/>
-          <dgm:constr type="primFontSz" for="des" forName="parTx" val="22"/>
-          <dgm:constr type="primFontSz" for="des" forName="desTx" refType="primFontSz" refFor="des" refForName="parTx" op="lte" fact="0.75"/>
-          <dgm:constr type="h" for="des" forName="compNode" op="equ"/>
-          <dgm:constr type="h" for="des" forName="bgRect" op="equ"/>
-          <dgm:constr type="h" for="des" forName="iconRect" op="equ"/>
-          <dgm:constr type="w" for="des" forName="iconRect" op="equ"/>
-          <dgm:constr type="h" for="des" forName="spaceRect" op="equ"/>
-          <dgm:constr type="h" for="des" forName="parTx" op="equ"/>
-          <dgm:constr type="h" for="des" forName="desTx" op="equ"/>
-        </dgm:constrLst>
-      </dgm:if>
-      <dgm:if name="Name6" axis="ch" ptType="node" func="cnt" op="lte" val="6">
-        <dgm:constrLst>
-          <dgm:constr type="h" for="ch" forName="compNode" refType="h" fact="0.3"/>
-          <dgm:constr type="w" for="ch" forName="compNode" refType="w"/>
-          <dgm:constr type="h" for="ch" forName="sibTrans" refType="h" refFor="ch" refForName="compNode" fact="0.25"/>
-          <dgm:constr type="primFontSz" for="des" forName="parTx" val="19"/>
-          <dgm:constr type="primFontSz" for="des" forName="desTx" refType="primFontSz" refFor="des" refForName="parTx" op="lte" fact="0.75"/>
-          <dgm:constr type="h" for="des" forName="compNode" op="equ"/>
-          <dgm:constr type="h" for="des" forName="bgRect" op="equ"/>
-          <dgm:constr type="h" for="des" forName="iconRect" op="equ"/>
-          <dgm:constr type="w" for="des" forName="iconRect" op="equ"/>
-          <dgm:constr type="h" for="des" forName="spaceRect" op="equ"/>
-          <dgm:constr type="h" for="des" forName="parTx" op="equ"/>
-          <dgm:constr type="h" for="des" forName="desTx" op="equ"/>
-        </dgm:constrLst>
-      </dgm:if>
-      <dgm:else name="Name7">
-        <dgm:constrLst>
-          <dgm:constr type="h" for="ch" forName="compNode" refType="h" fact="0.3"/>
-          <dgm:constr type="w" for="ch" forName="compNode" refType="w"/>
-          <dgm:constr type="h" for="ch" forName="sibTrans" refType="h" refFor="ch" refForName="compNode" fact="0.25"/>
-          <dgm:constr type="primFontSz" for="des" forName="parTx" val="16"/>
-          <dgm:constr type="primFontSz" for="des" forName="desTx" refType="primFontSz" refFor="des" refForName="parTx" op="lte" fact="0.75"/>
-          <dgm:constr type="h" for="des" forName="compNode" op="equ"/>
-          <dgm:constr type="h" for="des" forName="bgRect" op="equ"/>
-          <dgm:constr type="h" for="des" forName="iconRect" op="equ"/>
-          <dgm:constr type="w" for="des" forName="iconRect" op="equ"/>
-          <dgm:constr type="h" for="des" forName="spaceRect" op="equ"/>
-          <dgm:constr type="h" for="des" forName="parTx" op="equ"/>
-          <dgm:constr type="h" for="des" forName="desTx" op="equ"/>
-        </dgm:constrLst>
-      </dgm:else>
-    </dgm:choose>
-    <dgm:ruleLst>
-      <dgm:rule type="h" for="ch" forName="compNode" val="0" fact="NaN" max="NaN"/>
-    </dgm:ruleLst>
-    <dgm:forEach name="Name8" axis="ch" ptType="node">
-      <dgm:layoutNode name="compNode">
-        <dgm:alg type="composite"/>
-        <dgm:shape xmlns:r="http://schemas.openxmlformats.org/officeDocument/2006/relationships" r:blip="">
-          <dgm:adjLst/>
-        </dgm:shape>
-        <dgm:presOf axis="self"/>
-        <dgm:choose name="Name9">
-          <dgm:if name="Name10" axis="ch" ptType="node" func="cnt" op="gte" val="1">
-            <dgm:constrLst>
-              <dgm:constr type="w" for="ch" forName="bgRect" refType="w"/>
-              <dgm:constr type="h" for="ch" forName="bgRect" refType="h"/>
-              <dgm:constr type="l" for="ch" forName="bgRect"/>
-              <dgm:constr type="t" for="ch" forName="bgRect"/>
-              <dgm:constr type="h" for="ch" forName="iconRect" refType="h" fact="0.55"/>
-              <dgm:constr type="w" for="ch" forName="iconRect" refType="h" refFor="ch" refForName="iconRect"/>
-              <dgm:constr type="l" for="ch" forName="iconRect" refType="h" refFor="ch" refForName="iconRect" fact="0.55"/>
-              <dgm:constr type="ctrY" for="ch" forName="iconRect" refType="ctrY" refFor="ch" refForName="bgRect"/>
-              <dgm:constr type="w" for="ch" forName="spaceRect" refType="l" refFor="ch" refForName="iconRect"/>
-              <dgm:constr type="h" for="ch" forName="spaceRect" refType="h"/>
-              <dgm:constr type="l" for="ch" forName="spaceRect" refType="r" refFor="ch" refForName="iconRect"/>
-              <dgm:constr type="t" for="ch" forName="spaceRect"/>
-              <dgm:constr type="w" for="ch" forName="parTx" refType="w" fact="0.45"/>
-              <dgm:constr type="h" for="ch" forName="parTx" refType="h"/>
-              <dgm:constr type="l" for="ch" forName="parTx" refType="r" refFor="ch" refForName="spaceRect"/>
-              <dgm:constr type="t" for="ch" forName="parTx"/>
-              <dgm:constr type="h" for="ch" forName="desTx" refType="h"/>
-              <dgm:constr type="l" for="ch" forName="desTx" refType="r" refFor="ch" refForName="parTx"/>
-              <dgm:constr type="t" for="ch" forName="desTx"/>
-            </dgm:constrLst>
-          </dgm:if>
-          <dgm:else name="Name11">
-            <dgm:constrLst>
-              <dgm:constr type="w" for="ch" forName="bgRect" refType="w"/>
-              <dgm:constr type="h" for="ch" forName="bgRect" refType="h"/>
-              <dgm:constr type="l" for="ch" forName="bgRect"/>
-              <dgm:constr type="t" for="ch" forName="bgRect"/>
-              <dgm:constr type="h" for="ch" forName="iconRect" refType="h" fact="0.55"/>
-              <dgm:constr type="w" for="ch" forName="iconRect" refType="h" refFor="ch" refForName="iconRect"/>
-              <dgm:constr type="l" for="ch" forName="iconRect" refType="h" refFor="ch" refForName="iconRect" fact="0.55"/>
-              <dgm:constr type="ctrY" for="ch" forName="iconRect" refType="ctrY" refFor="ch" refForName="bgRect"/>
-              <dgm:constr type="w" for="ch" forName="spaceRect" refType="l" refFor="ch" refForName="iconRect"/>
-              <dgm:constr type="h" for="ch" forName="spaceRect" refType="h"/>
-              <dgm:constr type="l" for="ch" forName="spaceRect" refType="r" refFor="ch" refForName="iconRect"/>
-              <dgm:constr type="t" for="ch" forName="spaceRect"/>
-              <dgm:constr type="h" for="ch" forName="parTx" refType="h"/>
-              <dgm:constr type="l" for="ch" forName="parTx" refType="r" refFor="ch" refForName="spaceRect"/>
-              <dgm:constr type="t" for="ch" forName="parTx"/>
-            </dgm:constrLst>
-          </dgm:else>
-        </dgm:choose>
-        <dgm:ruleLst>
-          <dgm:rule type="h" val="INF" fact="NaN" max="NaN"/>
-        </dgm:ruleLst>
-        <dgm:layoutNode name="bgRect" styleLbl="bgShp">
-          <dgm:alg type="sp"/>
-          <dgm:shape xmlns:r="http://schemas.openxmlformats.org/officeDocument/2006/relationships" type="roundRect" r:blip="">
-            <dgm:adjLst>
-              <dgm:adj idx="1" val="0.1"/>
-            </dgm:adjLst>
-          </dgm:shape>
-          <dgm:presOf/>
-          <dgm:constrLst/>
-          <dgm:ruleLst/>
-        </dgm:layoutNode>
-        <dgm:layoutNode name="iconRect" styleLbl="node1">
-          <dgm:alg type="sp"/>
-          <dgm:shape xmlns:r="http://schemas.openxmlformats.org/officeDocument/2006/relationships" type="rect" r:blip="" blipPhldr="1">
-            <dgm:adjLst/>
-          </dgm:shape>
-          <dgm:presOf/>
-          <dgm:constrLst/>
-          <dgm:ruleLst/>
-        </dgm:layoutNode>
-        <dgm:layoutNode name="spaceRect">
-          <dgm:alg type="sp"/>
-          <dgm:shape xmlns:r="http://schemas.openxmlformats.org/officeDocument/2006/relationships" r:blip="">
-            <dgm:adjLst/>
-          </dgm:shape>
-          <dgm:presOf/>
-          <dgm:constrLst/>
-          <dgm:ruleLst/>
-        </dgm:layoutNode>
-        <dgm:layoutNode name="parTx" styleLbl="revTx">
-          <dgm:varLst>
-            <dgm:chMax val="0"/>
-            <dgm:chPref val="0"/>
-          </dgm:varLst>
-          <dgm:alg type="tx">
-            <dgm:param type="txAnchorVert" val="mid"/>
-            <dgm:param type="parTxLTRAlign" val="l"/>
-            <dgm:param type="shpTxLTRAlignCh" val="l"/>
-            <dgm:param type="parTxRTLAlign" val="r"/>
-            <dgm:param type="shpTxRTLAlignCh" val="r"/>
-          </dgm:alg>
-          <dgm:shape xmlns:r="http://schemas.openxmlformats.org/officeDocument/2006/relationships" type="rect" r:blip="">
-            <dgm:adjLst/>
-          </dgm:shape>
-          <dgm:presOf axis="self" ptType="node"/>
-          <dgm:constrLst>
-            <dgm:constr type="lMarg" refType="h" fact="0.3"/>
-            <dgm:constr type="rMarg" refType="h" fact="0.3"/>
-            <dgm:constr type="tMarg" refType="h" fact="0.3"/>
-            <dgm:constr type="bMarg" refType="h" fact="0.3"/>
-          </dgm:constrLst>
-          <dgm:ruleLst>
-            <dgm:rule type="primFontSz" val="14" fact="NaN" max="NaN"/>
-            <dgm:rule type="h" val="INF" fact="NaN" max="NaN"/>
-          </dgm:ruleLst>
-        </dgm:layoutNode>
-        <dgm:choose name="Name12">
-          <dgm:if name="Name13" axis="ch" ptType="node" func="cnt" op="gte" val="1">
-            <dgm:layoutNode name="desTx" styleLbl="revTx">
-              <dgm:varLst/>
-              <dgm:alg type="tx">
-                <dgm:param type="txAnchorVertCh" val="mid"/>
-                <dgm:param type="parTxLTRAlign" val="l"/>
-                <dgm:param type="shpTxLTRAlignCh" val="l"/>
-                <dgm:param type="parTxRTLAlign" val="r"/>
-                <dgm:param type="shpTxRTLAlignCh" val="r"/>
-                <dgm:param type="stBulletLvl" val="0"/>
-              </dgm:alg>
-              <dgm:shape xmlns:r="http://schemas.openxmlformats.org/officeDocument/2006/relationships" type="rect" r:blip="">
-                <dgm:adjLst/>
-              </dgm:shape>
-              <dgm:presOf axis="des" ptType="node"/>
-              <dgm:constrLst>
-                <dgm:constr type="primFontSz" val="18"/>
-                <dgm:constr type="secFontSz" refType="primFontSz"/>
-                <dgm:constr type="lMarg" refType="h" fact="0.3"/>
-                <dgm:constr type="rMarg" refType="h" fact="0.3"/>
-                <dgm:constr type="tMarg" refType="h" fact="0.3"/>
-                <dgm:constr type="bMarg" refType="h" fact="0.3"/>
-              </dgm:constrLst>
-              <dgm:ruleLst>
-                <dgm:rule type="primFontSz" val="11" fact="NaN" max="NaN"/>
-              </dgm:ruleLst>
-            </dgm:layoutNode>
-          </dgm:if>
-          <dgm:else name="Name14"/>
-        </dgm:choose>
-      </dgm:layoutNode>
-      <dgm:forEach name="Name15" axis="followSib" ptType="sibTrans" cnt="1">
-        <dgm:layoutNode name="sibTrans">
-          <dgm:alg type="sp"/>
-          <dgm:shape xmlns:r="http://schemas.openxmlformats.org/officeDocument/2006/relationships" r:blip="">
-            <dgm:adjLst/>
-          </dgm:shape>
-          <dgm:presOf axis="self"/>
-          <dgm:constrLst/>
-          <dgm:ruleLst/>
-        </dgm:layoutNode>
-      </dgm:forEach>
-    </dgm:forEach>
-  </dgm:layoutNode>
-  <dgm:extLst>
-    <a:ext uri="{68A01E43-0DF5-4B5B-8FA6-DAF915123BFB}">
-      <dgm1612:lstStyle xmlns:dgm1612="http://schemas.microsoft.com/office/drawing/2016/12/diagram" xmlns="">
-        <a:lvl1pPr>
-          <a:lnSpc>
-            <a:spcPct val="100000"/>
-          </a:lnSpc>
-        </a:lvl1pPr>
-        <a:lvl2pPr>
-          <a:lnSpc>
-            <a:spcPct val="100000"/>
-          </a:lnSpc>
-        </a:lvl2pPr>
-      </dgm1612:lstStyle>
-    </a:ext>
-  </dgm:extLst>
-</dgm:layoutDef>
-</file>
-
 <file path=ppt/diagrams/quickStyle1.xml><?xml version="1.0" encoding="utf-8"?>
 <dgm:styleDef xmlns:dgm="http://schemas.openxmlformats.org/drawingml/2006/diagram" xmlns:a="http://schemas.openxmlformats.org/drawingml/2006/main" uniqueId="urn:microsoft.com/office/officeart/2005/8/quickstyle/simple1">
   <dgm:title val=""/>
@@ -13348,1040 +11540,6 @@
 </file>
 
 <file path=ppt/diagrams/quickStyle4.xml><?xml version="1.0" encoding="utf-8"?>
-<dgm:styleDef xmlns:dgm="http://schemas.openxmlformats.org/drawingml/2006/diagram" xmlns:a="http://schemas.openxmlformats.org/drawingml/2006/main" uniqueId="urn:microsoft.com/office/officeart/2005/8/quickstyle/simple1">
-  <dgm:title val=""/>
-  <dgm:desc val=""/>
-  <dgm:catLst>
-    <dgm:cat type="simple" pri="10100"/>
-  </dgm:catLst>
-  <dgm:scene3d>
-    <a:camera prst="orthographicFront"/>
-    <a:lightRig rig="threePt" dir="t"/>
-  </dgm:scene3d>
-  <dgm:styleLbl name="node0">
-    <dgm:scene3d>
-      <a:camera prst="orthographicFront"/>
-      <a:lightRig rig="threePt" dir="t"/>
-    </dgm:scene3d>
-    <dgm:sp3d/>
-    <dgm:txPr/>
-    <dgm:style>
-      <a:lnRef idx="2">
-        <a:scrgbClr r="0" g="0" b="0"/>
-      </a:lnRef>
-      <a:fillRef idx="1">
-        <a:scrgbClr r="0" g="0" b="0"/>
-      </a:fillRef>
-      <a:effectRef idx="0">
-        <a:scrgbClr r="0" g="0" b="0"/>
-      </a:effectRef>
-      <a:fontRef idx="minor">
-        <a:schemeClr val="lt1"/>
-      </a:fontRef>
-    </dgm:style>
-  </dgm:styleLbl>
-  <dgm:styleLbl name="lnNode1">
-    <dgm:scene3d>
-      <a:camera prst="orthographicFront"/>
-      <a:lightRig rig="threePt" dir="t"/>
-    </dgm:scene3d>
-    <dgm:sp3d/>
-    <dgm:txPr/>
-    <dgm:style>
-      <a:lnRef idx="2">
-        <a:scrgbClr r="0" g="0" b="0"/>
-      </a:lnRef>
-      <a:fillRef idx="1">
-        <a:scrgbClr r="0" g="0" b="0"/>
-      </a:fillRef>
-      <a:effectRef idx="0">
-        <a:scrgbClr r="0" g="0" b="0"/>
-      </a:effectRef>
-      <a:fontRef idx="minor">
-        <a:schemeClr val="lt1"/>
-      </a:fontRef>
-    </dgm:style>
-  </dgm:styleLbl>
-  <dgm:styleLbl name="vennNode1">
-    <dgm:scene3d>
-      <a:camera prst="orthographicFront"/>
-      <a:lightRig rig="threePt" dir="t"/>
-    </dgm:scene3d>
-    <dgm:sp3d/>
-    <dgm:txPr/>
-    <dgm:style>
-      <a:lnRef idx="2">
-        <a:scrgbClr r="0" g="0" b="0"/>
-      </a:lnRef>
-      <a:fillRef idx="1">
-        <a:scrgbClr r="0" g="0" b="0"/>
-      </a:fillRef>
-      <a:effectRef idx="0">
-        <a:scrgbClr r="0" g="0" b="0"/>
-      </a:effectRef>
-      <a:fontRef idx="minor">
-        <a:schemeClr val="tx1"/>
-      </a:fontRef>
-    </dgm:style>
-  </dgm:styleLbl>
-  <dgm:styleLbl name="alignNode1">
-    <dgm:scene3d>
-      <a:camera prst="orthographicFront"/>
-      <a:lightRig rig="threePt" dir="t"/>
-    </dgm:scene3d>
-    <dgm:sp3d/>
-    <dgm:txPr/>
-    <dgm:style>
-      <a:lnRef idx="2">
-        <a:scrgbClr r="0" g="0" b="0"/>
-      </a:lnRef>
-      <a:fillRef idx="1">
-        <a:scrgbClr r="0" g="0" b="0"/>
-      </a:fillRef>
-      <a:effectRef idx="0">
-        <a:scrgbClr r="0" g="0" b="0"/>
-      </a:effectRef>
-      <a:fontRef idx="minor">
-        <a:schemeClr val="lt1"/>
-      </a:fontRef>
-    </dgm:style>
-  </dgm:styleLbl>
-  <dgm:styleLbl name="node1">
-    <dgm:scene3d>
-      <a:camera prst="orthographicFront"/>
-      <a:lightRig rig="threePt" dir="t"/>
-    </dgm:scene3d>
-    <dgm:sp3d/>
-    <dgm:txPr/>
-    <dgm:style>
-      <a:lnRef idx="2">
-        <a:scrgbClr r="0" g="0" b="0"/>
-      </a:lnRef>
-      <a:fillRef idx="1">
-        <a:scrgbClr r="0" g="0" b="0"/>
-      </a:fillRef>
-      <a:effectRef idx="0">
-        <a:scrgbClr r="0" g="0" b="0"/>
-      </a:effectRef>
-      <a:fontRef idx="minor">
-        <a:schemeClr val="lt1"/>
-      </a:fontRef>
-    </dgm:style>
-  </dgm:styleLbl>
-  <dgm:styleLbl name="node2">
-    <dgm:scene3d>
-      <a:camera prst="orthographicFront"/>
-      <a:lightRig rig="threePt" dir="t"/>
-    </dgm:scene3d>
-    <dgm:sp3d/>
-    <dgm:txPr/>
-    <dgm:style>
-      <a:lnRef idx="2">
-        <a:scrgbClr r="0" g="0" b="0"/>
-      </a:lnRef>
-      <a:fillRef idx="1">
-        <a:scrgbClr r="0" g="0" b="0"/>
-      </a:fillRef>
-      <a:effectRef idx="0">
-        <a:scrgbClr r="0" g="0" b="0"/>
-      </a:effectRef>
-      <a:fontRef idx="minor">
-        <a:schemeClr val="lt1"/>
-      </a:fontRef>
-    </dgm:style>
-  </dgm:styleLbl>
-  <dgm:styleLbl name="node3">
-    <dgm:scene3d>
-      <a:camera prst="orthographicFront"/>
-      <a:lightRig rig="threePt" dir="t"/>
-    </dgm:scene3d>
-    <dgm:sp3d/>
-    <dgm:txPr/>
-    <dgm:style>
-      <a:lnRef idx="2">
-        <a:scrgbClr r="0" g="0" b="0"/>
-      </a:lnRef>
-      <a:fillRef idx="1">
-        <a:scrgbClr r="0" g="0" b="0"/>
-      </a:fillRef>
-      <a:effectRef idx="0">
-        <a:scrgbClr r="0" g="0" b="0"/>
-      </a:effectRef>
-      <a:fontRef idx="minor">
-        <a:schemeClr val="lt1"/>
-      </a:fontRef>
-    </dgm:style>
-  </dgm:styleLbl>
-  <dgm:styleLbl name="node4">
-    <dgm:scene3d>
-      <a:camera prst="orthographicFront"/>
-      <a:lightRig rig="threePt" dir="t"/>
-    </dgm:scene3d>
-    <dgm:sp3d/>
-    <dgm:txPr/>
-    <dgm:style>
-      <a:lnRef idx="2">
-        <a:scrgbClr r="0" g="0" b="0"/>
-      </a:lnRef>
-      <a:fillRef idx="1">
-        <a:scrgbClr r="0" g="0" b="0"/>
-      </a:fillRef>
-      <a:effectRef idx="0">
-        <a:scrgbClr r="0" g="0" b="0"/>
-      </a:effectRef>
-      <a:fontRef idx="minor">
-        <a:schemeClr val="lt1"/>
-      </a:fontRef>
-    </dgm:style>
-  </dgm:styleLbl>
-  <dgm:styleLbl name="fgImgPlace1">
-    <dgm:scene3d>
-      <a:camera prst="orthographicFront"/>
-      <a:lightRig rig="threePt" dir="t"/>
-    </dgm:scene3d>
-    <dgm:sp3d/>
-    <dgm:txPr/>
-    <dgm:style>
-      <a:lnRef idx="2">
-        <a:scrgbClr r="0" g="0" b="0"/>
-      </a:lnRef>
-      <a:fillRef idx="1">
-        <a:scrgbClr r="0" g="0" b="0"/>
-      </a:fillRef>
-      <a:effectRef idx="0">
-        <a:scrgbClr r="0" g="0" b="0"/>
-      </a:effectRef>
-      <a:fontRef idx="minor"/>
-    </dgm:style>
-  </dgm:styleLbl>
-  <dgm:styleLbl name="alignImgPlace1">
-    <dgm:scene3d>
-      <a:camera prst="orthographicFront"/>
-      <a:lightRig rig="threePt" dir="t"/>
-    </dgm:scene3d>
-    <dgm:sp3d/>
-    <dgm:txPr/>
-    <dgm:style>
-      <a:lnRef idx="2">
-        <a:scrgbClr r="0" g="0" b="0"/>
-      </a:lnRef>
-      <a:fillRef idx="1">
-        <a:scrgbClr r="0" g="0" b="0"/>
-      </a:fillRef>
-      <a:effectRef idx="0">
-        <a:scrgbClr r="0" g="0" b="0"/>
-      </a:effectRef>
-      <a:fontRef idx="minor"/>
-    </dgm:style>
-  </dgm:styleLbl>
-  <dgm:styleLbl name="bgImgPlace1">
-    <dgm:scene3d>
-      <a:camera prst="orthographicFront"/>
-      <a:lightRig rig="threePt" dir="t"/>
-    </dgm:scene3d>
-    <dgm:sp3d/>
-    <dgm:txPr/>
-    <dgm:style>
-      <a:lnRef idx="2">
-        <a:scrgbClr r="0" g="0" b="0"/>
-      </a:lnRef>
-      <a:fillRef idx="1">
-        <a:scrgbClr r="0" g="0" b="0"/>
-      </a:fillRef>
-      <a:effectRef idx="0">
-        <a:scrgbClr r="0" g="0" b="0"/>
-      </a:effectRef>
-      <a:fontRef idx="minor"/>
-    </dgm:style>
-  </dgm:styleLbl>
-  <dgm:styleLbl name="sibTrans2D1">
-    <dgm:scene3d>
-      <a:camera prst="orthographicFront"/>
-      <a:lightRig rig="threePt" dir="t"/>
-    </dgm:scene3d>
-    <dgm:sp3d/>
-    <dgm:txPr/>
-    <dgm:style>
-      <a:lnRef idx="0">
-        <a:scrgbClr r="0" g="0" b="0"/>
-      </a:lnRef>
-      <a:fillRef idx="1">
-        <a:scrgbClr r="0" g="0" b="0"/>
-      </a:fillRef>
-      <a:effectRef idx="0">
-        <a:scrgbClr r="0" g="0" b="0"/>
-      </a:effectRef>
-      <a:fontRef idx="minor">
-        <a:schemeClr val="lt1"/>
-      </a:fontRef>
-    </dgm:style>
-  </dgm:styleLbl>
-  <dgm:styleLbl name="fgSibTrans2D1">
-    <dgm:scene3d>
-      <a:camera prst="orthographicFront"/>
-      <a:lightRig rig="threePt" dir="t"/>
-    </dgm:scene3d>
-    <dgm:sp3d/>
-    <dgm:txPr/>
-    <dgm:style>
-      <a:lnRef idx="0">
-        <a:scrgbClr r="0" g="0" b="0"/>
-      </a:lnRef>
-      <a:fillRef idx="1">
-        <a:scrgbClr r="0" g="0" b="0"/>
-      </a:fillRef>
-      <a:effectRef idx="0">
-        <a:scrgbClr r="0" g="0" b="0"/>
-      </a:effectRef>
-      <a:fontRef idx="minor">
-        <a:schemeClr val="lt1"/>
-      </a:fontRef>
-    </dgm:style>
-  </dgm:styleLbl>
-  <dgm:styleLbl name="bgSibTrans2D1">
-    <dgm:scene3d>
-      <a:camera prst="orthographicFront"/>
-      <a:lightRig rig="threePt" dir="t"/>
-    </dgm:scene3d>
-    <dgm:sp3d/>
-    <dgm:txPr/>
-    <dgm:style>
-      <a:lnRef idx="0">
-        <a:scrgbClr r="0" g="0" b="0"/>
-      </a:lnRef>
-      <a:fillRef idx="1">
-        <a:scrgbClr r="0" g="0" b="0"/>
-      </a:fillRef>
-      <a:effectRef idx="0">
-        <a:scrgbClr r="0" g="0" b="0"/>
-      </a:effectRef>
-      <a:fontRef idx="minor">
-        <a:schemeClr val="lt1"/>
-      </a:fontRef>
-    </dgm:style>
-  </dgm:styleLbl>
-  <dgm:styleLbl name="sibTrans1D1">
-    <dgm:scene3d>
-      <a:camera prst="orthographicFront"/>
-      <a:lightRig rig="threePt" dir="t"/>
-    </dgm:scene3d>
-    <dgm:sp3d/>
-    <dgm:txPr/>
-    <dgm:style>
-      <a:lnRef idx="1">
-        <a:scrgbClr r="0" g="0" b="0"/>
-      </a:lnRef>
-      <a:fillRef idx="0">
-        <a:scrgbClr r="0" g="0" b="0"/>
-      </a:fillRef>
-      <a:effectRef idx="0">
-        <a:scrgbClr r="0" g="0" b="0"/>
-      </a:effectRef>
-      <a:fontRef idx="minor"/>
-    </dgm:style>
-  </dgm:styleLbl>
-  <dgm:styleLbl name="callout">
-    <dgm:scene3d>
-      <a:camera prst="orthographicFront"/>
-      <a:lightRig rig="threePt" dir="t"/>
-    </dgm:scene3d>
-    <dgm:sp3d/>
-    <dgm:txPr/>
-    <dgm:style>
-      <a:lnRef idx="2">
-        <a:scrgbClr r="0" g="0" b="0"/>
-      </a:lnRef>
-      <a:fillRef idx="1">
-        <a:scrgbClr r="0" g="0" b="0"/>
-      </a:fillRef>
-      <a:effectRef idx="0">
-        <a:scrgbClr r="0" g="0" b="0"/>
-      </a:effectRef>
-      <a:fontRef idx="minor"/>
-    </dgm:style>
-  </dgm:styleLbl>
-  <dgm:styleLbl name="asst0">
-    <dgm:scene3d>
-      <a:camera prst="orthographicFront"/>
-      <a:lightRig rig="threePt" dir="t"/>
-    </dgm:scene3d>
-    <dgm:sp3d/>
-    <dgm:txPr/>
-    <dgm:style>
-      <a:lnRef idx="2">
-        <a:scrgbClr r="0" g="0" b="0"/>
-      </a:lnRef>
-      <a:fillRef idx="1">
-        <a:scrgbClr r="0" g="0" b="0"/>
-      </a:fillRef>
-      <a:effectRef idx="0">
-        <a:scrgbClr r="0" g="0" b="0"/>
-      </a:effectRef>
-      <a:fontRef idx="minor">
-        <a:schemeClr val="lt1"/>
-      </a:fontRef>
-    </dgm:style>
-  </dgm:styleLbl>
-  <dgm:styleLbl name="asst1">
-    <dgm:scene3d>
-      <a:camera prst="orthographicFront"/>
-      <a:lightRig rig="threePt" dir="t"/>
-    </dgm:scene3d>
-    <dgm:sp3d/>
-    <dgm:txPr/>
-    <dgm:style>
-      <a:lnRef idx="2">
-        <a:scrgbClr r="0" g="0" b="0"/>
-      </a:lnRef>
-      <a:fillRef idx="1">
-        <a:scrgbClr r="0" g="0" b="0"/>
-      </a:fillRef>
-      <a:effectRef idx="0">
-        <a:scrgbClr r="0" g="0" b="0"/>
-      </a:effectRef>
-      <a:fontRef idx="minor">
-        <a:schemeClr val="lt1"/>
-      </a:fontRef>
-    </dgm:style>
-  </dgm:styleLbl>
-  <dgm:styleLbl name="asst2">
-    <dgm:scene3d>
-      <a:camera prst="orthographicFront"/>
-      <a:lightRig rig="threePt" dir="t"/>
-    </dgm:scene3d>
-    <dgm:sp3d/>
-    <dgm:txPr/>
-    <dgm:style>
-      <a:lnRef idx="2">
-        <a:scrgbClr r="0" g="0" b="0"/>
-      </a:lnRef>
-      <a:fillRef idx="1">
-        <a:scrgbClr r="0" g="0" b="0"/>
-      </a:fillRef>
-      <a:effectRef idx="0">
-        <a:scrgbClr r="0" g="0" b="0"/>
-      </a:effectRef>
-      <a:fontRef idx="minor">
-        <a:schemeClr val="lt1"/>
-      </a:fontRef>
-    </dgm:style>
-  </dgm:styleLbl>
-  <dgm:styleLbl name="asst3">
-    <dgm:scene3d>
-      <a:camera prst="orthographicFront"/>
-      <a:lightRig rig="threePt" dir="t"/>
-    </dgm:scene3d>
-    <dgm:sp3d/>
-    <dgm:txPr/>
-    <dgm:style>
-      <a:lnRef idx="2">
-        <a:scrgbClr r="0" g="0" b="0"/>
-      </a:lnRef>
-      <a:fillRef idx="1">
-        <a:scrgbClr r="0" g="0" b="0"/>
-      </a:fillRef>
-      <a:effectRef idx="0">
-        <a:scrgbClr r="0" g="0" b="0"/>
-      </a:effectRef>
-      <a:fontRef idx="minor">
-        <a:schemeClr val="lt1"/>
-      </a:fontRef>
-    </dgm:style>
-  </dgm:styleLbl>
-  <dgm:styleLbl name="asst4">
-    <dgm:scene3d>
-      <a:camera prst="orthographicFront"/>
-      <a:lightRig rig="threePt" dir="t"/>
-    </dgm:scene3d>
-    <dgm:sp3d/>
-    <dgm:txPr/>
-    <dgm:style>
-      <a:lnRef idx="2">
-        <a:scrgbClr r="0" g="0" b="0"/>
-      </a:lnRef>
-      <a:fillRef idx="1">
-        <a:scrgbClr r="0" g="0" b="0"/>
-      </a:fillRef>
-      <a:effectRef idx="0">
-        <a:scrgbClr r="0" g="0" b="0"/>
-      </a:effectRef>
-      <a:fontRef idx="minor">
-        <a:schemeClr val="lt1"/>
-      </a:fontRef>
-    </dgm:style>
-  </dgm:styleLbl>
-  <dgm:styleLbl name="parChTrans2D1">
-    <dgm:scene3d>
-      <a:camera prst="orthographicFront"/>
-      <a:lightRig rig="threePt" dir="t"/>
-    </dgm:scene3d>
-    <dgm:sp3d/>
-    <dgm:txPr/>
-    <dgm:style>
-      <a:lnRef idx="2">
-        <a:scrgbClr r="0" g="0" b="0"/>
-      </a:lnRef>
-      <a:fillRef idx="1">
-        <a:scrgbClr r="0" g="0" b="0"/>
-      </a:fillRef>
-      <a:effectRef idx="0">
-        <a:scrgbClr r="0" g="0" b="0"/>
-      </a:effectRef>
-      <a:fontRef idx="minor">
-        <a:schemeClr val="lt1"/>
-      </a:fontRef>
-    </dgm:style>
-  </dgm:styleLbl>
-  <dgm:styleLbl name="parChTrans2D2">
-    <dgm:scene3d>
-      <a:camera prst="orthographicFront"/>
-      <a:lightRig rig="threePt" dir="t"/>
-    </dgm:scene3d>
-    <dgm:sp3d/>
-    <dgm:txPr/>
-    <dgm:style>
-      <a:lnRef idx="2">
-        <a:scrgbClr r="0" g="0" b="0"/>
-      </a:lnRef>
-      <a:fillRef idx="1">
-        <a:scrgbClr r="0" g="0" b="0"/>
-      </a:fillRef>
-      <a:effectRef idx="0">
-        <a:scrgbClr r="0" g="0" b="0"/>
-      </a:effectRef>
-      <a:fontRef idx="minor">
-        <a:schemeClr val="lt1"/>
-      </a:fontRef>
-    </dgm:style>
-  </dgm:styleLbl>
-  <dgm:styleLbl name="parChTrans2D3">
-    <dgm:scene3d>
-      <a:camera prst="orthographicFront"/>
-      <a:lightRig rig="threePt" dir="t"/>
-    </dgm:scene3d>
-    <dgm:sp3d/>
-    <dgm:txPr/>
-    <dgm:style>
-      <a:lnRef idx="2">
-        <a:scrgbClr r="0" g="0" b="0"/>
-      </a:lnRef>
-      <a:fillRef idx="1">
-        <a:scrgbClr r="0" g="0" b="0"/>
-      </a:fillRef>
-      <a:effectRef idx="0">
-        <a:scrgbClr r="0" g="0" b="0"/>
-      </a:effectRef>
-      <a:fontRef idx="minor">
-        <a:schemeClr val="lt1"/>
-      </a:fontRef>
-    </dgm:style>
-  </dgm:styleLbl>
-  <dgm:styleLbl name="parChTrans2D4">
-    <dgm:scene3d>
-      <a:camera prst="orthographicFront"/>
-      <a:lightRig rig="threePt" dir="t"/>
-    </dgm:scene3d>
-    <dgm:sp3d/>
-    <dgm:txPr/>
-    <dgm:style>
-      <a:lnRef idx="2">
-        <a:scrgbClr r="0" g="0" b="0"/>
-      </a:lnRef>
-      <a:fillRef idx="1">
-        <a:scrgbClr r="0" g="0" b="0"/>
-      </a:fillRef>
-      <a:effectRef idx="0">
-        <a:scrgbClr r="0" g="0" b="0"/>
-      </a:effectRef>
-      <a:fontRef idx="minor">
-        <a:schemeClr val="lt1"/>
-      </a:fontRef>
-    </dgm:style>
-  </dgm:styleLbl>
-  <dgm:styleLbl name="parChTrans1D1">
-    <dgm:scene3d>
-      <a:camera prst="orthographicFront"/>
-      <a:lightRig rig="threePt" dir="t"/>
-    </dgm:scene3d>
-    <dgm:sp3d/>
-    <dgm:txPr/>
-    <dgm:style>
-      <a:lnRef idx="2">
-        <a:scrgbClr r="0" g="0" b="0"/>
-      </a:lnRef>
-      <a:fillRef idx="0">
-        <a:scrgbClr r="0" g="0" b="0"/>
-      </a:fillRef>
-      <a:effectRef idx="0">
-        <a:scrgbClr r="0" g="0" b="0"/>
-      </a:effectRef>
-      <a:fontRef idx="minor"/>
-    </dgm:style>
-  </dgm:styleLbl>
-  <dgm:styleLbl name="parChTrans1D2">
-    <dgm:scene3d>
-      <a:camera prst="orthographicFront"/>
-      <a:lightRig rig="threePt" dir="t"/>
-    </dgm:scene3d>
-    <dgm:sp3d/>
-    <dgm:txPr/>
-    <dgm:style>
-      <a:lnRef idx="2">
-        <a:scrgbClr r="0" g="0" b="0"/>
-      </a:lnRef>
-      <a:fillRef idx="0">
-        <a:scrgbClr r="0" g="0" b="0"/>
-      </a:fillRef>
-      <a:effectRef idx="0">
-        <a:scrgbClr r="0" g="0" b="0"/>
-      </a:effectRef>
-      <a:fontRef idx="minor"/>
-    </dgm:style>
-  </dgm:styleLbl>
-  <dgm:styleLbl name="parChTrans1D3">
-    <dgm:scene3d>
-      <a:camera prst="orthographicFront"/>
-      <a:lightRig rig="threePt" dir="t"/>
-    </dgm:scene3d>
-    <dgm:sp3d/>
-    <dgm:txPr/>
-    <dgm:style>
-      <a:lnRef idx="2">
-        <a:scrgbClr r="0" g="0" b="0"/>
-      </a:lnRef>
-      <a:fillRef idx="0">
-        <a:scrgbClr r="0" g="0" b="0"/>
-      </a:fillRef>
-      <a:effectRef idx="0">
-        <a:scrgbClr r="0" g="0" b="0"/>
-      </a:effectRef>
-      <a:fontRef idx="minor"/>
-    </dgm:style>
-  </dgm:styleLbl>
-  <dgm:styleLbl name="parChTrans1D4">
-    <dgm:scene3d>
-      <a:camera prst="orthographicFront"/>
-      <a:lightRig rig="threePt" dir="t"/>
-    </dgm:scene3d>
-    <dgm:sp3d/>
-    <dgm:txPr/>
-    <dgm:style>
-      <a:lnRef idx="2">
-        <a:scrgbClr r="0" g="0" b="0"/>
-      </a:lnRef>
-      <a:fillRef idx="0">
-        <a:scrgbClr r="0" g="0" b="0"/>
-      </a:fillRef>
-      <a:effectRef idx="0">
-        <a:scrgbClr r="0" g="0" b="0"/>
-      </a:effectRef>
-      <a:fontRef idx="minor"/>
-    </dgm:style>
-  </dgm:styleLbl>
-  <dgm:styleLbl name="fgAcc1">
-    <dgm:scene3d>
-      <a:camera prst="orthographicFront"/>
-      <a:lightRig rig="threePt" dir="t"/>
-    </dgm:scene3d>
-    <dgm:sp3d/>
-    <dgm:txPr/>
-    <dgm:style>
-      <a:lnRef idx="2">
-        <a:scrgbClr r="0" g="0" b="0"/>
-      </a:lnRef>
-      <a:fillRef idx="1">
-        <a:scrgbClr r="0" g="0" b="0"/>
-      </a:fillRef>
-      <a:effectRef idx="0">
-        <a:scrgbClr r="0" g="0" b="0"/>
-      </a:effectRef>
-      <a:fontRef idx="minor"/>
-    </dgm:style>
-  </dgm:styleLbl>
-  <dgm:styleLbl name="conFgAcc1">
-    <dgm:scene3d>
-      <a:camera prst="orthographicFront"/>
-      <a:lightRig rig="threePt" dir="t"/>
-    </dgm:scene3d>
-    <dgm:sp3d/>
-    <dgm:txPr/>
-    <dgm:style>
-      <a:lnRef idx="2">
-        <a:scrgbClr r="0" g="0" b="0"/>
-      </a:lnRef>
-      <a:fillRef idx="1">
-        <a:scrgbClr r="0" g="0" b="0"/>
-      </a:fillRef>
-      <a:effectRef idx="0">
-        <a:scrgbClr r="0" g="0" b="0"/>
-      </a:effectRef>
-      <a:fontRef idx="minor"/>
-    </dgm:style>
-  </dgm:styleLbl>
-  <dgm:styleLbl name="alignAcc1">
-    <dgm:scene3d>
-      <a:camera prst="orthographicFront"/>
-      <a:lightRig rig="threePt" dir="t"/>
-    </dgm:scene3d>
-    <dgm:sp3d/>
-    <dgm:txPr/>
-    <dgm:style>
-      <a:lnRef idx="2">
-        <a:scrgbClr r="0" g="0" b="0"/>
-      </a:lnRef>
-      <a:fillRef idx="1">
-        <a:scrgbClr r="0" g="0" b="0"/>
-      </a:fillRef>
-      <a:effectRef idx="0">
-        <a:scrgbClr r="0" g="0" b="0"/>
-      </a:effectRef>
-      <a:fontRef idx="minor"/>
-    </dgm:style>
-  </dgm:styleLbl>
-  <dgm:styleLbl name="trAlignAcc1">
-    <dgm:scene3d>
-      <a:camera prst="orthographicFront"/>
-      <a:lightRig rig="threePt" dir="t"/>
-    </dgm:scene3d>
-    <dgm:sp3d/>
-    <dgm:txPr/>
-    <dgm:style>
-      <a:lnRef idx="1">
-        <a:scrgbClr r="0" g="0" b="0"/>
-      </a:lnRef>
-      <a:fillRef idx="1">
-        <a:scrgbClr r="0" g="0" b="0"/>
-      </a:fillRef>
-      <a:effectRef idx="0">
-        <a:scrgbClr r="0" g="0" b="0"/>
-      </a:effectRef>
-      <a:fontRef idx="minor"/>
-    </dgm:style>
-  </dgm:styleLbl>
-  <dgm:styleLbl name="bgAcc1">
-    <dgm:scene3d>
-      <a:camera prst="orthographicFront"/>
-      <a:lightRig rig="threePt" dir="t"/>
-    </dgm:scene3d>
-    <dgm:sp3d/>
-    <dgm:txPr/>
-    <dgm:style>
-      <a:lnRef idx="2">
-        <a:scrgbClr r="0" g="0" b="0"/>
-      </a:lnRef>
-      <a:fillRef idx="1">
-        <a:scrgbClr r="0" g="0" b="0"/>
-      </a:fillRef>
-      <a:effectRef idx="0">
-        <a:scrgbClr r="0" g="0" b="0"/>
-      </a:effectRef>
-      <a:fontRef idx="minor"/>
-    </dgm:style>
-  </dgm:styleLbl>
-  <dgm:styleLbl name="solidFgAcc1">
-    <dgm:scene3d>
-      <a:camera prst="orthographicFront"/>
-      <a:lightRig rig="threePt" dir="t"/>
-    </dgm:scene3d>
-    <dgm:sp3d/>
-    <dgm:txPr/>
-    <dgm:style>
-      <a:lnRef idx="2">
-        <a:scrgbClr r="0" g="0" b="0"/>
-      </a:lnRef>
-      <a:fillRef idx="1">
-        <a:scrgbClr r="0" g="0" b="0"/>
-      </a:fillRef>
-      <a:effectRef idx="0">
-        <a:scrgbClr r="0" g="0" b="0"/>
-      </a:effectRef>
-      <a:fontRef idx="minor"/>
-    </dgm:style>
-  </dgm:styleLbl>
-  <dgm:styleLbl name="solidAlignAcc1">
-    <dgm:scene3d>
-      <a:camera prst="orthographicFront"/>
-      <a:lightRig rig="threePt" dir="t"/>
-    </dgm:scene3d>
-    <dgm:sp3d/>
-    <dgm:txPr/>
-    <dgm:style>
-      <a:lnRef idx="2">
-        <a:scrgbClr r="0" g="0" b="0"/>
-      </a:lnRef>
-      <a:fillRef idx="1">
-        <a:scrgbClr r="0" g="0" b="0"/>
-      </a:fillRef>
-      <a:effectRef idx="0">
-        <a:scrgbClr r="0" g="0" b="0"/>
-      </a:effectRef>
-      <a:fontRef idx="minor"/>
-    </dgm:style>
-  </dgm:styleLbl>
-  <dgm:styleLbl name="solidBgAcc1">
-    <dgm:scene3d>
-      <a:camera prst="orthographicFront"/>
-      <a:lightRig rig="threePt" dir="t"/>
-    </dgm:scene3d>
-    <dgm:sp3d/>
-    <dgm:txPr/>
-    <dgm:style>
-      <a:lnRef idx="2">
-        <a:scrgbClr r="0" g="0" b="0"/>
-      </a:lnRef>
-      <a:fillRef idx="1">
-        <a:scrgbClr r="0" g="0" b="0"/>
-      </a:fillRef>
-      <a:effectRef idx="0">
-        <a:scrgbClr r="0" g="0" b="0"/>
-      </a:effectRef>
-      <a:fontRef idx="minor"/>
-    </dgm:style>
-  </dgm:styleLbl>
-  <dgm:styleLbl name="fgAccFollowNode1">
-    <dgm:scene3d>
-      <a:camera prst="orthographicFront"/>
-      <a:lightRig rig="threePt" dir="t"/>
-    </dgm:scene3d>
-    <dgm:sp3d/>
-    <dgm:txPr/>
-    <dgm:style>
-      <a:lnRef idx="2">
-        <a:scrgbClr r="0" g="0" b="0"/>
-      </a:lnRef>
-      <a:fillRef idx="1">
-        <a:scrgbClr r="0" g="0" b="0"/>
-      </a:fillRef>
-      <a:effectRef idx="0">
-        <a:scrgbClr r="0" g="0" b="0"/>
-      </a:effectRef>
-      <a:fontRef idx="minor"/>
-    </dgm:style>
-  </dgm:styleLbl>
-  <dgm:styleLbl name="alignAccFollowNode1">
-    <dgm:scene3d>
-      <a:camera prst="orthographicFront"/>
-      <a:lightRig rig="threePt" dir="t"/>
-    </dgm:scene3d>
-    <dgm:sp3d/>
-    <dgm:txPr/>
-    <dgm:style>
-      <a:lnRef idx="2">
-        <a:scrgbClr r="0" g="0" b="0"/>
-      </a:lnRef>
-      <a:fillRef idx="1">
-        <a:scrgbClr r="0" g="0" b="0"/>
-      </a:fillRef>
-      <a:effectRef idx="0">
-        <a:scrgbClr r="0" g="0" b="0"/>
-      </a:effectRef>
-      <a:fontRef idx="minor"/>
-    </dgm:style>
-  </dgm:styleLbl>
-  <dgm:styleLbl name="bgAccFollowNode1">
-    <dgm:scene3d>
-      <a:camera prst="orthographicFront"/>
-      <a:lightRig rig="threePt" dir="t"/>
-    </dgm:scene3d>
-    <dgm:sp3d/>
-    <dgm:txPr/>
-    <dgm:style>
-      <a:lnRef idx="2">
-        <a:scrgbClr r="0" g="0" b="0"/>
-      </a:lnRef>
-      <a:fillRef idx="1">
-        <a:scrgbClr r="0" g="0" b="0"/>
-      </a:fillRef>
-      <a:effectRef idx="0">
-        <a:scrgbClr r="0" g="0" b="0"/>
-      </a:effectRef>
-      <a:fontRef idx="minor"/>
-    </dgm:style>
-  </dgm:styleLbl>
-  <dgm:styleLbl name="fgAcc0">
-    <dgm:scene3d>
-      <a:camera prst="orthographicFront"/>
-      <a:lightRig rig="threePt" dir="t"/>
-    </dgm:scene3d>
-    <dgm:sp3d/>
-    <dgm:txPr/>
-    <dgm:style>
-      <a:lnRef idx="2">
-        <a:scrgbClr r="0" g="0" b="0"/>
-      </a:lnRef>
-      <a:fillRef idx="1">
-        <a:scrgbClr r="0" g="0" b="0"/>
-      </a:fillRef>
-      <a:effectRef idx="0">
-        <a:scrgbClr r="0" g="0" b="0"/>
-      </a:effectRef>
-      <a:fontRef idx="minor"/>
-    </dgm:style>
-  </dgm:styleLbl>
-  <dgm:styleLbl name="fgAcc2">
-    <dgm:scene3d>
-      <a:camera prst="orthographicFront"/>
-      <a:lightRig rig="threePt" dir="t"/>
-    </dgm:scene3d>
-    <dgm:sp3d/>
-    <dgm:txPr/>
-    <dgm:style>
-      <a:lnRef idx="2">
-        <a:scrgbClr r="0" g="0" b="0"/>
-      </a:lnRef>
-      <a:fillRef idx="1">
-        <a:scrgbClr r="0" g="0" b="0"/>
-      </a:fillRef>
-      <a:effectRef idx="0">
-        <a:scrgbClr r="0" g="0" b="0"/>
-      </a:effectRef>
-      <a:fontRef idx="minor"/>
-    </dgm:style>
-  </dgm:styleLbl>
-  <dgm:styleLbl name="fgAcc3">
-    <dgm:scene3d>
-      <a:camera prst="orthographicFront"/>
-      <a:lightRig rig="threePt" dir="t"/>
-    </dgm:scene3d>
-    <dgm:sp3d/>
-    <dgm:txPr/>
-    <dgm:style>
-      <a:lnRef idx="2">
-        <a:scrgbClr r="0" g="0" b="0"/>
-      </a:lnRef>
-      <a:fillRef idx="1">
-        <a:scrgbClr r="0" g="0" b="0"/>
-      </a:fillRef>
-      <a:effectRef idx="0">
-        <a:scrgbClr r="0" g="0" b="0"/>
-      </a:effectRef>
-      <a:fontRef idx="minor"/>
-    </dgm:style>
-  </dgm:styleLbl>
-  <dgm:styleLbl name="fgAcc4">
-    <dgm:scene3d>
-      <a:camera prst="orthographicFront"/>
-      <a:lightRig rig="threePt" dir="t"/>
-    </dgm:scene3d>
-    <dgm:sp3d/>
-    <dgm:txPr/>
-    <dgm:style>
-      <a:lnRef idx="2">
-        <a:scrgbClr r="0" g="0" b="0"/>
-      </a:lnRef>
-      <a:fillRef idx="1">
-        <a:scrgbClr r="0" g="0" b="0"/>
-      </a:fillRef>
-      <a:effectRef idx="0">
-        <a:scrgbClr r="0" g="0" b="0"/>
-      </a:effectRef>
-      <a:fontRef idx="minor"/>
-    </dgm:style>
-  </dgm:styleLbl>
-  <dgm:styleLbl name="bgShp">
-    <dgm:scene3d>
-      <a:camera prst="orthographicFront"/>
-      <a:lightRig rig="threePt" dir="t"/>
-    </dgm:scene3d>
-    <dgm:sp3d/>
-    <dgm:txPr/>
-    <dgm:style>
-      <a:lnRef idx="0">
-        <a:scrgbClr r="0" g="0" b="0"/>
-      </a:lnRef>
-      <a:fillRef idx="1">
-        <a:scrgbClr r="0" g="0" b="0"/>
-      </a:fillRef>
-      <a:effectRef idx="0">
-        <a:scrgbClr r="0" g="0" b="0"/>
-      </a:effectRef>
-      <a:fontRef idx="minor"/>
-    </dgm:style>
-  </dgm:styleLbl>
-  <dgm:styleLbl name="dkBgShp">
-    <dgm:scene3d>
-      <a:camera prst="orthographicFront"/>
-      <a:lightRig rig="threePt" dir="t"/>
-    </dgm:scene3d>
-    <dgm:sp3d/>
-    <dgm:txPr/>
-    <dgm:style>
-      <a:lnRef idx="0">
-        <a:scrgbClr r="0" g="0" b="0"/>
-      </a:lnRef>
-      <a:fillRef idx="1">
-        <a:scrgbClr r="0" g="0" b="0"/>
-      </a:fillRef>
-      <a:effectRef idx="0">
-        <a:scrgbClr r="0" g="0" b="0"/>
-      </a:effectRef>
-      <a:fontRef idx="minor"/>
-    </dgm:style>
-  </dgm:styleLbl>
-  <dgm:styleLbl name="trBgShp">
-    <dgm:scene3d>
-      <a:camera prst="orthographicFront"/>
-      <a:lightRig rig="threePt" dir="t"/>
-    </dgm:scene3d>
-    <dgm:sp3d/>
-    <dgm:txPr/>
-    <dgm:style>
-      <a:lnRef idx="0">
-        <a:scrgbClr r="0" g="0" b="0"/>
-      </a:lnRef>
-      <a:fillRef idx="1">
-        <a:scrgbClr r="0" g="0" b="0"/>
-      </a:fillRef>
-      <a:effectRef idx="0">
-        <a:scrgbClr r="0" g="0" b="0"/>
-      </a:effectRef>
-      <a:fontRef idx="minor"/>
-    </dgm:style>
-  </dgm:styleLbl>
-  <dgm:styleLbl name="fgShp">
-    <dgm:scene3d>
-      <a:camera prst="orthographicFront"/>
-      <a:lightRig rig="threePt" dir="t"/>
-    </dgm:scene3d>
-    <dgm:sp3d/>
-    <dgm:txPr/>
-    <dgm:style>
-      <a:lnRef idx="2">
-        <a:scrgbClr r="0" g="0" b="0"/>
-      </a:lnRef>
-      <a:fillRef idx="1">
-        <a:scrgbClr r="0" g="0" b="0"/>
-      </a:fillRef>
-      <a:effectRef idx="0">
-        <a:scrgbClr r="0" g="0" b="0"/>
-      </a:effectRef>
-      <a:fontRef idx="minor"/>
-    </dgm:style>
-  </dgm:styleLbl>
-  <dgm:styleLbl name="revTx">
-    <dgm:scene3d>
-      <a:camera prst="orthographicFront"/>
-      <a:lightRig rig="threePt" dir="t"/>
-    </dgm:scene3d>
-    <dgm:sp3d/>
-    <dgm:txPr/>
-    <dgm:style>
-      <a:lnRef idx="0">
-        <a:scrgbClr r="0" g="0" b="0"/>
-      </a:lnRef>
-      <a:fillRef idx="0">
-        <a:scrgbClr r="0" g="0" b="0"/>
-      </a:fillRef>
-      <a:effectRef idx="0">
-        <a:scrgbClr r="0" g="0" b="0"/>
-      </a:effectRef>
-      <a:fontRef idx="minor"/>
-    </dgm:style>
-  </dgm:styleLbl>
-</dgm:styleDef>
-</file>
-
-<file path=ppt/diagrams/quickStyle5.xml><?xml version="1.0" encoding="utf-8"?>
 <dgm:styleDef xmlns:dgm="http://schemas.openxmlformats.org/drawingml/2006/diagram" xmlns:a="http://schemas.openxmlformats.org/drawingml/2006/main" uniqueId="urn:microsoft.com/office/officeart/2005/8/quickstyle/simple1">
   <dgm:title val=""/>
   <dgm:desc val=""/>
@@ -19563,6 +16721,13 @@
   <p:clrMapOvr>
     <a:masterClrMapping/>
   </p:clrMapOvr>
+  <p:timing>
+    <p:tnLst>
+      <p:par>
+        <p:cTn id="1" dur="indefinite" restart="never" nodeType="tmRoot"/>
+      </p:par>
+    </p:tnLst>
+  </p:timing>
 </p:sld>
 </file>
 
@@ -19663,6 +16828,13 @@
   <p:clrMapOvr>
     <a:masterClrMapping/>
   </p:clrMapOvr>
+  <p:timing>
+    <p:tnLst>
+      <p:par>
+        <p:cTn id="1" dur="indefinite" restart="never" nodeType="tmRoot"/>
+      </p:par>
+    </p:tnLst>
+  </p:timing>
 </p:sld>
 </file>
 
@@ -19811,6 +16983,13 @@
   <p:clrMapOvr>
     <a:masterClrMapping/>
   </p:clrMapOvr>
+  <p:timing>
+    <p:tnLst>
+      <p:par>
+        <p:cTn id="1" dur="indefinite" restart="never" nodeType="tmRoot"/>
+      </p:par>
+    </p:tnLst>
+  </p:timing>
 </p:sld>
 </file>
 
@@ -20485,6 +17664,13 @@
   <p:clrMapOvr>
     <a:masterClrMapping/>
   </p:clrMapOvr>
+  <p:timing>
+    <p:tnLst>
+      <p:par>
+        <p:cTn id="1" dur="indefinite" restart="never" nodeType="tmRoot"/>
+      </p:par>
+    </p:tnLst>
+  </p:timing>
 </p:sld>
 </file>
 
@@ -20702,6 +17888,13 @@
   <p:clrMapOvr>
     <a:masterClrMapping/>
   </p:clrMapOvr>
+  <p:timing>
+    <p:tnLst>
+      <p:par>
+        <p:cTn id="1" dur="indefinite" restart="never" nodeType="tmRoot"/>
+      </p:par>
+    </p:tnLst>
+  </p:timing>
 </p:sld>
 </file>
 
@@ -20930,6 +18123,13 @@
   <p:clrMapOvr>
     <a:masterClrMapping/>
   </p:clrMapOvr>
+  <p:timing>
+    <p:tnLst>
+      <p:par>
+        <p:cTn id="1" dur="indefinite" restart="never" nodeType="tmRoot"/>
+      </p:par>
+    </p:tnLst>
+  </p:timing>
 </p:sld>
 </file>
 
@@ -21424,6 +18624,13 @@
   <p:clrMapOvr>
     <a:masterClrMapping/>
   </p:clrMapOvr>
+  <p:timing>
+    <p:tnLst>
+      <p:par>
+        <p:cTn id="1" dur="indefinite" restart="never" nodeType="tmRoot"/>
+      </p:par>
+    </p:tnLst>
+  </p:timing>
 </p:sld>
 </file>
 
@@ -21921,6 +19128,13 @@
   <p:clrMapOvr>
     <a:masterClrMapping/>
   </p:clrMapOvr>
+  <p:timing>
+    <p:tnLst>
+      <p:par>
+        <p:cTn id="1" dur="indefinite" restart="never" nodeType="tmRoot"/>
+      </p:par>
+    </p:tnLst>
+  </p:timing>
 </p:sld>
 </file>
 
@@ -22020,6 +19234,13 @@
   <p:clrMapOvr>
     <a:masterClrMapping/>
   </p:clrMapOvr>
+  <p:timing>
+    <p:tnLst>
+      <p:par>
+        <p:cTn id="1" dur="indefinite" restart="never" nodeType="tmRoot"/>
+      </p:par>
+    </p:tnLst>
+  </p:timing>
 </p:sld>
 </file>
 
@@ -22112,6 +19333,13 @@
   <p:clrMapOvr>
     <a:masterClrMapping/>
   </p:clrMapOvr>
+  <p:timing>
+    <p:tnLst>
+      <p:par>
+        <p:cTn id="1" dur="indefinite" restart="never" nodeType="tmRoot"/>
+      </p:par>
+    </p:tnLst>
+  </p:timing>
 </p:sld>
 </file>
 
@@ -22248,20 +19476,19 @@
   <p:clrMapOvr>
     <a:masterClrMapping/>
   </p:clrMapOvr>
+  <p:timing>
+    <p:tnLst>
+      <p:par>
+        <p:cTn id="1" dur="indefinite" restart="never" nodeType="tmRoot"/>
+      </p:par>
+    </p:tnLst>
+  </p:timing>
 </p:sld>
 </file>
 
 <file path=ppt/slides/slide9.xml><?xml version="1.0" encoding="utf-8"?>
 <p:sld xmlns:a="http://schemas.openxmlformats.org/drawingml/2006/main" xmlns:r="http://schemas.openxmlformats.org/officeDocument/2006/relationships" xmlns:p="http://schemas.openxmlformats.org/presentationml/2006/main">
   <p:cSld>
-    <p:bg>
-      <p:bgPr>
-        <a:solidFill>
-          <a:schemeClr val="bg1"/>
-        </a:solidFill>
-        <a:effectLst/>
-      </p:bgPr>
-    </p:bg>
     <p:spTree>
       <p:nvGrpSpPr>
         <p:cNvPr id="1" name=""/>
@@ -22278,69 +19505,6 @@
       </p:grpSpPr>
       <p:sp>
         <p:nvSpPr>
-          <p:cNvPr id="10" name="Rectangle 9">
-            <a:extLst>
-              <a:ext uri="{FF2B5EF4-FFF2-40B4-BE49-F238E27FC236}">
-                <a16:creationId xmlns:a16="http://schemas.microsoft.com/office/drawing/2014/main" id="{E7FEC498-B035-4333-A0F8-DF3C35718915}"/>
-              </a:ext>
-              <a:ext uri="{C183D7F6-B498-43B3-948B-1728B52AA6E4}">
-                <adec:decorative xmlns:adec="http://schemas.microsoft.com/office/drawing/2017/decorative" xmlns="" val="1"/>
-              </a:ext>
-            </a:extLst>
-          </p:cNvPr>
-          <p:cNvSpPr>
-            <a:spLocks noGrp="1" noRot="1" noChangeAspect="1" noMove="1" noResize="1" noEditPoints="1" noAdjustHandles="1" noChangeArrowheads="1" noChangeShapeType="1" noTextEdit="1"/>
-          </p:cNvSpPr>
-          <p:nvPr>
-            <p:extLst>
-              <p:ext uri="{386F3935-93C4-4BCD-93E2-E3B085C9AB24}">
-                <p16:designElem xmlns:p16="http://schemas.microsoft.com/office/powerpoint/2015/main" val="1"/>
-              </p:ext>
-            </p:extLst>
-          </p:nvPr>
-        </p:nvSpPr>
-        <p:spPr>
-          <a:xfrm>
-            <a:off x="-1" y="0"/>
-            <a:ext cx="4654295" cy="6858000"/>
-          </a:xfrm>
-          <a:prstGeom prst="rect">
-            <a:avLst/>
-          </a:prstGeom>
-          <a:solidFill>
-            <a:schemeClr val="accent1"/>
-          </a:solidFill>
-          <a:ln>
-            <a:noFill/>
-          </a:ln>
-        </p:spPr>
-        <p:style>
-          <a:lnRef idx="2">
-            <a:schemeClr val="accent1">
-              <a:shade val="50000"/>
-            </a:schemeClr>
-          </a:lnRef>
-          <a:fillRef idx="1">
-            <a:schemeClr val="accent1"/>
-          </a:fillRef>
-          <a:effectRef idx="0">
-            <a:schemeClr val="accent1"/>
-          </a:effectRef>
-          <a:fontRef idx="minor">
-            <a:schemeClr val="lt1"/>
-          </a:fontRef>
-        </p:style>
-        <p:txBody>
-          <a:bodyPr rtlCol="0" anchor="ctr"/>
-          <a:lstStyle/>
-          <a:p>
-            <a:pPr algn="ctr"/>
-            <a:endParaRPr lang="en-US"/>
-          </a:p>
-        </p:txBody>
-      </p:sp>
-      <p:sp>
-        <p:nvSpPr>
           <p:cNvPr id="2" name="Title 1"/>
           <p:cNvSpPr>
             <a:spLocks noGrp="1"/>
@@ -22352,119 +19516,33 @@
         <p:spPr>
           <a:xfrm>
             <a:off x="762000" y="559678"/>
-            <a:ext cx="3567915" cy="4952492"/>
+            <a:ext cx="3833906" cy="1194307"/>
           </a:xfrm>
         </p:spPr>
         <p:txBody>
-          <a:bodyPr>
-            <a:normAutofit/>
-          </a:bodyPr>
+          <a:bodyPr/>
           <a:lstStyle/>
           <a:p>
             <a:r>
-              <a:rPr lang="en-GB" b="1">
-                <a:solidFill>
-                  <a:srgbClr val="FFFFFF"/>
-                </a:solidFill>
-              </a:rPr>
+              <a:rPr lang="en-GB" dirty="0" smtClean="0"/>
               <a:t>Testing</a:t>
             </a:r>
+            <a:endParaRPr lang="en-GB" dirty="0"/>
           </a:p>
         </p:txBody>
       </p:sp>
-      <p:cxnSp>
-        <p:nvCxnSpPr>
-          <p:cNvPr id="12" name="Straight Connector 11">
-            <a:extLst>
-              <a:ext uri="{FF2B5EF4-FFF2-40B4-BE49-F238E27FC236}">
-                <a16:creationId xmlns:a16="http://schemas.microsoft.com/office/drawing/2014/main" id="{A4E924C2-FBA4-41C5-A0FA-68EDF7E528C5}"/>
-              </a:ext>
-              <a:ext uri="{C183D7F6-B498-43B3-948B-1728B52AA6E4}">
-                <adec:decorative xmlns:adec="http://schemas.microsoft.com/office/drawing/2017/decorative" xmlns="" val="1"/>
-              </a:ext>
-            </a:extLst>
-          </p:cNvPr>
-          <p:cNvCxnSpPr>
-            <a:cxnSpLocks noGrp="1" noRot="1" noChangeAspect="1" noMove="1" noResize="1" noEditPoints="1" noAdjustHandles="1" noChangeArrowheads="1" noChangeShapeType="1"/>
-          </p:cNvCxnSpPr>
-          <p:nvPr>
-            <p:extLst>
-              <p:ext uri="{386F3935-93C4-4BCD-93E2-E3B085C9AB24}">
-                <p16:designElem xmlns:p16="http://schemas.microsoft.com/office/powerpoint/2015/main" val="1"/>
-              </p:ext>
-            </p:extLst>
-          </p:nvPr>
-        </p:nvCxnSpPr>
-        <p:spPr>
-          <a:xfrm>
-            <a:off x="0" y="6199730"/>
-            <a:ext cx="4297680" cy="0"/>
-          </a:xfrm>
-          <a:prstGeom prst="line">
-            <a:avLst/>
-          </a:prstGeom>
-          <a:ln w="25400">
-            <a:solidFill>
-              <a:srgbClr val="FFFFFF"/>
-            </a:solidFill>
-          </a:ln>
-        </p:spPr>
-        <p:style>
-          <a:lnRef idx="1">
-            <a:schemeClr val="accent1"/>
-          </a:lnRef>
-          <a:fillRef idx="0">
-            <a:schemeClr val="accent1"/>
-          </a:fillRef>
-          <a:effectRef idx="0">
-            <a:schemeClr val="accent1"/>
-          </a:effectRef>
-          <a:fontRef idx="minor">
-            <a:schemeClr val="tx1"/>
-          </a:fontRef>
-        </p:style>
-      </p:cxnSp>
-      <p:graphicFrame>
-        <p:nvGraphicFramePr>
-          <p:cNvPr id="5" name="Content Placeholder 2">
-            <a:extLst>
-              <a:ext uri="{FF2B5EF4-FFF2-40B4-BE49-F238E27FC236}">
-                <a16:creationId xmlns:a16="http://schemas.microsoft.com/office/drawing/2014/main" id="{AE69FBDB-213E-4D00-8491-61B807CDE50C}"/>
-              </a:ext>
-            </a:extLst>
-          </p:cNvPr>
-          <p:cNvGraphicFramePr>
-            <a:graphicFrameLocks noGrp="1"/>
-          </p:cNvGraphicFramePr>
+      <p:pic>
+        <p:nvPicPr>
+          <p:cNvPr id="4" name="Content Placeholder 3"/>
+          <p:cNvPicPr>
+            <a:picLocks noGrp="1" noChangeAspect="1"/>
+          </p:cNvPicPr>
           <p:nvPr>
             <p:ph idx="1"/>
-            <p:extLst>
-              <p:ext uri="{D42A27DB-BD31-4B8C-83A1-F6EECF244321}">
-                <p14:modId xmlns:p14="http://schemas.microsoft.com/office/powerpoint/2010/main" val="522006235"/>
-              </p:ext>
-            </p:extLst>
           </p:nvPr>
-        </p:nvGraphicFramePr>
-        <p:xfrm>
-          <a:off x="5821680" y="127750"/>
-          <a:ext cx="6248400" cy="5656263"/>
-        </p:xfrm>
-        <a:graphic>
-          <a:graphicData uri="http://schemas.openxmlformats.org/drawingml/2006/diagram">
-            <dgm:relIds xmlns:dgm="http://schemas.openxmlformats.org/drawingml/2006/diagram" xmlns:r="http://schemas.openxmlformats.org/officeDocument/2006/relationships" r:dm="rId2" r:lo="rId3" r:qs="rId4" r:cs="rId5"/>
-          </a:graphicData>
-        </a:graphic>
-      </p:graphicFrame>
-      <p:pic>
-        <p:nvPicPr>
-          <p:cNvPr id="4" name="Picture 3"/>
-          <p:cNvPicPr>
-            <a:picLocks noChangeAspect="1"/>
-          </p:cNvPicPr>
-          <p:nvPr/>
         </p:nvPicPr>
         <p:blipFill rotWithShape="1">
-          <a:blip r:embed="rId7">
+          <a:blip r:embed="rId2">
             <a:extLst>
               <a:ext uri="{28A0092B-C50C-407E-A947-70E740481C1C}">
                 <a14:useLocalDpi xmlns:a14="http://schemas.microsoft.com/office/drawing/2010/main" val="0"/>
@@ -22476,24 +19554,99 @@
         </p:blipFill>
         <p:spPr>
           <a:xfrm>
-            <a:off x="-1" y="1345097"/>
-            <a:ext cx="7065652" cy="4854633"/>
+            <a:off x="5181600" y="1249925"/>
+            <a:ext cx="6248400" cy="4293062"/>
           </a:xfrm>
           <a:prstGeom prst="rect">
             <a:avLst/>
           </a:prstGeom>
         </p:spPr>
       </p:pic>
+      <p:sp>
+        <p:nvSpPr>
+          <p:cNvPr id="5" name="TextBox 4"/>
+          <p:cNvSpPr txBox="1"/>
+          <p:nvPr/>
+        </p:nvSpPr>
+        <p:spPr>
+          <a:xfrm>
+            <a:off x="634022" y="3645301"/>
+            <a:ext cx="3715789" cy="1477328"/>
+          </a:xfrm>
+          <a:prstGeom prst="rect">
+            <a:avLst/>
+          </a:prstGeom>
+          <a:noFill/>
+        </p:spPr>
+        <p:txBody>
+          <a:bodyPr wrap="square" rtlCol="0">
+            <a:spAutoFit/>
+          </a:bodyPr>
+          <a:lstStyle/>
+          <a:p>
+            <a:pPr lvl="0"/>
+            <a:r>
+              <a:rPr lang="en-GB" dirty="0"/>
+              <a:t>I also used Mockito to create integration tests which allowed me to test functions that relied on calling other functions.</a:t>
+            </a:r>
+            <a:endParaRPr lang="en-US" dirty="0"/>
+          </a:p>
+          <a:p>
+            <a:endParaRPr lang="en-GB" dirty="0"/>
+          </a:p>
+        </p:txBody>
+      </p:sp>
+      <p:sp>
+        <p:nvSpPr>
+          <p:cNvPr id="6" name="TextBox 5"/>
+          <p:cNvSpPr txBox="1"/>
+          <p:nvPr/>
+        </p:nvSpPr>
+        <p:spPr>
+          <a:xfrm>
+            <a:off x="634022" y="1642130"/>
+            <a:ext cx="2601884" cy="1754326"/>
+          </a:xfrm>
+          <a:prstGeom prst="rect">
+            <a:avLst/>
+          </a:prstGeom>
+          <a:noFill/>
+        </p:spPr>
+        <p:txBody>
+          <a:bodyPr wrap="square" rtlCol="0">
+            <a:spAutoFit/>
+          </a:bodyPr>
+          <a:lstStyle/>
+          <a:p>
+            <a:pPr lvl="0"/>
+            <a:r>
+              <a:rPr lang="en-GB" dirty="0"/>
+              <a:t>I used Junit tests to make sure my setters and getters for my database objects were currently functioning.</a:t>
+            </a:r>
+            <a:endParaRPr lang="en-US" dirty="0"/>
+          </a:p>
+          <a:p>
+            <a:endParaRPr lang="en-GB" dirty="0"/>
+          </a:p>
+        </p:txBody>
+      </p:sp>
     </p:spTree>
     <p:extLst>
       <p:ext uri="{BB962C8B-B14F-4D97-AF65-F5344CB8AC3E}">
-        <p14:creationId xmlns:p14="http://schemas.microsoft.com/office/powerpoint/2010/main" val="1636644435"/>
+        <p14:creationId xmlns:p14="http://schemas.microsoft.com/office/powerpoint/2010/main" val="3856934928"/>
       </p:ext>
     </p:extLst>
   </p:cSld>
   <p:clrMapOvr>
     <a:masterClrMapping/>
   </p:clrMapOvr>
+  <p:timing>
+    <p:tnLst>
+      <p:par>
+        <p:cTn id="1" dur="indefinite" restart="never" nodeType="tmRoot"/>
+      </p:par>
+    </p:tnLst>
+  </p:timing>
 </p:sld>
 </file>
 
